--- a/DSP/DSP Presentaion.pptx
+++ b/DSP/DSP Presentaion.pptx
@@ -5,13 +5,15 @@
     <p:sldMasterId id="2147483877" r:id="rId1"/>
   </p:sldMasterIdLst>
   <p:notesMasterIdLst>
-    <p:notesMasterId r:id="rId6"/>
+    <p:notesMasterId r:id="rId8"/>
   </p:notesMasterIdLst>
   <p:sldIdLst>
     <p:sldId id="256" r:id="rId2"/>
     <p:sldId id="257" r:id="rId3"/>
-    <p:sldId id="258" r:id="rId4"/>
-    <p:sldId id="259" r:id="rId5"/>
+    <p:sldId id="261" r:id="rId4"/>
+    <p:sldId id="260" r:id="rId5"/>
+    <p:sldId id="258" r:id="rId6"/>
+    <p:sldId id="259" r:id="rId7"/>
   </p:sldIdLst>
   <p:sldSz cx="12192000" cy="6858000"/>
   <p:notesSz cx="6858000" cy="9144000"/>
@@ -208,7 +210,7 @@
           <a:p>
             <a:fld id="{C07396C5-D4A0-433F-98B5-989C9F973D08}" type="datetimeFigureOut">
               <a:rPr lang="en-US" smtClean="0"/>
-              <a:t>5/11/2024</a:t>
+              <a:t>5/15/2024</a:t>
             </a:fld>
             <a:endParaRPr lang="en-US"/>
           </a:p>
@@ -540,7 +542,7 @@
           <a:p>
             <a:fld id="{848C6CC7-90D1-45AB-A20D-7EB636D0FB42}" type="slidenum">
               <a:rPr lang="en-US" smtClean="0"/>
-              <a:t>3</a:t>
+              <a:t>5</a:t>
             </a:fld>
             <a:endParaRPr lang="en-US"/>
           </a:p>
@@ -2225,7 +2227,7 @@
           <a:p>
             <a:fld id="{42D69FD4-DC99-4B23-8E8B-D59EFDB78969}" type="datetime1">
               <a:rPr lang="en-US" smtClean="0"/>
-              <a:t>5/11/2024</a:t>
+              <a:t>5/15/2024</a:t>
             </a:fld>
             <a:endParaRPr lang="en-US"/>
           </a:p>
@@ -2428,7 +2430,7 @@
           <a:p>
             <a:fld id="{BAA46417-3BC5-4121-9900-EF7F249614B7}" type="datetime1">
               <a:rPr lang="en-US" smtClean="0"/>
-              <a:t>5/11/2024</a:t>
+              <a:t>5/15/2024</a:t>
             </a:fld>
             <a:endParaRPr lang="en-US"/>
           </a:p>
@@ -4149,7 +4151,7 @@
           <a:p>
             <a:fld id="{F304689D-BA59-4D57-B9EB-259125BAD79B}" type="datetime1">
               <a:rPr lang="en-US" smtClean="0"/>
-              <a:t>5/11/2024</a:t>
+              <a:t>5/15/2024</a:t>
             </a:fld>
             <a:endParaRPr lang="en-US"/>
           </a:p>
@@ -4348,7 +4350,7 @@
           <a:p>
             <a:fld id="{119E395D-E098-4C86-80AC-C8092291F191}" type="datetime1">
               <a:rPr lang="en-US" smtClean="0"/>
-              <a:t>5/11/2024</a:t>
+              <a:t>5/15/2024</a:t>
             </a:fld>
             <a:endParaRPr lang="en-US"/>
           </a:p>
@@ -6138,7 +6140,7 @@
           <a:p>
             <a:fld id="{F3564418-F8BC-48A7-8C86-5F9F8F9E99EB}" type="datetime1">
               <a:rPr lang="en-US" smtClean="0"/>
-              <a:t>5/11/2024</a:t>
+              <a:t>5/15/2024</a:t>
             </a:fld>
             <a:endParaRPr lang="en-US"/>
           </a:p>
@@ -6411,7 +6413,7 @@
           <a:p>
             <a:fld id="{A8B25A64-D6E4-4FA7-9953-9D488554464C}" type="datetime1">
               <a:rPr lang="en-US" smtClean="0"/>
-              <a:t>5/11/2024</a:t>
+              <a:t>5/15/2024</a:t>
             </a:fld>
             <a:endParaRPr lang="en-US"/>
           </a:p>
@@ -6831,7 +6833,7 @@
           <a:p>
             <a:fld id="{CBD5B24F-D561-4955-992A-8A6DBD351919}" type="datetime1">
               <a:rPr lang="en-US" smtClean="0"/>
-              <a:t>5/11/2024</a:t>
+              <a:t>5/15/2024</a:t>
             </a:fld>
             <a:endParaRPr lang="en-US"/>
           </a:p>
@@ -6987,7 +6989,7 @@
           <a:p>
             <a:fld id="{F470744D-5402-413D-BBFC-512961989BDF}" type="datetime1">
               <a:rPr lang="en-US" smtClean="0"/>
-              <a:t>5/11/2024</a:t>
+              <a:t>5/15/2024</a:t>
             </a:fld>
             <a:endParaRPr lang="en-US"/>
           </a:p>
@@ -8555,7 +8557,7 @@
           <a:p>
             <a:fld id="{C6C8292D-9FBB-4D02-A00F-54F17C7BBB8C}" type="datetime1">
               <a:rPr lang="en-US" smtClean="0"/>
-              <a:t>5/11/2024</a:t>
+              <a:t>5/15/2024</a:t>
             </a:fld>
             <a:endParaRPr lang="en-US"/>
           </a:p>
@@ -10406,7 +10408,7 @@
           <a:p>
             <a:fld id="{73091D35-DCB7-407C-A217-57907848A40A}" type="datetime1">
               <a:rPr lang="en-US" smtClean="0"/>
-              <a:t>5/11/2024</a:t>
+              <a:t>5/15/2024</a:t>
             </a:fld>
             <a:endParaRPr lang="en-US"/>
           </a:p>
@@ -12219,7 +12221,7 @@
           <a:p>
             <a:fld id="{5A3B60CB-E3F0-4DBC-ADE9-2C1F18A1E28B}" type="datetime1">
               <a:rPr lang="en-US" smtClean="0"/>
-              <a:t>5/11/2024</a:t>
+              <a:t>5/15/2024</a:t>
             </a:fld>
             <a:endParaRPr lang="en-US"/>
           </a:p>
@@ -13912,7 +13914,7 @@
           <a:p>
             <a:fld id="{016EDA27-55B6-4391-ACA0-F4B72AFD3F1E}" type="datetime1">
               <a:rPr lang="en-US" smtClean="0"/>
-              <a:t>5/11/2024</a:t>
+              <a:t>5/15/2024</a:t>
             </a:fld>
             <a:endParaRPr lang="en-US" dirty="0"/>
           </a:p>
@@ -18998,7 +19000,7 @@
         </p:spPr>
         <p:txBody>
           <a:bodyPr vert="horz" lIns="91440" tIns="45720" rIns="91440" bIns="45720" rtlCol="0" anchor="b">
-            <a:normAutofit/>
+            <a:normAutofit fontScale="85000" lnSpcReduction="10000"/>
           </a:bodyPr>
           <a:lstStyle/>
           <a:p>
@@ -19011,7 +19013,7 @@
               </a:spcAft>
             </a:pPr>
             <a:r>
-              <a:rPr lang="en-US" sz="5400" dirty="0">
+              <a:rPr lang="en-US" sz="5400">
                 <a:solidFill>
                   <a:schemeClr val="tx2"/>
                 </a:solidFill>
@@ -19019,104 +19021,19 @@
                 <a:ea typeface="+mj-ea"/>
                 <a:cs typeface="+mj-cs"/>
               </a:rPr>
-              <a:t>Hardware </a:t>
+              <a:t>The main Component of the project </a:t>
             </a:r>
+            <a:endParaRPr lang="en-US" sz="5400" dirty="0">
+              <a:solidFill>
+                <a:schemeClr val="tx2"/>
+              </a:solidFill>
+              <a:latin typeface="+mj-lt"/>
+              <a:ea typeface="+mj-ea"/>
+              <a:cs typeface="+mj-cs"/>
+            </a:endParaRPr>
           </a:p>
         </p:txBody>
       </p:sp>
-      <p:pic>
-        <p:nvPicPr>
-          <p:cNvPr id="1034" name="Picture 10" descr="AD8232 ECG Sensor &amp; Arduino Interfacing with ECG Graph">
-            <a:extLst>
-              <a:ext uri="{FF2B5EF4-FFF2-40B4-BE49-F238E27FC236}">
-                <a16:creationId xmlns:a16="http://schemas.microsoft.com/office/drawing/2014/main" id="{505263B0-CEBD-2C39-F994-3ECC26F17799}"/>
-              </a:ext>
-            </a:extLst>
-          </p:cNvPr>
-          <p:cNvPicPr>
-            <a:picLocks noChangeAspect="1" noChangeArrowheads="1"/>
-          </p:cNvPicPr>
-          <p:nvPr/>
-        </p:nvPicPr>
-        <p:blipFill>
-          <a:blip r:embed="rId2">
-            <a:extLst>
-              <a:ext uri="{28A0092B-C50C-407E-A947-70E740481C1C}">
-                <a14:useLocalDpi xmlns:a14="http://schemas.microsoft.com/office/drawing/2010/main" val="0"/>
-              </a:ext>
-            </a:extLst>
-          </a:blip>
-          <a:stretch>
-            <a:fillRect/>
-          </a:stretch>
-        </p:blipFill>
-        <p:spPr bwMode="auto">
-          <a:xfrm>
-            <a:off x="398791" y="2340137"/>
-            <a:ext cx="5377270" cy="3051601"/>
-          </a:xfrm>
-          <a:prstGeom prst="rect">
-            <a:avLst/>
-          </a:prstGeom>
-          <a:noFill/>
-          <a:extLst>
-            <a:ext uri="{909E8E84-426E-40DD-AFC4-6F175D3DCCD1}">
-              <a14:hiddenFill xmlns:a14="http://schemas.microsoft.com/office/drawing/2010/main">
-                <a:solidFill>
-                  <a:srgbClr val="FFFFFF"/>
-                </a:solidFill>
-              </a14:hiddenFill>
-            </a:ext>
-          </a:extLst>
-        </p:spPr>
-      </p:pic>
-      <p:pic>
-        <p:nvPicPr>
-          <p:cNvPr id="12" name="Picture 16">
-            <a:extLst>
-              <a:ext uri="{FF2B5EF4-FFF2-40B4-BE49-F238E27FC236}">
-                <a16:creationId xmlns:a16="http://schemas.microsoft.com/office/drawing/2014/main" id="{6F356E26-E556-0616-C8AD-0745DCBDC9FF}"/>
-              </a:ext>
-            </a:extLst>
-          </p:cNvPr>
-          <p:cNvPicPr>
-            <a:picLocks noChangeAspect="1" noChangeArrowheads="1"/>
-          </p:cNvPicPr>
-          <p:nvPr/>
-        </p:nvPicPr>
-        <p:blipFill>
-          <a:blip r:embed="rId3">
-            <a:extLst>
-              <a:ext uri="{28A0092B-C50C-407E-A947-70E740481C1C}">
-                <a14:useLocalDpi xmlns:a14="http://schemas.microsoft.com/office/drawing/2010/main" val="0"/>
-              </a:ext>
-            </a:extLst>
-          </a:blip>
-          <a:srcRect/>
-          <a:stretch>
-            <a:fillRect/>
-          </a:stretch>
-        </p:blipFill>
-        <p:spPr bwMode="auto">
-          <a:xfrm>
-            <a:off x="6968221" y="2490210"/>
-            <a:ext cx="3674866" cy="3374752"/>
-          </a:xfrm>
-          <a:prstGeom prst="rect">
-            <a:avLst/>
-          </a:prstGeom>
-          <a:noFill/>
-          <a:extLst>
-            <a:ext uri="{909E8E84-426E-40DD-AFC4-6F175D3DCCD1}">
-              <a14:hiddenFill xmlns:a14="http://schemas.microsoft.com/office/drawing/2010/main">
-                <a:solidFill>
-                  <a:srgbClr val="FFFFFF"/>
-                </a:solidFill>
-              </a14:hiddenFill>
-            </a:ext>
-          </a:extLst>
-        </p:spPr>
-      </p:pic>
       <p:sp>
         <p:nvSpPr>
           <p:cNvPr id="13" name="Slide Number Placeholder 12">
@@ -19204,6 +19121,313 @@
           </a:p>
         </p:txBody>
       </p:sp>
+      <p:grpSp>
+        <p:nvGrpSpPr>
+          <p:cNvPr id="10" name="Group 9">
+            <a:extLst>
+              <a:ext uri="{FF2B5EF4-FFF2-40B4-BE49-F238E27FC236}">
+                <a16:creationId xmlns:a16="http://schemas.microsoft.com/office/drawing/2014/main" id="{13EBC0B1-7974-1623-F89B-17A248994799}"/>
+              </a:ext>
+            </a:extLst>
+          </p:cNvPr>
+          <p:cNvGrpSpPr/>
+          <p:nvPr/>
+        </p:nvGrpSpPr>
+        <p:grpSpPr>
+          <a:xfrm>
+            <a:off x="6810376" y="2113210"/>
+            <a:ext cx="4831734" cy="3590755"/>
+            <a:chOff x="6800703" y="2113210"/>
+            <a:chExt cx="4841407" cy="3590755"/>
+          </a:xfrm>
+        </p:grpSpPr>
+        <p:pic>
+          <p:nvPicPr>
+            <p:cNvPr id="1026" name="Picture 2" descr="A red circuit board with many wires">
+              <a:extLst>
+                <a:ext uri="{FF2B5EF4-FFF2-40B4-BE49-F238E27FC236}">
+                  <a16:creationId xmlns:a16="http://schemas.microsoft.com/office/drawing/2014/main" id="{C9099553-78B8-1AD2-F708-D4C4F7010276}"/>
+                </a:ext>
+                <a:ext uri="{C183D7F6-B498-43B3-948B-1728B52AA6E4}">
+                  <adec:decorative xmlns:adec="http://schemas.microsoft.com/office/drawing/2017/decorative" val="0"/>
+                </a:ext>
+              </a:extLst>
+            </p:cNvPr>
+            <p:cNvPicPr>
+              <a:picLocks noChangeAspect="1" noChangeArrowheads="1"/>
+            </p:cNvPicPr>
+            <p:nvPr/>
+          </p:nvPicPr>
+          <p:blipFill>
+            <a:blip r:embed="rId2">
+              <a:extLst>
+                <a:ext uri="{28A0092B-C50C-407E-A947-70E740481C1C}">
+                  <a14:useLocalDpi xmlns:a14="http://schemas.microsoft.com/office/drawing/2010/main" val="0"/>
+                </a:ext>
+              </a:extLst>
+            </a:blip>
+            <a:srcRect/>
+            <a:stretch>
+              <a:fillRect/>
+            </a:stretch>
+          </p:blipFill>
+          <p:spPr bwMode="auto">
+            <a:xfrm>
+              <a:off x="6800703" y="2113210"/>
+              <a:ext cx="4841407" cy="3227605"/>
+            </a:xfrm>
+            <a:prstGeom prst="rect">
+              <a:avLst/>
+            </a:prstGeom>
+            <a:noFill/>
+            <a:extLst>
+              <a:ext uri="{909E8E84-426E-40DD-AFC4-6F175D3DCCD1}">
+                <a14:hiddenFill xmlns:a14="http://schemas.microsoft.com/office/drawing/2010/main">
+                  <a:solidFill>
+                    <a:srgbClr val="FFFFFF"/>
+                  </a:solidFill>
+                </a14:hiddenFill>
+              </a:ext>
+            </a:extLst>
+          </p:spPr>
+        </p:pic>
+        <p:sp>
+          <p:nvSpPr>
+            <p:cNvPr id="6" name="TextBox 5">
+              <a:extLst>
+                <a:ext uri="{FF2B5EF4-FFF2-40B4-BE49-F238E27FC236}">
+                  <a16:creationId xmlns:a16="http://schemas.microsoft.com/office/drawing/2014/main" id="{0DBE2E1E-0A64-E4A4-8209-8A5F82247DD4}"/>
+                </a:ext>
+              </a:extLst>
+            </p:cNvPr>
+            <p:cNvSpPr txBox="1"/>
+            <p:nvPr/>
+          </p:nvSpPr>
+          <p:spPr>
+            <a:xfrm>
+              <a:off x="7951980" y="5396188"/>
+              <a:ext cx="3228262" cy="307777"/>
+            </a:xfrm>
+            <a:prstGeom prst="rect">
+              <a:avLst/>
+            </a:prstGeom>
+            <a:noFill/>
+          </p:spPr>
+          <p:txBody>
+            <a:bodyPr wrap="square" rtlCol="1">
+              <a:spAutoFit/>
+            </a:bodyPr>
+            <a:lstStyle/>
+            <a:p>
+              <a:pPr algn="ctr"/>
+              <a:r>
+                <a:rPr lang="en-US" sz="1400"/>
+                <a:t>ECG module pinout</a:t>
+              </a:r>
+              <a:endParaRPr lang="ar-EG" sz="1400"/>
+            </a:p>
+          </p:txBody>
+        </p:sp>
+      </p:grpSp>
+      <p:grpSp>
+        <p:nvGrpSpPr>
+          <p:cNvPr id="8" name="Group 7">
+            <a:extLst>
+              <a:ext uri="{FF2B5EF4-FFF2-40B4-BE49-F238E27FC236}">
+                <a16:creationId xmlns:a16="http://schemas.microsoft.com/office/drawing/2014/main" id="{F02D39D4-B3E4-4FEF-95E3-A88D8D30D2F4}"/>
+              </a:ext>
+            </a:extLst>
+          </p:cNvPr>
+          <p:cNvGrpSpPr/>
+          <p:nvPr/>
+        </p:nvGrpSpPr>
+        <p:grpSpPr>
+          <a:xfrm>
+            <a:off x="275584" y="2537751"/>
+            <a:ext cx="3228262" cy="2185002"/>
+            <a:chOff x="275584" y="2537751"/>
+            <a:chExt cx="3228262" cy="2185002"/>
+          </a:xfrm>
+        </p:grpSpPr>
+        <p:pic>
+          <p:nvPicPr>
+            <p:cNvPr id="1028" name="Picture 4" descr="AD8232 ECG Sensor Module at Rs 460/piece | Heart Beat Sensors in Noida |  ID: 26130772612">
+              <a:extLst>
+                <a:ext uri="{FF2B5EF4-FFF2-40B4-BE49-F238E27FC236}">
+                  <a16:creationId xmlns:a16="http://schemas.microsoft.com/office/drawing/2014/main" id="{3924935A-5C57-65B2-714D-4C4877708EC7}"/>
+                </a:ext>
+              </a:extLst>
+            </p:cNvPr>
+            <p:cNvPicPr>
+              <a:picLocks noChangeAspect="1" noChangeArrowheads="1"/>
+            </p:cNvPicPr>
+            <p:nvPr/>
+          </p:nvPicPr>
+          <p:blipFill>
+            <a:blip r:embed="rId3">
+              <a:extLst>
+                <a:ext uri="{28A0092B-C50C-407E-A947-70E740481C1C}">
+                  <a14:useLocalDpi xmlns:a14="http://schemas.microsoft.com/office/drawing/2010/main" val="0"/>
+                </a:ext>
+              </a:extLst>
+            </a:blip>
+            <a:srcRect/>
+            <a:stretch>
+              <a:fillRect/>
+            </a:stretch>
+          </p:blipFill>
+          <p:spPr bwMode="auto">
+            <a:xfrm>
+              <a:off x="903442" y="2537751"/>
+              <a:ext cx="1838324" cy="1838324"/>
+            </a:xfrm>
+            <a:prstGeom prst="rect">
+              <a:avLst/>
+            </a:prstGeom>
+            <a:noFill/>
+            <a:extLst>
+              <a:ext uri="{909E8E84-426E-40DD-AFC4-6F175D3DCCD1}">
+                <a14:hiddenFill xmlns:a14="http://schemas.microsoft.com/office/drawing/2010/main">
+                  <a:solidFill>
+                    <a:srgbClr val="FFFFFF"/>
+                  </a:solidFill>
+                </a14:hiddenFill>
+              </a:ext>
+            </a:extLst>
+          </p:spPr>
+        </p:pic>
+        <p:sp>
+          <p:nvSpPr>
+            <p:cNvPr id="7" name="TextBox 6">
+              <a:extLst>
+                <a:ext uri="{FF2B5EF4-FFF2-40B4-BE49-F238E27FC236}">
+                  <a16:creationId xmlns:a16="http://schemas.microsoft.com/office/drawing/2014/main" id="{EB7F20D4-2849-F2D2-FA08-3C52E11ED936}"/>
+                </a:ext>
+              </a:extLst>
+            </p:cNvPr>
+            <p:cNvSpPr txBox="1"/>
+            <p:nvPr/>
+          </p:nvSpPr>
+          <p:spPr>
+            <a:xfrm>
+              <a:off x="275584" y="4414976"/>
+              <a:ext cx="3228262" cy="307777"/>
+            </a:xfrm>
+            <a:prstGeom prst="rect">
+              <a:avLst/>
+            </a:prstGeom>
+            <a:noFill/>
+          </p:spPr>
+          <p:txBody>
+            <a:bodyPr wrap="square" rtlCol="1">
+              <a:spAutoFit/>
+            </a:bodyPr>
+            <a:lstStyle/>
+            <a:p>
+              <a:pPr algn="ctr"/>
+              <a:r>
+                <a:rPr lang="en-US" sz="1400"/>
+                <a:t>ECG module electrodes</a:t>
+              </a:r>
+              <a:endParaRPr lang="ar-EG" sz="1400"/>
+            </a:p>
+          </p:txBody>
+        </p:sp>
+      </p:grpSp>
+      <p:grpSp>
+        <p:nvGrpSpPr>
+          <p:cNvPr id="9" name="Group 8">
+            <a:extLst>
+              <a:ext uri="{FF2B5EF4-FFF2-40B4-BE49-F238E27FC236}">
+                <a16:creationId xmlns:a16="http://schemas.microsoft.com/office/drawing/2014/main" id="{E80A235A-8D50-4161-3014-F29E3D945971}"/>
+              </a:ext>
+            </a:extLst>
+          </p:cNvPr>
+          <p:cNvGrpSpPr/>
+          <p:nvPr/>
+        </p:nvGrpSpPr>
+        <p:grpSpPr>
+          <a:xfrm>
+            <a:off x="3447017" y="2558830"/>
+            <a:ext cx="4041007" cy="2163923"/>
+            <a:chOff x="3447017" y="2558830"/>
+            <a:chExt cx="4041007" cy="2163923"/>
+          </a:xfrm>
+        </p:grpSpPr>
+        <p:pic>
+          <p:nvPicPr>
+            <p:cNvPr id="3" name="Picture 2" descr="A white text on a white background&#10;&#10;Description automatically generated">
+              <a:extLst>
+                <a:ext uri="{FF2B5EF4-FFF2-40B4-BE49-F238E27FC236}">
+                  <a16:creationId xmlns:a16="http://schemas.microsoft.com/office/drawing/2014/main" id="{258C116B-EB1A-12D2-525E-F12024CC5C68}"/>
+                </a:ext>
+              </a:extLst>
+            </p:cNvPr>
+            <p:cNvPicPr>
+              <a:picLocks noChangeAspect="1"/>
+            </p:cNvPicPr>
+            <p:nvPr/>
+          </p:nvPicPr>
+          <p:blipFill>
+            <a:blip r:embed="rId4">
+              <a:extLst>
+                <a:ext uri="{28A0092B-C50C-407E-A947-70E740481C1C}">
+                  <a14:useLocalDpi xmlns:a14="http://schemas.microsoft.com/office/drawing/2010/main" val="0"/>
+                </a:ext>
+              </a:extLst>
+            </a:blip>
+            <a:stretch>
+              <a:fillRect/>
+            </a:stretch>
+          </p:blipFill>
+          <p:spPr>
+            <a:xfrm>
+              <a:off x="3447017" y="2558830"/>
+              <a:ext cx="4041007" cy="2010035"/>
+            </a:xfrm>
+            <a:prstGeom prst="rect">
+              <a:avLst/>
+            </a:prstGeom>
+          </p:spPr>
+        </p:pic>
+        <p:sp>
+          <p:nvSpPr>
+            <p:cNvPr id="5" name="TextBox 4">
+              <a:extLst>
+                <a:ext uri="{FF2B5EF4-FFF2-40B4-BE49-F238E27FC236}">
+                  <a16:creationId xmlns:a16="http://schemas.microsoft.com/office/drawing/2014/main" id="{5BA9B14E-EB63-B709-7AE6-0624D0254394}"/>
+                </a:ext>
+              </a:extLst>
+            </p:cNvPr>
+            <p:cNvSpPr txBox="1"/>
+            <p:nvPr/>
+          </p:nvSpPr>
+          <p:spPr>
+            <a:xfrm>
+              <a:off x="3958259" y="4414976"/>
+              <a:ext cx="3228262" cy="307777"/>
+            </a:xfrm>
+            <a:prstGeom prst="rect">
+              <a:avLst/>
+            </a:prstGeom>
+            <a:noFill/>
+          </p:spPr>
+          <p:txBody>
+            <a:bodyPr wrap="square" rtlCol="1">
+              <a:spAutoFit/>
+            </a:bodyPr>
+            <a:lstStyle/>
+            <a:p>
+              <a:pPr algn="ctr"/>
+              <a:r>
+                <a:rPr lang="en-US" sz="1400"/>
+                <a:t>Table of connection with arduino</a:t>
+              </a:r>
+              <a:endParaRPr lang="ar-EG" sz="1400"/>
+            </a:p>
+          </p:txBody>
+        </p:sp>
+      </p:grpSp>
     </p:spTree>
     <p:extLst>
       <p:ext uri="{BB962C8B-B14F-4D97-AF65-F5344CB8AC3E}">
@@ -19245,7 +19469,7 @@
                                   <p:childTnLst>
                                     <p:animMotion origin="layout" path="M 0.00117 -0.24306 L 8.33333E-7 -1.85185E-6 " pathEditMode="relative" rAng="0" ptsTypes="AA">
                                       <p:cBhvr>
-                                        <p:cTn id="6" dur="2000" fill="hold"/>
+                                        <p:cTn id="6" dur="500" fill="hold"/>
                                         <p:tgtEl>
                                           <p:spTgt spid="4"/>
                                         </p:tgtEl>
@@ -19259,21 +19483,30 @@
                                   </p:childTnLst>
                                 </p:cTn>
                               </p:par>
+                            </p:childTnLst>
+                          </p:cTn>
+                        </p:par>
+                        <p:par>
+                          <p:cTn id="7" fill="hold">
+                            <p:stCondLst>
+                              <p:cond delay="500"/>
+                            </p:stCondLst>
+                            <p:childTnLst>
                               <p:par>
-                                <p:cTn id="7" presetID="10" presetClass="entr" presetSubtype="0" fill="hold" nodeType="withEffect">
+                                <p:cTn id="8" presetID="10" presetClass="entr" presetSubtype="0" fill="hold" nodeType="afterEffect">
                                   <p:stCondLst>
-                                    <p:cond delay="800"/>
+                                    <p:cond delay="0"/>
                                   </p:stCondLst>
                                   <p:childTnLst>
                                     <p:set>
                                       <p:cBhvr>
-                                        <p:cTn id="8" dur="1" fill="hold">
+                                        <p:cTn id="9" dur="1" fill="hold">
                                           <p:stCondLst>
                                             <p:cond delay="0"/>
                                           </p:stCondLst>
                                         </p:cTn>
                                         <p:tgtEl>
-                                          <p:spTgt spid="1034"/>
+                                          <p:spTgt spid="8"/>
                                         </p:tgtEl>
                                         <p:attrNameLst>
                                           <p:attrName>style.visibility</p:attrName>
@@ -19285,9 +19518,9 @@
                                     </p:set>
                                     <p:animEffect transition="in" filter="fade">
                                       <p:cBhvr>
-                                        <p:cTn id="9" dur="500"/>
+                                        <p:cTn id="10" dur="600"/>
                                         <p:tgtEl>
-                                          <p:spTgt spid="1034"/>
+                                          <p:spTgt spid="8"/>
                                         </p:tgtEl>
                                       </p:cBhvr>
                                     </p:animEffect>
@@ -19295,20 +19528,20 @@
                                 </p:cTn>
                               </p:par>
                               <p:par>
-                                <p:cTn id="10" presetID="22" presetClass="entr" presetSubtype="4" fill="hold" nodeType="withEffect">
+                                <p:cTn id="11" presetID="10" presetClass="entr" presetSubtype="0" fill="hold" nodeType="withEffect">
                                   <p:stCondLst>
-                                    <p:cond delay="800"/>
+                                    <p:cond delay="0"/>
                                   </p:stCondLst>
                                   <p:childTnLst>
                                     <p:set>
                                       <p:cBhvr>
-                                        <p:cTn id="11" dur="1" fill="hold">
+                                        <p:cTn id="12" dur="1" fill="hold">
                                           <p:stCondLst>
                                             <p:cond delay="0"/>
                                           </p:stCondLst>
                                         </p:cTn>
                                         <p:tgtEl>
-                                          <p:spTgt spid="12"/>
+                                          <p:spTgt spid="9"/>
                                         </p:tgtEl>
                                         <p:attrNameLst>
                                           <p:attrName>style.visibility</p:attrName>
@@ -19318,11 +19551,46 @@
                                         <p:strVal val="visible"/>
                                       </p:to>
                                     </p:set>
-                                    <p:animEffect transition="in" filter="wipe(down)">
+                                    <p:animEffect transition="in" filter="fade">
                                       <p:cBhvr>
-                                        <p:cTn id="12" dur="700"/>
+                                        <p:cTn id="13" dur="500"/>
                                         <p:tgtEl>
-                                          <p:spTgt spid="12"/>
+                                          <p:spTgt spid="9"/>
+                                        </p:tgtEl>
+                                      </p:cBhvr>
+                                    </p:animEffect>
+                                  </p:childTnLst>
+                                </p:cTn>
+                              </p:par>
+                              <p:par>
+                                <p:cTn id="14" presetID="10" presetClass="entr" presetSubtype="0" fill="hold" nodeType="withEffect">
+                                  <p:stCondLst>
+                                    <p:cond delay="0"/>
+                                  </p:stCondLst>
+                                  <p:childTnLst>
+                                    <p:set>
+                                      <p:cBhvr>
+                                        <p:cTn id="15" dur="1" fill="hold">
+                                          <p:stCondLst>
+                                            <p:cond delay="0"/>
+                                          </p:stCondLst>
+                                        </p:cTn>
+                                        <p:tgtEl>
+                                          <p:spTgt spid="10"/>
+                                        </p:tgtEl>
+                                        <p:attrNameLst>
+                                          <p:attrName>style.visibility</p:attrName>
+                                        </p:attrNameLst>
+                                      </p:cBhvr>
+                                      <p:to>
+                                        <p:strVal val="visible"/>
+                                      </p:to>
+                                    </p:set>
+                                    <p:animEffect transition="in" filter="fade">
+                                      <p:cBhvr>
+                                        <p:cTn id="16" dur="500"/>
+                                        <p:tgtEl>
+                                          <p:spTgt spid="10"/>
                                         </p:tgtEl>
                                       </p:cBhvr>
                                     </p:animEffect>
@@ -19364,6 +19632,8037 @@
 </file>
 
 <file path=ppt/slides/slide3.xml><?xml version="1.0" encoding="utf-8"?>
+<p:sld xmlns:a="http://schemas.openxmlformats.org/drawingml/2006/main" xmlns:r="http://schemas.openxmlformats.org/officeDocument/2006/relationships" xmlns:p="http://schemas.openxmlformats.org/presentationml/2006/main">
+  <p:cSld>
+    <p:bg>
+      <p:bgPr>
+        <a:solidFill>
+          <a:schemeClr val="bg1"/>
+        </a:solidFill>
+        <a:effectLst/>
+      </p:bgPr>
+    </p:bg>
+    <p:spTree>
+      <p:nvGrpSpPr>
+        <p:cNvPr id="1" name=""/>
+        <p:cNvGrpSpPr/>
+        <p:nvPr/>
+      </p:nvGrpSpPr>
+      <p:grpSpPr>
+        <a:xfrm>
+          <a:off x="0" y="0"/>
+          <a:ext cx="0" cy="0"/>
+          <a:chOff x="0" y="0"/>
+          <a:chExt cx="0" cy="0"/>
+        </a:xfrm>
+      </p:grpSpPr>
+      <p:grpSp>
+        <p:nvGrpSpPr>
+          <p:cNvPr id="1114" name="Group 1113">
+            <a:extLst>
+              <a:ext uri="{FF2B5EF4-FFF2-40B4-BE49-F238E27FC236}">
+                <a16:creationId xmlns:a16="http://schemas.microsoft.com/office/drawing/2014/main" id="{748618E9-EE2D-4864-9EEE-58939BD4FBBA}"/>
+              </a:ext>
+              <a:ext uri="{C183D7F6-B498-43B3-948B-1728B52AA6E4}">
+                <adec:decorative xmlns:adec="http://schemas.microsoft.com/office/drawing/2017/decorative" val="1"/>
+              </a:ext>
+            </a:extLst>
+          </p:cNvPr>
+          <p:cNvGrpSpPr>
+            <a:grpSpLocks noGrp="1" noUngrp="1" noRot="1" noChangeAspect="1" noMove="1" noResize="1"/>
+          </p:cNvGrpSpPr>
+          <p:nvPr>
+            <p:extLst>
+              <p:ext uri="{386F3935-93C4-4BCD-93E2-E3B085C9AB24}">
+                <p16:designElem xmlns:p16="http://schemas.microsoft.com/office/powerpoint/2015/main" val="1"/>
+              </p:ext>
+            </p:extLst>
+          </p:nvPr>
+        </p:nvGrpSpPr>
+        <p:grpSpPr>
+          <a:xfrm>
+            <a:off x="-6214" y="-1"/>
+            <a:ext cx="12214827" cy="6858000"/>
+            <a:chOff x="-6214" y="-1"/>
+            <a:chExt cx="12214827" cy="6858000"/>
+          </a:xfrm>
+        </p:grpSpPr>
+        <p:cxnSp>
+          <p:nvCxnSpPr>
+            <p:cNvPr id="1115" name="Straight Connector 1114">
+              <a:extLst>
+                <a:ext uri="{FF2B5EF4-FFF2-40B4-BE49-F238E27FC236}">
+                  <a16:creationId xmlns:a16="http://schemas.microsoft.com/office/drawing/2014/main" id="{317D1EC0-23FF-4FC8-B22D-E34878EAA4CC}"/>
+                </a:ext>
+                <a:ext uri="{C183D7F6-B498-43B3-948B-1728B52AA6E4}">
+                  <adec:decorative xmlns:adec="http://schemas.microsoft.com/office/drawing/2017/decorative" val="1"/>
+                </a:ext>
+              </a:extLst>
+            </p:cNvPr>
+            <p:cNvCxnSpPr>
+              <a:cxnSpLocks/>
+            </p:cNvCxnSpPr>
+            <p:nvPr>
+              <p:extLst>
+                <p:ext uri="{386F3935-93C4-4BCD-93E2-E3B085C9AB24}">
+                  <p16:designElem xmlns:p16="http://schemas.microsoft.com/office/powerpoint/2015/main" val="1"/>
+                </p:ext>
+              </p:extLst>
+            </p:nvPr>
+          </p:nvCxnSpPr>
+          <p:spPr>
+            <a:xfrm>
+              <a:off x="-6214" y="6686283"/>
+              <a:ext cx="12192000" cy="0"/>
+            </a:xfrm>
+            <a:prstGeom prst="line">
+              <a:avLst/>
+            </a:prstGeom>
+            <a:ln w="12700">
+              <a:solidFill>
+                <a:srgbClr val="BCBCBC">
+                  <a:alpha val="29804"/>
+                </a:srgbClr>
+              </a:solidFill>
+              <a:prstDash val="sysDot"/>
+            </a:ln>
+          </p:spPr>
+          <p:style>
+            <a:lnRef idx="1">
+              <a:schemeClr val="accent1"/>
+            </a:lnRef>
+            <a:fillRef idx="0">
+              <a:schemeClr val="accent1"/>
+            </a:fillRef>
+            <a:effectRef idx="0">
+              <a:schemeClr val="accent1"/>
+            </a:effectRef>
+            <a:fontRef idx="minor">
+              <a:schemeClr val="tx1"/>
+            </a:fontRef>
+          </p:style>
+        </p:cxnSp>
+        <p:cxnSp>
+          <p:nvCxnSpPr>
+            <p:cNvPr id="1116" name="Straight Connector 1115">
+              <a:extLst>
+                <a:ext uri="{FF2B5EF4-FFF2-40B4-BE49-F238E27FC236}">
+                  <a16:creationId xmlns:a16="http://schemas.microsoft.com/office/drawing/2014/main" id="{5AB929A7-258C-4469-AAB4-A67D713F7A80}"/>
+                </a:ext>
+                <a:ext uri="{C183D7F6-B498-43B3-948B-1728B52AA6E4}">
+                  <adec:decorative xmlns:adec="http://schemas.microsoft.com/office/drawing/2017/decorative" val="1"/>
+                </a:ext>
+              </a:extLst>
+            </p:cNvPr>
+            <p:cNvCxnSpPr>
+              <a:cxnSpLocks/>
+            </p:cNvCxnSpPr>
+            <p:nvPr>
+              <p:extLst>
+                <p:ext uri="{386F3935-93C4-4BCD-93E2-E3B085C9AB24}">
+                  <p16:designElem xmlns:p16="http://schemas.microsoft.com/office/powerpoint/2015/main" val="1"/>
+                </p:ext>
+              </p:extLst>
+            </p:nvPr>
+          </p:nvCxnSpPr>
+          <p:spPr>
+            <a:xfrm>
+              <a:off x="0" y="-1"/>
+              <a:ext cx="0" cy="6858000"/>
+            </a:xfrm>
+            <a:prstGeom prst="line">
+              <a:avLst/>
+            </a:prstGeom>
+            <a:ln w="12700">
+              <a:solidFill>
+                <a:srgbClr val="BCBCBC">
+                  <a:alpha val="29804"/>
+                </a:srgbClr>
+              </a:solidFill>
+              <a:prstDash val="sysDot"/>
+            </a:ln>
+          </p:spPr>
+          <p:style>
+            <a:lnRef idx="1">
+              <a:schemeClr val="accent1"/>
+            </a:lnRef>
+            <a:fillRef idx="0">
+              <a:schemeClr val="accent1"/>
+            </a:fillRef>
+            <a:effectRef idx="0">
+              <a:schemeClr val="accent1"/>
+            </a:effectRef>
+            <a:fontRef idx="minor">
+              <a:schemeClr val="tx1"/>
+            </a:fontRef>
+          </p:style>
+        </p:cxnSp>
+        <p:cxnSp>
+          <p:nvCxnSpPr>
+            <p:cNvPr id="1117" name="Straight Connector 1116">
+              <a:extLst>
+                <a:ext uri="{FF2B5EF4-FFF2-40B4-BE49-F238E27FC236}">
+                  <a16:creationId xmlns:a16="http://schemas.microsoft.com/office/drawing/2014/main" id="{DA635CDB-2D00-49D5-B26E-0694A25000C7}"/>
+                </a:ext>
+                <a:ext uri="{C183D7F6-B498-43B3-948B-1728B52AA6E4}">
+                  <adec:decorative xmlns:adec="http://schemas.microsoft.com/office/drawing/2017/decorative" val="1"/>
+                </a:ext>
+              </a:extLst>
+            </p:cNvPr>
+            <p:cNvCxnSpPr>
+              <a:cxnSpLocks/>
+            </p:cNvCxnSpPr>
+            <p:nvPr>
+              <p:extLst>
+                <p:ext uri="{386F3935-93C4-4BCD-93E2-E3B085C9AB24}">
+                  <p16:designElem xmlns:p16="http://schemas.microsoft.com/office/powerpoint/2015/main" val="1"/>
+                </p:ext>
+              </p:extLst>
+            </p:nvPr>
+          </p:nvCxnSpPr>
+          <p:spPr>
+            <a:xfrm>
+              <a:off x="11993258" y="-1"/>
+              <a:ext cx="0" cy="6858000"/>
+            </a:xfrm>
+            <a:prstGeom prst="line">
+              <a:avLst/>
+            </a:prstGeom>
+            <a:ln w="12700">
+              <a:solidFill>
+                <a:srgbClr val="BCBCBC">
+                  <a:alpha val="29804"/>
+                </a:srgbClr>
+              </a:solidFill>
+              <a:prstDash val="sysDot"/>
+            </a:ln>
+          </p:spPr>
+          <p:style>
+            <a:lnRef idx="1">
+              <a:schemeClr val="accent1"/>
+            </a:lnRef>
+            <a:fillRef idx="0">
+              <a:schemeClr val="accent1"/>
+            </a:fillRef>
+            <a:effectRef idx="0">
+              <a:schemeClr val="accent1"/>
+            </a:effectRef>
+            <a:fontRef idx="minor">
+              <a:schemeClr val="tx1"/>
+            </a:fontRef>
+          </p:style>
+        </p:cxnSp>
+        <p:cxnSp>
+          <p:nvCxnSpPr>
+            <p:cNvPr id="1118" name="Straight Connector 1117">
+              <a:extLst>
+                <a:ext uri="{FF2B5EF4-FFF2-40B4-BE49-F238E27FC236}">
+                  <a16:creationId xmlns:a16="http://schemas.microsoft.com/office/drawing/2014/main" id="{B4288D7A-F857-418D-92F2-368E841B9F27}"/>
+                </a:ext>
+                <a:ext uri="{C183D7F6-B498-43B3-948B-1728B52AA6E4}">
+                  <adec:decorative xmlns:adec="http://schemas.microsoft.com/office/drawing/2017/decorative" val="1"/>
+                </a:ext>
+              </a:extLst>
+            </p:cNvPr>
+            <p:cNvCxnSpPr>
+              <a:cxnSpLocks/>
+            </p:cNvCxnSpPr>
+            <p:nvPr>
+              <p:extLst>
+                <p:ext uri="{386F3935-93C4-4BCD-93E2-E3B085C9AB24}">
+                  <p16:designElem xmlns:p16="http://schemas.microsoft.com/office/powerpoint/2015/main" val="1"/>
+                </p:ext>
+              </p:extLst>
+            </p:nvPr>
+          </p:nvCxnSpPr>
+          <p:spPr>
+            <a:xfrm>
+              <a:off x="192528" y="-1"/>
+              <a:ext cx="0" cy="6858000"/>
+            </a:xfrm>
+            <a:prstGeom prst="line">
+              <a:avLst/>
+            </a:prstGeom>
+            <a:ln w="12700">
+              <a:solidFill>
+                <a:srgbClr val="BCBCBC">
+                  <a:alpha val="29804"/>
+                </a:srgbClr>
+              </a:solidFill>
+              <a:prstDash val="sysDot"/>
+            </a:ln>
+          </p:spPr>
+          <p:style>
+            <a:lnRef idx="1">
+              <a:schemeClr val="accent1"/>
+            </a:lnRef>
+            <a:fillRef idx="0">
+              <a:schemeClr val="accent1"/>
+            </a:fillRef>
+            <a:effectRef idx="0">
+              <a:schemeClr val="accent1"/>
+            </a:effectRef>
+            <a:fontRef idx="minor">
+              <a:schemeClr val="tx1"/>
+            </a:fontRef>
+          </p:style>
+        </p:cxnSp>
+        <p:cxnSp>
+          <p:nvCxnSpPr>
+            <p:cNvPr id="1119" name="Straight Connector 1118">
+              <a:extLst>
+                <a:ext uri="{FF2B5EF4-FFF2-40B4-BE49-F238E27FC236}">
+                  <a16:creationId xmlns:a16="http://schemas.microsoft.com/office/drawing/2014/main" id="{F1084F50-7F3C-4A4A-877E-FFD9EC7CD88B}"/>
+                </a:ext>
+                <a:ext uri="{C183D7F6-B498-43B3-948B-1728B52AA6E4}">
+                  <adec:decorative xmlns:adec="http://schemas.microsoft.com/office/drawing/2017/decorative" val="1"/>
+                </a:ext>
+              </a:extLst>
+            </p:cNvPr>
+            <p:cNvCxnSpPr>
+              <a:cxnSpLocks/>
+            </p:cNvCxnSpPr>
+            <p:nvPr>
+              <p:extLst>
+                <p:ext uri="{386F3935-93C4-4BCD-93E2-E3B085C9AB24}">
+                  <p16:designElem xmlns:p16="http://schemas.microsoft.com/office/powerpoint/2015/main" val="1"/>
+                </p:ext>
+              </p:extLst>
+            </p:nvPr>
+          </p:nvCxnSpPr>
+          <p:spPr>
+            <a:xfrm>
+              <a:off x="1175922" y="-1"/>
+              <a:ext cx="0" cy="6858000"/>
+            </a:xfrm>
+            <a:prstGeom prst="line">
+              <a:avLst/>
+            </a:prstGeom>
+            <a:ln w="12700">
+              <a:solidFill>
+                <a:srgbClr val="BCBCBC">
+                  <a:alpha val="29804"/>
+                </a:srgbClr>
+              </a:solidFill>
+              <a:prstDash val="sysDot"/>
+            </a:ln>
+          </p:spPr>
+          <p:style>
+            <a:lnRef idx="1">
+              <a:schemeClr val="accent1"/>
+            </a:lnRef>
+            <a:fillRef idx="0">
+              <a:schemeClr val="accent1"/>
+            </a:fillRef>
+            <a:effectRef idx="0">
+              <a:schemeClr val="accent1"/>
+            </a:effectRef>
+            <a:fontRef idx="minor">
+              <a:schemeClr val="tx1"/>
+            </a:fontRef>
+          </p:style>
+        </p:cxnSp>
+        <p:cxnSp>
+          <p:nvCxnSpPr>
+            <p:cNvPr id="1120" name="Straight Connector 1119">
+              <a:extLst>
+                <a:ext uri="{FF2B5EF4-FFF2-40B4-BE49-F238E27FC236}">
+                  <a16:creationId xmlns:a16="http://schemas.microsoft.com/office/drawing/2014/main" id="{331E64C1-F4C0-4A94-B319-BB1A0A2450B5}"/>
+                </a:ext>
+                <a:ext uri="{C183D7F6-B498-43B3-948B-1728B52AA6E4}">
+                  <adec:decorative xmlns:adec="http://schemas.microsoft.com/office/drawing/2017/decorative" val="1"/>
+                </a:ext>
+              </a:extLst>
+            </p:cNvPr>
+            <p:cNvCxnSpPr>
+              <a:cxnSpLocks/>
+            </p:cNvCxnSpPr>
+            <p:nvPr>
+              <p:extLst>
+                <p:ext uri="{386F3935-93C4-4BCD-93E2-E3B085C9AB24}">
+                  <p16:designElem xmlns:p16="http://schemas.microsoft.com/office/powerpoint/2015/main" val="1"/>
+                </p:ext>
+              </p:extLst>
+            </p:nvPr>
+          </p:nvCxnSpPr>
+          <p:spPr>
+            <a:xfrm>
+              <a:off x="2159316" y="-1"/>
+              <a:ext cx="0" cy="6858000"/>
+            </a:xfrm>
+            <a:prstGeom prst="line">
+              <a:avLst/>
+            </a:prstGeom>
+            <a:ln w="12700">
+              <a:solidFill>
+                <a:srgbClr val="BCBCBC">
+                  <a:alpha val="29804"/>
+                </a:srgbClr>
+              </a:solidFill>
+              <a:prstDash val="sysDot"/>
+            </a:ln>
+          </p:spPr>
+          <p:style>
+            <a:lnRef idx="1">
+              <a:schemeClr val="accent1"/>
+            </a:lnRef>
+            <a:fillRef idx="0">
+              <a:schemeClr val="accent1"/>
+            </a:fillRef>
+            <a:effectRef idx="0">
+              <a:schemeClr val="accent1"/>
+            </a:effectRef>
+            <a:fontRef idx="minor">
+              <a:schemeClr val="tx1"/>
+            </a:fontRef>
+          </p:style>
+        </p:cxnSp>
+        <p:cxnSp>
+          <p:nvCxnSpPr>
+            <p:cNvPr id="1121" name="Straight Connector 1120">
+              <a:extLst>
+                <a:ext uri="{FF2B5EF4-FFF2-40B4-BE49-F238E27FC236}">
+                  <a16:creationId xmlns:a16="http://schemas.microsoft.com/office/drawing/2014/main" id="{363D8374-8052-417F-AB69-B97EAC43D513}"/>
+                </a:ext>
+                <a:ext uri="{C183D7F6-B498-43B3-948B-1728B52AA6E4}">
+                  <adec:decorative xmlns:adec="http://schemas.microsoft.com/office/drawing/2017/decorative" val="1"/>
+                </a:ext>
+              </a:extLst>
+            </p:cNvPr>
+            <p:cNvCxnSpPr>
+              <a:cxnSpLocks/>
+            </p:cNvCxnSpPr>
+            <p:nvPr>
+              <p:extLst>
+                <p:ext uri="{386F3935-93C4-4BCD-93E2-E3B085C9AB24}">
+                  <p16:designElem xmlns:p16="http://schemas.microsoft.com/office/powerpoint/2015/main" val="1"/>
+                </p:ext>
+              </p:extLst>
+            </p:nvPr>
+          </p:nvCxnSpPr>
+          <p:spPr>
+            <a:xfrm>
+              <a:off x="3142710" y="-1"/>
+              <a:ext cx="0" cy="6858000"/>
+            </a:xfrm>
+            <a:prstGeom prst="line">
+              <a:avLst/>
+            </a:prstGeom>
+            <a:ln w="12700">
+              <a:solidFill>
+                <a:srgbClr val="BCBCBC">
+                  <a:alpha val="29804"/>
+                </a:srgbClr>
+              </a:solidFill>
+              <a:prstDash val="sysDot"/>
+            </a:ln>
+          </p:spPr>
+          <p:style>
+            <a:lnRef idx="1">
+              <a:schemeClr val="accent1"/>
+            </a:lnRef>
+            <a:fillRef idx="0">
+              <a:schemeClr val="accent1"/>
+            </a:fillRef>
+            <a:effectRef idx="0">
+              <a:schemeClr val="accent1"/>
+            </a:effectRef>
+            <a:fontRef idx="minor">
+              <a:schemeClr val="tx1"/>
+            </a:fontRef>
+          </p:style>
+        </p:cxnSp>
+        <p:cxnSp>
+          <p:nvCxnSpPr>
+            <p:cNvPr id="1122" name="Straight Connector 1121">
+              <a:extLst>
+                <a:ext uri="{FF2B5EF4-FFF2-40B4-BE49-F238E27FC236}">
+                  <a16:creationId xmlns:a16="http://schemas.microsoft.com/office/drawing/2014/main" id="{C7750734-4D51-4019-A003-38A3DE49B434}"/>
+                </a:ext>
+                <a:ext uri="{C183D7F6-B498-43B3-948B-1728B52AA6E4}">
+                  <adec:decorative xmlns:adec="http://schemas.microsoft.com/office/drawing/2017/decorative" val="1"/>
+                </a:ext>
+              </a:extLst>
+            </p:cNvPr>
+            <p:cNvCxnSpPr>
+              <a:cxnSpLocks/>
+            </p:cNvCxnSpPr>
+            <p:nvPr>
+              <p:extLst>
+                <p:ext uri="{386F3935-93C4-4BCD-93E2-E3B085C9AB24}">
+                  <p16:designElem xmlns:p16="http://schemas.microsoft.com/office/powerpoint/2015/main" val="1"/>
+                </p:ext>
+              </p:extLst>
+            </p:nvPr>
+          </p:nvCxnSpPr>
+          <p:spPr>
+            <a:xfrm>
+              <a:off x="4126104" y="-1"/>
+              <a:ext cx="0" cy="6858000"/>
+            </a:xfrm>
+            <a:prstGeom prst="line">
+              <a:avLst/>
+            </a:prstGeom>
+            <a:ln w="12700">
+              <a:solidFill>
+                <a:srgbClr val="BCBCBC">
+                  <a:alpha val="29804"/>
+                </a:srgbClr>
+              </a:solidFill>
+              <a:prstDash val="sysDot"/>
+            </a:ln>
+          </p:spPr>
+          <p:style>
+            <a:lnRef idx="1">
+              <a:schemeClr val="accent1"/>
+            </a:lnRef>
+            <a:fillRef idx="0">
+              <a:schemeClr val="accent1"/>
+            </a:fillRef>
+            <a:effectRef idx="0">
+              <a:schemeClr val="accent1"/>
+            </a:effectRef>
+            <a:fontRef idx="minor">
+              <a:schemeClr val="tx1"/>
+            </a:fontRef>
+          </p:style>
+        </p:cxnSp>
+        <p:cxnSp>
+          <p:nvCxnSpPr>
+            <p:cNvPr id="1123" name="Straight Connector 1122">
+              <a:extLst>
+                <a:ext uri="{FF2B5EF4-FFF2-40B4-BE49-F238E27FC236}">
+                  <a16:creationId xmlns:a16="http://schemas.microsoft.com/office/drawing/2014/main" id="{71B693D1-DBA2-4D3B-9B37-D9EE8C4112F4}"/>
+                </a:ext>
+                <a:ext uri="{C183D7F6-B498-43B3-948B-1728B52AA6E4}">
+                  <adec:decorative xmlns:adec="http://schemas.microsoft.com/office/drawing/2017/decorative" val="1"/>
+                </a:ext>
+              </a:extLst>
+            </p:cNvPr>
+            <p:cNvCxnSpPr>
+              <a:cxnSpLocks/>
+            </p:cNvCxnSpPr>
+            <p:nvPr>
+              <p:extLst>
+                <p:ext uri="{386F3935-93C4-4BCD-93E2-E3B085C9AB24}">
+                  <p16:designElem xmlns:p16="http://schemas.microsoft.com/office/powerpoint/2015/main" val="1"/>
+                </p:ext>
+              </p:extLst>
+            </p:nvPr>
+          </p:nvCxnSpPr>
+          <p:spPr>
+            <a:xfrm>
+              <a:off x="5109498" y="-1"/>
+              <a:ext cx="0" cy="6858000"/>
+            </a:xfrm>
+            <a:prstGeom prst="line">
+              <a:avLst/>
+            </a:prstGeom>
+            <a:ln w="12700">
+              <a:solidFill>
+                <a:srgbClr val="BCBCBC">
+                  <a:alpha val="29804"/>
+                </a:srgbClr>
+              </a:solidFill>
+              <a:prstDash val="sysDot"/>
+            </a:ln>
+          </p:spPr>
+          <p:style>
+            <a:lnRef idx="1">
+              <a:schemeClr val="accent1"/>
+            </a:lnRef>
+            <a:fillRef idx="0">
+              <a:schemeClr val="accent1"/>
+            </a:fillRef>
+            <a:effectRef idx="0">
+              <a:schemeClr val="accent1"/>
+            </a:effectRef>
+            <a:fontRef idx="minor">
+              <a:schemeClr val="tx1"/>
+            </a:fontRef>
+          </p:style>
+        </p:cxnSp>
+        <p:cxnSp>
+          <p:nvCxnSpPr>
+            <p:cNvPr id="1124" name="Straight Connector 1123">
+              <a:extLst>
+                <a:ext uri="{FF2B5EF4-FFF2-40B4-BE49-F238E27FC236}">
+                  <a16:creationId xmlns:a16="http://schemas.microsoft.com/office/drawing/2014/main" id="{1BCD3EA8-E4C0-4AF6-817F-F9F29157A499}"/>
+                </a:ext>
+                <a:ext uri="{C183D7F6-B498-43B3-948B-1728B52AA6E4}">
+                  <adec:decorative xmlns:adec="http://schemas.microsoft.com/office/drawing/2017/decorative" val="1"/>
+                </a:ext>
+              </a:extLst>
+            </p:cNvPr>
+            <p:cNvCxnSpPr>
+              <a:cxnSpLocks/>
+            </p:cNvCxnSpPr>
+            <p:nvPr>
+              <p:extLst>
+                <p:ext uri="{386F3935-93C4-4BCD-93E2-E3B085C9AB24}">
+                  <p16:designElem xmlns:p16="http://schemas.microsoft.com/office/powerpoint/2015/main" val="1"/>
+                </p:ext>
+              </p:extLst>
+            </p:nvPr>
+          </p:nvCxnSpPr>
+          <p:spPr>
+            <a:xfrm>
+              <a:off x="6092892" y="-1"/>
+              <a:ext cx="0" cy="6858000"/>
+            </a:xfrm>
+            <a:prstGeom prst="line">
+              <a:avLst/>
+            </a:prstGeom>
+            <a:ln w="12700">
+              <a:solidFill>
+                <a:srgbClr val="BCBCBC">
+                  <a:alpha val="29804"/>
+                </a:srgbClr>
+              </a:solidFill>
+              <a:prstDash val="sysDot"/>
+            </a:ln>
+          </p:spPr>
+          <p:style>
+            <a:lnRef idx="1">
+              <a:schemeClr val="accent1"/>
+            </a:lnRef>
+            <a:fillRef idx="0">
+              <a:schemeClr val="accent1"/>
+            </a:fillRef>
+            <a:effectRef idx="0">
+              <a:schemeClr val="accent1"/>
+            </a:effectRef>
+            <a:fontRef idx="minor">
+              <a:schemeClr val="tx1"/>
+            </a:fontRef>
+          </p:style>
+        </p:cxnSp>
+        <p:cxnSp>
+          <p:nvCxnSpPr>
+            <p:cNvPr id="1125" name="Straight Connector 1124">
+              <a:extLst>
+                <a:ext uri="{FF2B5EF4-FFF2-40B4-BE49-F238E27FC236}">
+                  <a16:creationId xmlns:a16="http://schemas.microsoft.com/office/drawing/2014/main" id="{7A170FB3-B397-4AC9-85FD-65388F26D90A}"/>
+                </a:ext>
+                <a:ext uri="{C183D7F6-B498-43B3-948B-1728B52AA6E4}">
+                  <adec:decorative xmlns:adec="http://schemas.microsoft.com/office/drawing/2017/decorative" val="1"/>
+                </a:ext>
+              </a:extLst>
+            </p:cNvPr>
+            <p:cNvCxnSpPr>
+              <a:cxnSpLocks/>
+            </p:cNvCxnSpPr>
+            <p:nvPr>
+              <p:extLst>
+                <p:ext uri="{386F3935-93C4-4BCD-93E2-E3B085C9AB24}">
+                  <p16:designElem xmlns:p16="http://schemas.microsoft.com/office/powerpoint/2015/main" val="1"/>
+                </p:ext>
+              </p:extLst>
+            </p:nvPr>
+          </p:nvCxnSpPr>
+          <p:spPr>
+            <a:xfrm>
+              <a:off x="7076286" y="-1"/>
+              <a:ext cx="0" cy="6858000"/>
+            </a:xfrm>
+            <a:prstGeom prst="line">
+              <a:avLst/>
+            </a:prstGeom>
+            <a:ln w="12700">
+              <a:solidFill>
+                <a:srgbClr val="BCBCBC">
+                  <a:alpha val="29804"/>
+                </a:srgbClr>
+              </a:solidFill>
+              <a:prstDash val="sysDot"/>
+            </a:ln>
+          </p:spPr>
+          <p:style>
+            <a:lnRef idx="1">
+              <a:schemeClr val="accent1"/>
+            </a:lnRef>
+            <a:fillRef idx="0">
+              <a:schemeClr val="accent1"/>
+            </a:fillRef>
+            <a:effectRef idx="0">
+              <a:schemeClr val="accent1"/>
+            </a:effectRef>
+            <a:fontRef idx="minor">
+              <a:schemeClr val="tx1"/>
+            </a:fontRef>
+          </p:style>
+        </p:cxnSp>
+        <p:cxnSp>
+          <p:nvCxnSpPr>
+            <p:cNvPr id="1126" name="Straight Connector 1125">
+              <a:extLst>
+                <a:ext uri="{FF2B5EF4-FFF2-40B4-BE49-F238E27FC236}">
+                  <a16:creationId xmlns:a16="http://schemas.microsoft.com/office/drawing/2014/main" id="{BE5EC0B9-49C7-4777-AEC5-B5EF8DE40498}"/>
+                </a:ext>
+                <a:ext uri="{C183D7F6-B498-43B3-948B-1728B52AA6E4}">
+                  <adec:decorative xmlns:adec="http://schemas.microsoft.com/office/drawing/2017/decorative" val="1"/>
+                </a:ext>
+              </a:extLst>
+            </p:cNvPr>
+            <p:cNvCxnSpPr>
+              <a:cxnSpLocks/>
+            </p:cNvCxnSpPr>
+            <p:nvPr>
+              <p:extLst>
+                <p:ext uri="{386F3935-93C4-4BCD-93E2-E3B085C9AB24}">
+                  <p16:designElem xmlns:p16="http://schemas.microsoft.com/office/powerpoint/2015/main" val="1"/>
+                </p:ext>
+              </p:extLst>
+            </p:nvPr>
+          </p:nvCxnSpPr>
+          <p:spPr>
+            <a:xfrm>
+              <a:off x="8059680" y="-1"/>
+              <a:ext cx="0" cy="6858000"/>
+            </a:xfrm>
+            <a:prstGeom prst="line">
+              <a:avLst/>
+            </a:prstGeom>
+            <a:ln w="12700">
+              <a:solidFill>
+                <a:srgbClr val="BCBCBC">
+                  <a:alpha val="29804"/>
+                </a:srgbClr>
+              </a:solidFill>
+              <a:prstDash val="sysDot"/>
+            </a:ln>
+          </p:spPr>
+          <p:style>
+            <a:lnRef idx="1">
+              <a:schemeClr val="accent1"/>
+            </a:lnRef>
+            <a:fillRef idx="0">
+              <a:schemeClr val="accent1"/>
+            </a:fillRef>
+            <a:effectRef idx="0">
+              <a:schemeClr val="accent1"/>
+            </a:effectRef>
+            <a:fontRef idx="minor">
+              <a:schemeClr val="tx1"/>
+            </a:fontRef>
+          </p:style>
+        </p:cxnSp>
+        <p:cxnSp>
+          <p:nvCxnSpPr>
+            <p:cNvPr id="1127" name="Straight Connector 1126">
+              <a:extLst>
+                <a:ext uri="{FF2B5EF4-FFF2-40B4-BE49-F238E27FC236}">
+                  <a16:creationId xmlns:a16="http://schemas.microsoft.com/office/drawing/2014/main" id="{7902048B-30F7-4434-87A5-140F9BB4BEB1}"/>
+                </a:ext>
+                <a:ext uri="{C183D7F6-B498-43B3-948B-1728B52AA6E4}">
+                  <adec:decorative xmlns:adec="http://schemas.microsoft.com/office/drawing/2017/decorative" val="1"/>
+                </a:ext>
+              </a:extLst>
+            </p:cNvPr>
+            <p:cNvCxnSpPr>
+              <a:cxnSpLocks/>
+            </p:cNvCxnSpPr>
+            <p:nvPr>
+              <p:extLst>
+                <p:ext uri="{386F3935-93C4-4BCD-93E2-E3B085C9AB24}">
+                  <p16:designElem xmlns:p16="http://schemas.microsoft.com/office/powerpoint/2015/main" val="1"/>
+                </p:ext>
+              </p:extLst>
+            </p:nvPr>
+          </p:nvCxnSpPr>
+          <p:spPr>
+            <a:xfrm>
+              <a:off x="9043074" y="-1"/>
+              <a:ext cx="0" cy="6858000"/>
+            </a:xfrm>
+            <a:prstGeom prst="line">
+              <a:avLst/>
+            </a:prstGeom>
+            <a:ln w="12700">
+              <a:solidFill>
+                <a:srgbClr val="BCBCBC">
+                  <a:alpha val="29804"/>
+                </a:srgbClr>
+              </a:solidFill>
+              <a:prstDash val="sysDot"/>
+            </a:ln>
+          </p:spPr>
+          <p:style>
+            <a:lnRef idx="1">
+              <a:schemeClr val="accent1"/>
+            </a:lnRef>
+            <a:fillRef idx="0">
+              <a:schemeClr val="accent1"/>
+            </a:fillRef>
+            <a:effectRef idx="0">
+              <a:schemeClr val="accent1"/>
+            </a:effectRef>
+            <a:fontRef idx="minor">
+              <a:schemeClr val="tx1"/>
+            </a:fontRef>
+          </p:style>
+        </p:cxnSp>
+        <p:cxnSp>
+          <p:nvCxnSpPr>
+            <p:cNvPr id="1128" name="Straight Connector 1127">
+              <a:extLst>
+                <a:ext uri="{FF2B5EF4-FFF2-40B4-BE49-F238E27FC236}">
+                  <a16:creationId xmlns:a16="http://schemas.microsoft.com/office/drawing/2014/main" id="{0500A6E2-A41C-4751-8A4E-9A0C5718D930}"/>
+                </a:ext>
+                <a:ext uri="{C183D7F6-B498-43B3-948B-1728B52AA6E4}">
+                  <adec:decorative xmlns:adec="http://schemas.microsoft.com/office/drawing/2017/decorative" val="1"/>
+                </a:ext>
+              </a:extLst>
+            </p:cNvPr>
+            <p:cNvCxnSpPr>
+              <a:cxnSpLocks/>
+            </p:cNvCxnSpPr>
+            <p:nvPr>
+              <p:extLst>
+                <p:ext uri="{386F3935-93C4-4BCD-93E2-E3B085C9AB24}">
+                  <p16:designElem xmlns:p16="http://schemas.microsoft.com/office/powerpoint/2015/main" val="1"/>
+                </p:ext>
+              </p:extLst>
+            </p:nvPr>
+          </p:nvCxnSpPr>
+          <p:spPr>
+            <a:xfrm>
+              <a:off x="10026468" y="-1"/>
+              <a:ext cx="0" cy="6858000"/>
+            </a:xfrm>
+            <a:prstGeom prst="line">
+              <a:avLst/>
+            </a:prstGeom>
+            <a:ln w="12700">
+              <a:solidFill>
+                <a:srgbClr val="BCBCBC">
+                  <a:alpha val="29804"/>
+                </a:srgbClr>
+              </a:solidFill>
+              <a:prstDash val="sysDot"/>
+            </a:ln>
+          </p:spPr>
+          <p:style>
+            <a:lnRef idx="1">
+              <a:schemeClr val="accent1"/>
+            </a:lnRef>
+            <a:fillRef idx="0">
+              <a:schemeClr val="accent1"/>
+            </a:fillRef>
+            <a:effectRef idx="0">
+              <a:schemeClr val="accent1"/>
+            </a:effectRef>
+            <a:fontRef idx="minor">
+              <a:schemeClr val="tx1"/>
+            </a:fontRef>
+          </p:style>
+        </p:cxnSp>
+        <p:cxnSp>
+          <p:nvCxnSpPr>
+            <p:cNvPr id="1129" name="Straight Connector 1128">
+              <a:extLst>
+                <a:ext uri="{FF2B5EF4-FFF2-40B4-BE49-F238E27FC236}">
+                  <a16:creationId xmlns:a16="http://schemas.microsoft.com/office/drawing/2014/main" id="{FC259517-7BE7-45F9-81C0-3A6362BF143C}"/>
+                </a:ext>
+                <a:ext uri="{C183D7F6-B498-43B3-948B-1728B52AA6E4}">
+                  <adec:decorative xmlns:adec="http://schemas.microsoft.com/office/drawing/2017/decorative" val="1"/>
+                </a:ext>
+              </a:extLst>
+            </p:cNvPr>
+            <p:cNvCxnSpPr>
+              <a:cxnSpLocks/>
+            </p:cNvCxnSpPr>
+            <p:nvPr>
+              <p:extLst>
+                <p:ext uri="{386F3935-93C4-4BCD-93E2-E3B085C9AB24}">
+                  <p16:designElem xmlns:p16="http://schemas.microsoft.com/office/powerpoint/2015/main" val="1"/>
+                </p:ext>
+              </p:extLst>
+            </p:nvPr>
+          </p:nvCxnSpPr>
+          <p:spPr>
+            <a:xfrm>
+              <a:off x="11009862" y="-1"/>
+              <a:ext cx="0" cy="6858000"/>
+            </a:xfrm>
+            <a:prstGeom prst="line">
+              <a:avLst/>
+            </a:prstGeom>
+            <a:ln w="12700">
+              <a:solidFill>
+                <a:srgbClr val="BCBCBC">
+                  <a:alpha val="29804"/>
+                </a:srgbClr>
+              </a:solidFill>
+              <a:prstDash val="sysDot"/>
+            </a:ln>
+          </p:spPr>
+          <p:style>
+            <a:lnRef idx="1">
+              <a:schemeClr val="accent1"/>
+            </a:lnRef>
+            <a:fillRef idx="0">
+              <a:schemeClr val="accent1"/>
+            </a:fillRef>
+            <a:effectRef idx="0">
+              <a:schemeClr val="accent1"/>
+            </a:effectRef>
+            <a:fontRef idx="minor">
+              <a:schemeClr val="tx1"/>
+            </a:fontRef>
+          </p:style>
+        </p:cxnSp>
+        <p:cxnSp>
+          <p:nvCxnSpPr>
+            <p:cNvPr id="1130" name="Straight Connector 1129">
+              <a:extLst>
+                <a:ext uri="{FF2B5EF4-FFF2-40B4-BE49-F238E27FC236}">
+                  <a16:creationId xmlns:a16="http://schemas.microsoft.com/office/drawing/2014/main" id="{90652F56-7B71-42B2-AB68-22204A6DF177}"/>
+                </a:ext>
+                <a:ext uri="{C183D7F6-B498-43B3-948B-1728B52AA6E4}">
+                  <adec:decorative xmlns:adec="http://schemas.microsoft.com/office/drawing/2017/decorative" val="1"/>
+                </a:ext>
+              </a:extLst>
+            </p:cNvPr>
+            <p:cNvCxnSpPr>
+              <a:cxnSpLocks/>
+            </p:cNvCxnSpPr>
+            <p:nvPr>
+              <p:extLst>
+                <p:ext uri="{386F3935-93C4-4BCD-93E2-E3B085C9AB24}">
+                  <p16:designElem xmlns:p16="http://schemas.microsoft.com/office/powerpoint/2015/main" val="1"/>
+                </p:ext>
+              </p:extLst>
+            </p:nvPr>
+          </p:nvCxnSpPr>
+          <p:spPr>
+            <a:xfrm>
+              <a:off x="12185786" y="-1"/>
+              <a:ext cx="0" cy="6858000"/>
+            </a:xfrm>
+            <a:prstGeom prst="line">
+              <a:avLst/>
+            </a:prstGeom>
+            <a:ln w="12700">
+              <a:solidFill>
+                <a:srgbClr val="BCBCBC">
+                  <a:alpha val="29804"/>
+                </a:srgbClr>
+              </a:solidFill>
+              <a:prstDash val="sysDot"/>
+            </a:ln>
+          </p:spPr>
+          <p:style>
+            <a:lnRef idx="1">
+              <a:schemeClr val="accent1"/>
+            </a:lnRef>
+            <a:fillRef idx="0">
+              <a:schemeClr val="accent1"/>
+            </a:fillRef>
+            <a:effectRef idx="0">
+              <a:schemeClr val="accent1"/>
+            </a:effectRef>
+            <a:fontRef idx="minor">
+              <a:schemeClr val="tx1"/>
+            </a:fontRef>
+          </p:style>
+        </p:cxnSp>
+        <p:cxnSp>
+          <p:nvCxnSpPr>
+            <p:cNvPr id="1131" name="Straight Connector 1130">
+              <a:extLst>
+                <a:ext uri="{FF2B5EF4-FFF2-40B4-BE49-F238E27FC236}">
+                  <a16:creationId xmlns:a16="http://schemas.microsoft.com/office/drawing/2014/main" id="{1059830E-1C3D-4D42-8789-524971CB4657}"/>
+                </a:ext>
+                <a:ext uri="{C183D7F6-B498-43B3-948B-1728B52AA6E4}">
+                  <adec:decorative xmlns:adec="http://schemas.microsoft.com/office/drawing/2017/decorative" val="1"/>
+                </a:ext>
+              </a:extLst>
+            </p:cNvPr>
+            <p:cNvCxnSpPr>
+              <a:cxnSpLocks/>
+            </p:cNvCxnSpPr>
+            <p:nvPr>
+              <p:extLst>
+                <p:ext uri="{386F3935-93C4-4BCD-93E2-E3B085C9AB24}">
+                  <p16:designElem xmlns:p16="http://schemas.microsoft.com/office/powerpoint/2015/main" val="1"/>
+                </p:ext>
+              </p:extLst>
+            </p:nvPr>
+          </p:nvCxnSpPr>
+          <p:spPr>
+            <a:xfrm>
+              <a:off x="0" y="171716"/>
+              <a:ext cx="12192000" cy="0"/>
+            </a:xfrm>
+            <a:prstGeom prst="line">
+              <a:avLst/>
+            </a:prstGeom>
+            <a:ln w="12700">
+              <a:solidFill>
+                <a:srgbClr val="BCBCBC">
+                  <a:alpha val="29804"/>
+                </a:srgbClr>
+              </a:solidFill>
+              <a:prstDash val="sysDot"/>
+            </a:ln>
+          </p:spPr>
+          <p:style>
+            <a:lnRef idx="1">
+              <a:schemeClr val="accent1"/>
+            </a:lnRef>
+            <a:fillRef idx="0">
+              <a:schemeClr val="accent1"/>
+            </a:fillRef>
+            <a:effectRef idx="0">
+              <a:schemeClr val="accent1"/>
+            </a:effectRef>
+            <a:fontRef idx="minor">
+              <a:schemeClr val="tx1"/>
+            </a:fontRef>
+          </p:style>
+        </p:cxnSp>
+        <p:cxnSp>
+          <p:nvCxnSpPr>
+            <p:cNvPr id="1132" name="Straight Connector 1131">
+              <a:extLst>
+                <a:ext uri="{FF2B5EF4-FFF2-40B4-BE49-F238E27FC236}">
+                  <a16:creationId xmlns:a16="http://schemas.microsoft.com/office/drawing/2014/main" id="{B53325A7-86D3-4B52-A7E3-ADDF408B4067}"/>
+                </a:ext>
+                <a:ext uri="{C183D7F6-B498-43B3-948B-1728B52AA6E4}">
+                  <adec:decorative xmlns:adec="http://schemas.microsoft.com/office/drawing/2017/decorative" val="1"/>
+                </a:ext>
+              </a:extLst>
+            </p:cNvPr>
+            <p:cNvCxnSpPr>
+              <a:cxnSpLocks/>
+            </p:cNvCxnSpPr>
+            <p:nvPr>
+              <p:extLst>
+                <p:ext uri="{386F3935-93C4-4BCD-93E2-E3B085C9AB24}">
+                  <p16:designElem xmlns:p16="http://schemas.microsoft.com/office/powerpoint/2015/main" val="1"/>
+                </p:ext>
+              </p:extLst>
+            </p:nvPr>
+          </p:nvCxnSpPr>
+          <p:spPr>
+            <a:xfrm>
+              <a:off x="0" y="714597"/>
+              <a:ext cx="12192000" cy="0"/>
+            </a:xfrm>
+            <a:prstGeom prst="line">
+              <a:avLst/>
+            </a:prstGeom>
+            <a:ln w="12700">
+              <a:solidFill>
+                <a:srgbClr val="BCBCBC">
+                  <a:alpha val="29804"/>
+                </a:srgbClr>
+              </a:solidFill>
+              <a:prstDash val="sysDot"/>
+            </a:ln>
+          </p:spPr>
+          <p:style>
+            <a:lnRef idx="1">
+              <a:schemeClr val="accent1"/>
+            </a:lnRef>
+            <a:fillRef idx="0">
+              <a:schemeClr val="accent1"/>
+            </a:fillRef>
+            <a:effectRef idx="0">
+              <a:schemeClr val="accent1"/>
+            </a:effectRef>
+            <a:fontRef idx="minor">
+              <a:schemeClr val="tx1"/>
+            </a:fontRef>
+          </p:style>
+        </p:cxnSp>
+        <p:cxnSp>
+          <p:nvCxnSpPr>
+            <p:cNvPr id="1133" name="Straight Connector 1132">
+              <a:extLst>
+                <a:ext uri="{FF2B5EF4-FFF2-40B4-BE49-F238E27FC236}">
+                  <a16:creationId xmlns:a16="http://schemas.microsoft.com/office/drawing/2014/main" id="{6D53F46F-EC12-484C-A4E7-791E57687AC1}"/>
+                </a:ext>
+                <a:ext uri="{C183D7F6-B498-43B3-948B-1728B52AA6E4}">
+                  <adec:decorative xmlns:adec="http://schemas.microsoft.com/office/drawing/2017/decorative" val="1"/>
+                </a:ext>
+              </a:extLst>
+            </p:cNvPr>
+            <p:cNvCxnSpPr>
+              <a:cxnSpLocks/>
+            </p:cNvCxnSpPr>
+            <p:nvPr>
+              <p:extLst>
+                <p:ext uri="{386F3935-93C4-4BCD-93E2-E3B085C9AB24}">
+                  <p16:designElem xmlns:p16="http://schemas.microsoft.com/office/powerpoint/2015/main" val="1"/>
+                </p:ext>
+              </p:extLst>
+            </p:nvPr>
+          </p:nvCxnSpPr>
+          <p:spPr>
+            <a:xfrm>
+              <a:off x="0" y="1257478"/>
+              <a:ext cx="12192000" cy="0"/>
+            </a:xfrm>
+            <a:prstGeom prst="line">
+              <a:avLst/>
+            </a:prstGeom>
+            <a:ln w="12700">
+              <a:solidFill>
+                <a:srgbClr val="BCBCBC">
+                  <a:alpha val="29804"/>
+                </a:srgbClr>
+              </a:solidFill>
+              <a:prstDash val="sysDot"/>
+            </a:ln>
+          </p:spPr>
+          <p:style>
+            <a:lnRef idx="1">
+              <a:schemeClr val="accent1"/>
+            </a:lnRef>
+            <a:fillRef idx="0">
+              <a:schemeClr val="accent1"/>
+            </a:fillRef>
+            <a:effectRef idx="0">
+              <a:schemeClr val="accent1"/>
+            </a:effectRef>
+            <a:fontRef idx="minor">
+              <a:schemeClr val="tx1"/>
+            </a:fontRef>
+          </p:style>
+        </p:cxnSp>
+        <p:cxnSp>
+          <p:nvCxnSpPr>
+            <p:cNvPr id="1134" name="Straight Connector 1133">
+              <a:extLst>
+                <a:ext uri="{FF2B5EF4-FFF2-40B4-BE49-F238E27FC236}">
+                  <a16:creationId xmlns:a16="http://schemas.microsoft.com/office/drawing/2014/main" id="{464ED9CA-8950-47B8-A9ED-22B45CE15FBC}"/>
+                </a:ext>
+                <a:ext uri="{C183D7F6-B498-43B3-948B-1728B52AA6E4}">
+                  <adec:decorative xmlns:adec="http://schemas.microsoft.com/office/drawing/2017/decorative" val="1"/>
+                </a:ext>
+              </a:extLst>
+            </p:cNvPr>
+            <p:cNvCxnSpPr>
+              <a:cxnSpLocks/>
+            </p:cNvCxnSpPr>
+            <p:nvPr>
+              <p:extLst>
+                <p:ext uri="{386F3935-93C4-4BCD-93E2-E3B085C9AB24}">
+                  <p16:designElem xmlns:p16="http://schemas.microsoft.com/office/powerpoint/2015/main" val="1"/>
+                </p:ext>
+              </p:extLst>
+            </p:nvPr>
+          </p:nvCxnSpPr>
+          <p:spPr>
+            <a:xfrm>
+              <a:off x="0" y="1800359"/>
+              <a:ext cx="12192000" cy="0"/>
+            </a:xfrm>
+            <a:prstGeom prst="line">
+              <a:avLst/>
+            </a:prstGeom>
+            <a:ln w="12700">
+              <a:solidFill>
+                <a:srgbClr val="BCBCBC">
+                  <a:alpha val="29804"/>
+                </a:srgbClr>
+              </a:solidFill>
+              <a:prstDash val="sysDot"/>
+            </a:ln>
+          </p:spPr>
+          <p:style>
+            <a:lnRef idx="1">
+              <a:schemeClr val="accent1"/>
+            </a:lnRef>
+            <a:fillRef idx="0">
+              <a:schemeClr val="accent1"/>
+            </a:fillRef>
+            <a:effectRef idx="0">
+              <a:schemeClr val="accent1"/>
+            </a:effectRef>
+            <a:fontRef idx="minor">
+              <a:schemeClr val="tx1"/>
+            </a:fontRef>
+          </p:style>
+        </p:cxnSp>
+        <p:cxnSp>
+          <p:nvCxnSpPr>
+            <p:cNvPr id="1135" name="Straight Connector 1134">
+              <a:extLst>
+                <a:ext uri="{FF2B5EF4-FFF2-40B4-BE49-F238E27FC236}">
+                  <a16:creationId xmlns:a16="http://schemas.microsoft.com/office/drawing/2014/main" id="{E4429F7B-9FD7-438F-8ECA-3FCAD0061805}"/>
+                </a:ext>
+                <a:ext uri="{C183D7F6-B498-43B3-948B-1728B52AA6E4}">
+                  <adec:decorative xmlns:adec="http://schemas.microsoft.com/office/drawing/2017/decorative" val="1"/>
+                </a:ext>
+              </a:extLst>
+            </p:cNvPr>
+            <p:cNvCxnSpPr>
+              <a:cxnSpLocks/>
+            </p:cNvCxnSpPr>
+            <p:nvPr>
+              <p:extLst>
+                <p:ext uri="{386F3935-93C4-4BCD-93E2-E3B085C9AB24}">
+                  <p16:designElem xmlns:p16="http://schemas.microsoft.com/office/powerpoint/2015/main" val="1"/>
+                </p:ext>
+              </p:extLst>
+            </p:nvPr>
+          </p:nvCxnSpPr>
+          <p:spPr>
+            <a:xfrm>
+              <a:off x="0" y="2343240"/>
+              <a:ext cx="12192000" cy="0"/>
+            </a:xfrm>
+            <a:prstGeom prst="line">
+              <a:avLst/>
+            </a:prstGeom>
+            <a:ln w="12700">
+              <a:solidFill>
+                <a:srgbClr val="BCBCBC">
+                  <a:alpha val="29804"/>
+                </a:srgbClr>
+              </a:solidFill>
+              <a:prstDash val="sysDot"/>
+            </a:ln>
+          </p:spPr>
+          <p:style>
+            <a:lnRef idx="1">
+              <a:schemeClr val="accent1"/>
+            </a:lnRef>
+            <a:fillRef idx="0">
+              <a:schemeClr val="accent1"/>
+            </a:fillRef>
+            <a:effectRef idx="0">
+              <a:schemeClr val="accent1"/>
+            </a:effectRef>
+            <a:fontRef idx="minor">
+              <a:schemeClr val="tx1"/>
+            </a:fontRef>
+          </p:style>
+        </p:cxnSp>
+        <p:cxnSp>
+          <p:nvCxnSpPr>
+            <p:cNvPr id="1136" name="Straight Connector 1135">
+              <a:extLst>
+                <a:ext uri="{FF2B5EF4-FFF2-40B4-BE49-F238E27FC236}">
+                  <a16:creationId xmlns:a16="http://schemas.microsoft.com/office/drawing/2014/main" id="{0C558100-D455-4B41-890C-BCC898B2D165}"/>
+                </a:ext>
+                <a:ext uri="{C183D7F6-B498-43B3-948B-1728B52AA6E4}">
+                  <adec:decorative xmlns:adec="http://schemas.microsoft.com/office/drawing/2017/decorative" val="1"/>
+                </a:ext>
+              </a:extLst>
+            </p:cNvPr>
+            <p:cNvCxnSpPr>
+              <a:cxnSpLocks/>
+            </p:cNvCxnSpPr>
+            <p:nvPr>
+              <p:extLst>
+                <p:ext uri="{386F3935-93C4-4BCD-93E2-E3B085C9AB24}">
+                  <p16:designElem xmlns:p16="http://schemas.microsoft.com/office/powerpoint/2015/main" val="1"/>
+                </p:ext>
+              </p:extLst>
+            </p:nvPr>
+          </p:nvCxnSpPr>
+          <p:spPr>
+            <a:xfrm>
+              <a:off x="0" y="2886121"/>
+              <a:ext cx="12192000" cy="0"/>
+            </a:xfrm>
+            <a:prstGeom prst="line">
+              <a:avLst/>
+            </a:prstGeom>
+            <a:ln w="12700">
+              <a:solidFill>
+                <a:srgbClr val="BCBCBC">
+                  <a:alpha val="29804"/>
+                </a:srgbClr>
+              </a:solidFill>
+              <a:prstDash val="sysDot"/>
+            </a:ln>
+          </p:spPr>
+          <p:style>
+            <a:lnRef idx="1">
+              <a:schemeClr val="accent1"/>
+            </a:lnRef>
+            <a:fillRef idx="0">
+              <a:schemeClr val="accent1"/>
+            </a:fillRef>
+            <a:effectRef idx="0">
+              <a:schemeClr val="accent1"/>
+            </a:effectRef>
+            <a:fontRef idx="minor">
+              <a:schemeClr val="tx1"/>
+            </a:fontRef>
+          </p:style>
+        </p:cxnSp>
+        <p:cxnSp>
+          <p:nvCxnSpPr>
+            <p:cNvPr id="1137" name="Straight Connector 1136">
+              <a:extLst>
+                <a:ext uri="{FF2B5EF4-FFF2-40B4-BE49-F238E27FC236}">
+                  <a16:creationId xmlns:a16="http://schemas.microsoft.com/office/drawing/2014/main" id="{F2886397-398A-4318-BE16-2CBAC1902F9E}"/>
+                </a:ext>
+                <a:ext uri="{C183D7F6-B498-43B3-948B-1728B52AA6E4}">
+                  <adec:decorative xmlns:adec="http://schemas.microsoft.com/office/drawing/2017/decorative" val="1"/>
+                </a:ext>
+              </a:extLst>
+            </p:cNvPr>
+            <p:cNvCxnSpPr>
+              <a:cxnSpLocks/>
+            </p:cNvCxnSpPr>
+            <p:nvPr>
+              <p:extLst>
+                <p:ext uri="{386F3935-93C4-4BCD-93E2-E3B085C9AB24}">
+                  <p16:designElem xmlns:p16="http://schemas.microsoft.com/office/powerpoint/2015/main" val="1"/>
+                </p:ext>
+              </p:extLst>
+            </p:nvPr>
+          </p:nvCxnSpPr>
+          <p:spPr>
+            <a:xfrm>
+              <a:off x="0" y="3429002"/>
+              <a:ext cx="12192000" cy="0"/>
+            </a:xfrm>
+            <a:prstGeom prst="line">
+              <a:avLst/>
+            </a:prstGeom>
+            <a:ln w="12700">
+              <a:solidFill>
+                <a:srgbClr val="BCBCBC">
+                  <a:alpha val="29804"/>
+                </a:srgbClr>
+              </a:solidFill>
+              <a:prstDash val="sysDot"/>
+            </a:ln>
+          </p:spPr>
+          <p:style>
+            <a:lnRef idx="1">
+              <a:schemeClr val="accent1"/>
+            </a:lnRef>
+            <a:fillRef idx="0">
+              <a:schemeClr val="accent1"/>
+            </a:fillRef>
+            <a:effectRef idx="0">
+              <a:schemeClr val="accent1"/>
+            </a:effectRef>
+            <a:fontRef idx="minor">
+              <a:schemeClr val="tx1"/>
+            </a:fontRef>
+          </p:style>
+        </p:cxnSp>
+        <p:cxnSp>
+          <p:nvCxnSpPr>
+            <p:cNvPr id="1138" name="Straight Connector 1137">
+              <a:extLst>
+                <a:ext uri="{FF2B5EF4-FFF2-40B4-BE49-F238E27FC236}">
+                  <a16:creationId xmlns:a16="http://schemas.microsoft.com/office/drawing/2014/main" id="{7D32A3A6-CE6E-4ABD-8522-2C8DC88C070E}"/>
+                </a:ext>
+                <a:ext uri="{C183D7F6-B498-43B3-948B-1728B52AA6E4}">
+                  <adec:decorative xmlns:adec="http://schemas.microsoft.com/office/drawing/2017/decorative" val="1"/>
+                </a:ext>
+              </a:extLst>
+            </p:cNvPr>
+            <p:cNvCxnSpPr>
+              <a:cxnSpLocks/>
+            </p:cNvCxnSpPr>
+            <p:nvPr>
+              <p:extLst>
+                <p:ext uri="{386F3935-93C4-4BCD-93E2-E3B085C9AB24}">
+                  <p16:designElem xmlns:p16="http://schemas.microsoft.com/office/powerpoint/2015/main" val="1"/>
+                </p:ext>
+              </p:extLst>
+            </p:nvPr>
+          </p:nvCxnSpPr>
+          <p:spPr>
+            <a:xfrm>
+              <a:off x="0" y="3971883"/>
+              <a:ext cx="12192000" cy="0"/>
+            </a:xfrm>
+            <a:prstGeom prst="line">
+              <a:avLst/>
+            </a:prstGeom>
+            <a:ln w="12700">
+              <a:solidFill>
+                <a:srgbClr val="BCBCBC">
+                  <a:alpha val="29804"/>
+                </a:srgbClr>
+              </a:solidFill>
+              <a:prstDash val="sysDot"/>
+            </a:ln>
+          </p:spPr>
+          <p:style>
+            <a:lnRef idx="1">
+              <a:schemeClr val="accent1"/>
+            </a:lnRef>
+            <a:fillRef idx="0">
+              <a:schemeClr val="accent1"/>
+            </a:fillRef>
+            <a:effectRef idx="0">
+              <a:schemeClr val="accent1"/>
+            </a:effectRef>
+            <a:fontRef idx="minor">
+              <a:schemeClr val="tx1"/>
+            </a:fontRef>
+          </p:style>
+        </p:cxnSp>
+        <p:cxnSp>
+          <p:nvCxnSpPr>
+            <p:cNvPr id="1139" name="Straight Connector 1138">
+              <a:extLst>
+                <a:ext uri="{FF2B5EF4-FFF2-40B4-BE49-F238E27FC236}">
+                  <a16:creationId xmlns:a16="http://schemas.microsoft.com/office/drawing/2014/main" id="{F9014C09-5B84-4798-8BDE-C80D76E67B8E}"/>
+                </a:ext>
+                <a:ext uri="{C183D7F6-B498-43B3-948B-1728B52AA6E4}">
+                  <adec:decorative xmlns:adec="http://schemas.microsoft.com/office/drawing/2017/decorative" val="1"/>
+                </a:ext>
+              </a:extLst>
+            </p:cNvPr>
+            <p:cNvCxnSpPr>
+              <a:cxnSpLocks/>
+            </p:cNvCxnSpPr>
+            <p:nvPr>
+              <p:extLst>
+                <p:ext uri="{386F3935-93C4-4BCD-93E2-E3B085C9AB24}">
+                  <p16:designElem xmlns:p16="http://schemas.microsoft.com/office/powerpoint/2015/main" val="1"/>
+                </p:ext>
+              </p:extLst>
+            </p:nvPr>
+          </p:nvCxnSpPr>
+          <p:spPr>
+            <a:xfrm>
+              <a:off x="0" y="4514764"/>
+              <a:ext cx="12192000" cy="0"/>
+            </a:xfrm>
+            <a:prstGeom prst="line">
+              <a:avLst/>
+            </a:prstGeom>
+            <a:ln w="12700">
+              <a:solidFill>
+                <a:srgbClr val="BCBCBC">
+                  <a:alpha val="29804"/>
+                </a:srgbClr>
+              </a:solidFill>
+              <a:prstDash val="sysDot"/>
+            </a:ln>
+          </p:spPr>
+          <p:style>
+            <a:lnRef idx="1">
+              <a:schemeClr val="accent1"/>
+            </a:lnRef>
+            <a:fillRef idx="0">
+              <a:schemeClr val="accent1"/>
+            </a:fillRef>
+            <a:effectRef idx="0">
+              <a:schemeClr val="accent1"/>
+            </a:effectRef>
+            <a:fontRef idx="minor">
+              <a:schemeClr val="tx1"/>
+            </a:fontRef>
+          </p:style>
+        </p:cxnSp>
+        <p:cxnSp>
+          <p:nvCxnSpPr>
+            <p:cNvPr id="1140" name="Straight Connector 1139">
+              <a:extLst>
+                <a:ext uri="{FF2B5EF4-FFF2-40B4-BE49-F238E27FC236}">
+                  <a16:creationId xmlns:a16="http://schemas.microsoft.com/office/drawing/2014/main" id="{2A29EB9E-ED9D-4C69-8A26-9A7A0A830569}"/>
+                </a:ext>
+                <a:ext uri="{C183D7F6-B498-43B3-948B-1728B52AA6E4}">
+                  <adec:decorative xmlns:adec="http://schemas.microsoft.com/office/drawing/2017/decorative" val="1"/>
+                </a:ext>
+              </a:extLst>
+            </p:cNvPr>
+            <p:cNvCxnSpPr>
+              <a:cxnSpLocks/>
+            </p:cNvCxnSpPr>
+            <p:nvPr>
+              <p:extLst>
+                <p:ext uri="{386F3935-93C4-4BCD-93E2-E3B085C9AB24}">
+                  <p16:designElem xmlns:p16="http://schemas.microsoft.com/office/powerpoint/2015/main" val="1"/>
+                </p:ext>
+              </p:extLst>
+            </p:nvPr>
+          </p:nvCxnSpPr>
+          <p:spPr>
+            <a:xfrm>
+              <a:off x="0" y="5057645"/>
+              <a:ext cx="12192000" cy="0"/>
+            </a:xfrm>
+            <a:prstGeom prst="line">
+              <a:avLst/>
+            </a:prstGeom>
+            <a:ln w="12700">
+              <a:solidFill>
+                <a:srgbClr val="BCBCBC">
+                  <a:alpha val="29804"/>
+                </a:srgbClr>
+              </a:solidFill>
+              <a:prstDash val="sysDot"/>
+            </a:ln>
+          </p:spPr>
+          <p:style>
+            <a:lnRef idx="1">
+              <a:schemeClr val="accent1"/>
+            </a:lnRef>
+            <a:fillRef idx="0">
+              <a:schemeClr val="accent1"/>
+            </a:fillRef>
+            <a:effectRef idx="0">
+              <a:schemeClr val="accent1"/>
+            </a:effectRef>
+            <a:fontRef idx="minor">
+              <a:schemeClr val="tx1"/>
+            </a:fontRef>
+          </p:style>
+        </p:cxnSp>
+        <p:cxnSp>
+          <p:nvCxnSpPr>
+            <p:cNvPr id="1141" name="Straight Connector 1140">
+              <a:extLst>
+                <a:ext uri="{FF2B5EF4-FFF2-40B4-BE49-F238E27FC236}">
+                  <a16:creationId xmlns:a16="http://schemas.microsoft.com/office/drawing/2014/main" id="{AA2899F9-1795-416F-8F3D-26EEB684DB6A}"/>
+                </a:ext>
+                <a:ext uri="{C183D7F6-B498-43B3-948B-1728B52AA6E4}">
+                  <adec:decorative xmlns:adec="http://schemas.microsoft.com/office/drawing/2017/decorative" val="1"/>
+                </a:ext>
+              </a:extLst>
+            </p:cNvPr>
+            <p:cNvCxnSpPr>
+              <a:cxnSpLocks/>
+            </p:cNvCxnSpPr>
+            <p:nvPr>
+              <p:extLst>
+                <p:ext uri="{386F3935-93C4-4BCD-93E2-E3B085C9AB24}">
+                  <p16:designElem xmlns:p16="http://schemas.microsoft.com/office/powerpoint/2015/main" val="1"/>
+                </p:ext>
+              </p:extLst>
+            </p:nvPr>
+          </p:nvCxnSpPr>
+          <p:spPr>
+            <a:xfrm>
+              <a:off x="0" y="5600526"/>
+              <a:ext cx="12192000" cy="0"/>
+            </a:xfrm>
+            <a:prstGeom prst="line">
+              <a:avLst/>
+            </a:prstGeom>
+            <a:ln w="12700">
+              <a:solidFill>
+                <a:srgbClr val="BCBCBC">
+                  <a:alpha val="29804"/>
+                </a:srgbClr>
+              </a:solidFill>
+              <a:prstDash val="sysDot"/>
+            </a:ln>
+          </p:spPr>
+          <p:style>
+            <a:lnRef idx="1">
+              <a:schemeClr val="accent1"/>
+            </a:lnRef>
+            <a:fillRef idx="0">
+              <a:schemeClr val="accent1"/>
+            </a:fillRef>
+            <a:effectRef idx="0">
+              <a:schemeClr val="accent1"/>
+            </a:effectRef>
+            <a:fontRef idx="minor">
+              <a:schemeClr val="tx1"/>
+            </a:fontRef>
+          </p:style>
+        </p:cxnSp>
+        <p:cxnSp>
+          <p:nvCxnSpPr>
+            <p:cNvPr id="1142" name="Straight Connector 1141">
+              <a:extLst>
+                <a:ext uri="{FF2B5EF4-FFF2-40B4-BE49-F238E27FC236}">
+                  <a16:creationId xmlns:a16="http://schemas.microsoft.com/office/drawing/2014/main" id="{E3043474-8625-495C-BD06-3627FD286C55}"/>
+                </a:ext>
+                <a:ext uri="{C183D7F6-B498-43B3-948B-1728B52AA6E4}">
+                  <adec:decorative xmlns:adec="http://schemas.microsoft.com/office/drawing/2017/decorative" val="1"/>
+                </a:ext>
+              </a:extLst>
+            </p:cNvPr>
+            <p:cNvCxnSpPr>
+              <a:cxnSpLocks/>
+            </p:cNvCxnSpPr>
+            <p:nvPr>
+              <p:extLst>
+                <p:ext uri="{386F3935-93C4-4BCD-93E2-E3B085C9AB24}">
+                  <p16:designElem xmlns:p16="http://schemas.microsoft.com/office/powerpoint/2015/main" val="1"/>
+                </p:ext>
+              </p:extLst>
+            </p:nvPr>
+          </p:nvCxnSpPr>
+          <p:spPr>
+            <a:xfrm>
+              <a:off x="0" y="6857999"/>
+              <a:ext cx="12192000" cy="0"/>
+            </a:xfrm>
+            <a:prstGeom prst="line">
+              <a:avLst/>
+            </a:prstGeom>
+            <a:ln w="12700">
+              <a:solidFill>
+                <a:srgbClr val="BCBCBC">
+                  <a:alpha val="29804"/>
+                </a:srgbClr>
+              </a:solidFill>
+              <a:prstDash val="sysDot"/>
+            </a:ln>
+          </p:spPr>
+          <p:style>
+            <a:lnRef idx="1">
+              <a:schemeClr val="accent1"/>
+            </a:lnRef>
+            <a:fillRef idx="0">
+              <a:schemeClr val="accent1"/>
+            </a:fillRef>
+            <a:effectRef idx="0">
+              <a:schemeClr val="accent1"/>
+            </a:effectRef>
+            <a:fontRef idx="minor">
+              <a:schemeClr val="tx1"/>
+            </a:fontRef>
+          </p:style>
+        </p:cxnSp>
+        <p:cxnSp>
+          <p:nvCxnSpPr>
+            <p:cNvPr id="1143" name="Straight Connector 1142">
+              <a:extLst>
+                <a:ext uri="{FF2B5EF4-FFF2-40B4-BE49-F238E27FC236}">
+                  <a16:creationId xmlns:a16="http://schemas.microsoft.com/office/drawing/2014/main" id="{D432CE47-7631-408E-8DDC-79EE378B707B}"/>
+                </a:ext>
+                <a:ext uri="{C183D7F6-B498-43B3-948B-1728B52AA6E4}">
+                  <adec:decorative xmlns:adec="http://schemas.microsoft.com/office/drawing/2017/decorative" val="1"/>
+                </a:ext>
+              </a:extLst>
+            </p:cNvPr>
+            <p:cNvCxnSpPr>
+              <a:cxnSpLocks/>
+            </p:cNvCxnSpPr>
+            <p:nvPr>
+              <p:extLst>
+                <p:ext uri="{386F3935-93C4-4BCD-93E2-E3B085C9AB24}">
+                  <p16:designElem xmlns:p16="http://schemas.microsoft.com/office/powerpoint/2015/main" val="1"/>
+                </p:ext>
+              </p:extLst>
+            </p:nvPr>
+          </p:nvCxnSpPr>
+          <p:spPr>
+            <a:xfrm>
+              <a:off x="16613" y="6143407"/>
+              <a:ext cx="12192000" cy="0"/>
+            </a:xfrm>
+            <a:prstGeom prst="line">
+              <a:avLst/>
+            </a:prstGeom>
+            <a:ln w="12700">
+              <a:solidFill>
+                <a:srgbClr val="BCBCBC">
+                  <a:alpha val="29804"/>
+                </a:srgbClr>
+              </a:solidFill>
+              <a:prstDash val="sysDot"/>
+            </a:ln>
+          </p:spPr>
+          <p:style>
+            <a:lnRef idx="1">
+              <a:schemeClr val="accent1"/>
+            </a:lnRef>
+            <a:fillRef idx="0">
+              <a:schemeClr val="accent1"/>
+            </a:fillRef>
+            <a:effectRef idx="0">
+              <a:schemeClr val="accent1"/>
+            </a:effectRef>
+            <a:fontRef idx="minor">
+              <a:schemeClr val="tx1"/>
+            </a:fontRef>
+          </p:style>
+        </p:cxnSp>
+        <p:cxnSp>
+          <p:nvCxnSpPr>
+            <p:cNvPr id="1144" name="Straight Connector 1143">
+              <a:extLst>
+                <a:ext uri="{FF2B5EF4-FFF2-40B4-BE49-F238E27FC236}">
+                  <a16:creationId xmlns:a16="http://schemas.microsoft.com/office/drawing/2014/main" id="{B2C8832D-8B8D-4036-B913-2D363143274B}"/>
+                </a:ext>
+                <a:ext uri="{C183D7F6-B498-43B3-948B-1728B52AA6E4}">
+                  <adec:decorative xmlns:adec="http://schemas.microsoft.com/office/drawing/2017/decorative" val="1"/>
+                </a:ext>
+              </a:extLst>
+            </p:cNvPr>
+            <p:cNvCxnSpPr>
+              <a:cxnSpLocks/>
+            </p:cNvCxnSpPr>
+            <p:nvPr>
+              <p:extLst>
+                <p:ext uri="{386F3935-93C4-4BCD-93E2-E3B085C9AB24}">
+                  <p16:designElem xmlns:p16="http://schemas.microsoft.com/office/powerpoint/2015/main" val="1"/>
+                </p:ext>
+              </p:extLst>
+            </p:nvPr>
+          </p:nvCxnSpPr>
+          <p:spPr>
+            <a:xfrm>
+              <a:off x="684225" y="171716"/>
+              <a:ext cx="0" cy="6511464"/>
+            </a:xfrm>
+            <a:prstGeom prst="line">
+              <a:avLst/>
+            </a:prstGeom>
+            <a:ln w="12700">
+              <a:solidFill>
+                <a:srgbClr val="BCBCBC">
+                  <a:alpha val="29804"/>
+                </a:srgbClr>
+              </a:solidFill>
+              <a:prstDash val="sysDot"/>
+            </a:ln>
+          </p:spPr>
+          <p:style>
+            <a:lnRef idx="1">
+              <a:schemeClr val="accent1"/>
+            </a:lnRef>
+            <a:fillRef idx="0">
+              <a:schemeClr val="accent1"/>
+            </a:fillRef>
+            <a:effectRef idx="0">
+              <a:schemeClr val="accent1"/>
+            </a:effectRef>
+            <a:fontRef idx="minor">
+              <a:schemeClr val="tx1"/>
+            </a:fontRef>
+          </p:style>
+        </p:cxnSp>
+        <p:cxnSp>
+          <p:nvCxnSpPr>
+            <p:cNvPr id="1145" name="Straight Connector 1144">
+              <a:extLst>
+                <a:ext uri="{FF2B5EF4-FFF2-40B4-BE49-F238E27FC236}">
+                  <a16:creationId xmlns:a16="http://schemas.microsoft.com/office/drawing/2014/main" id="{1CCEFEAF-E87B-4FF2-A947-94CABAA0610D}"/>
+                </a:ext>
+                <a:ext uri="{C183D7F6-B498-43B3-948B-1728B52AA6E4}">
+                  <adec:decorative xmlns:adec="http://schemas.microsoft.com/office/drawing/2017/decorative" val="1"/>
+                </a:ext>
+              </a:extLst>
+            </p:cNvPr>
+            <p:cNvCxnSpPr>
+              <a:cxnSpLocks/>
+            </p:cNvCxnSpPr>
+            <p:nvPr>
+              <p:extLst>
+                <p:ext uri="{386F3935-93C4-4BCD-93E2-E3B085C9AB24}">
+                  <p16:designElem xmlns:p16="http://schemas.microsoft.com/office/powerpoint/2015/main" val="1"/>
+                </p:ext>
+              </p:extLst>
+            </p:nvPr>
+          </p:nvCxnSpPr>
+          <p:spPr>
+            <a:xfrm>
+              <a:off x="11508412" y="173267"/>
+              <a:ext cx="0" cy="6511464"/>
+            </a:xfrm>
+            <a:prstGeom prst="line">
+              <a:avLst/>
+            </a:prstGeom>
+            <a:ln w="12700">
+              <a:solidFill>
+                <a:srgbClr val="BCBCBC">
+                  <a:alpha val="29804"/>
+                </a:srgbClr>
+              </a:solidFill>
+              <a:prstDash val="sysDot"/>
+            </a:ln>
+          </p:spPr>
+          <p:style>
+            <a:lnRef idx="1">
+              <a:schemeClr val="accent1"/>
+            </a:lnRef>
+            <a:fillRef idx="0">
+              <a:schemeClr val="accent1"/>
+            </a:fillRef>
+            <a:effectRef idx="0">
+              <a:schemeClr val="accent1"/>
+            </a:effectRef>
+            <a:fontRef idx="minor">
+              <a:schemeClr val="tx1"/>
+            </a:fontRef>
+          </p:style>
+        </p:cxnSp>
+      </p:grpSp>
+      <p:sp>
+        <p:nvSpPr>
+          <p:cNvPr id="1147" name="Right Triangle 1146">
+            <a:extLst>
+              <a:ext uri="{FF2B5EF4-FFF2-40B4-BE49-F238E27FC236}">
+                <a16:creationId xmlns:a16="http://schemas.microsoft.com/office/drawing/2014/main" id="{2437C4A8-8E3A-4ADA-93B9-64737CE1ABB1}"/>
+              </a:ext>
+              <a:ext uri="{C183D7F6-B498-43B3-948B-1728B52AA6E4}">
+                <adec:decorative xmlns:adec="http://schemas.microsoft.com/office/drawing/2017/decorative" val="1"/>
+              </a:ext>
+            </a:extLst>
+          </p:cNvPr>
+          <p:cNvSpPr>
+            <a:spLocks noGrp="1" noRot="1" noChangeAspect="1" noMove="1" noResize="1" noEditPoints="1" noAdjustHandles="1" noChangeArrowheads="1" noChangeShapeType="1" noTextEdit="1"/>
+          </p:cNvSpPr>
+          <p:nvPr>
+            <p:extLst>
+              <p:ext uri="{386F3935-93C4-4BCD-93E2-E3B085C9AB24}">
+                <p16:designElem xmlns:p16="http://schemas.microsoft.com/office/powerpoint/2015/main" val="1"/>
+              </p:ext>
+            </p:extLst>
+          </p:nvPr>
+        </p:nvSpPr>
+        <p:spPr>
+          <a:xfrm rot="13500000">
+            <a:off x="-281093" y="2607907"/>
+            <a:ext cx="568289" cy="568289"/>
+          </a:xfrm>
+          <a:prstGeom prst="rtTriangle">
+            <a:avLst/>
+          </a:prstGeom>
+          <a:solidFill>
+            <a:schemeClr val="accent1">
+              <a:alpha val="50000"/>
+            </a:schemeClr>
+          </a:solidFill>
+          <a:ln>
+            <a:noFill/>
+          </a:ln>
+        </p:spPr>
+        <p:style>
+          <a:lnRef idx="2">
+            <a:schemeClr val="accent1">
+              <a:shade val="50000"/>
+            </a:schemeClr>
+          </a:lnRef>
+          <a:fillRef idx="1">
+            <a:schemeClr val="accent1"/>
+          </a:fillRef>
+          <a:effectRef idx="0">
+            <a:schemeClr val="accent1"/>
+          </a:effectRef>
+          <a:fontRef idx="minor">
+            <a:schemeClr val="lt1"/>
+          </a:fontRef>
+        </p:style>
+        <p:txBody>
+          <a:bodyPr rtlCol="0" anchor="ctr"/>
+          <a:lstStyle/>
+          <a:p>
+            <a:pPr algn="ctr"/>
+            <a:endParaRPr lang="en-US">
+              <a:solidFill>
+                <a:schemeClr val="tx1"/>
+              </a:solidFill>
+            </a:endParaRPr>
+          </a:p>
+        </p:txBody>
+      </p:sp>
+      <p:sp useBgFill="1">
+        <p:nvSpPr>
+          <p:cNvPr id="1149" name="Rectangle 1148">
+            <a:extLst>
+              <a:ext uri="{FF2B5EF4-FFF2-40B4-BE49-F238E27FC236}">
+                <a16:creationId xmlns:a16="http://schemas.microsoft.com/office/drawing/2014/main" id="{A173122F-D466-4F08-90FA-0038F7AC214A}"/>
+              </a:ext>
+              <a:ext uri="{C183D7F6-B498-43B3-948B-1728B52AA6E4}">
+                <adec:decorative xmlns:adec="http://schemas.microsoft.com/office/drawing/2017/decorative" val="1"/>
+              </a:ext>
+            </a:extLst>
+          </p:cNvPr>
+          <p:cNvSpPr>
+            <a:spLocks noGrp="1" noRot="1" noChangeAspect="1" noMove="1" noResize="1" noEditPoints="1" noAdjustHandles="1" noChangeArrowheads="1" noChangeShapeType="1" noTextEdit="1"/>
+          </p:cNvSpPr>
+          <p:nvPr>
+            <p:extLst>
+              <p:ext uri="{386F3935-93C4-4BCD-93E2-E3B085C9AB24}">
+                <p16:designElem xmlns:p16="http://schemas.microsoft.com/office/powerpoint/2015/main" val="1"/>
+              </p:ext>
+            </p:extLst>
+          </p:nvPr>
+        </p:nvSpPr>
+        <p:spPr>
+          <a:xfrm>
+            <a:off x="0" y="0"/>
+            <a:ext cx="12188952" cy="6858000"/>
+          </a:xfrm>
+          <a:prstGeom prst="rect">
+            <a:avLst/>
+          </a:prstGeom>
+          <a:ln>
+            <a:noFill/>
+          </a:ln>
+        </p:spPr>
+        <p:style>
+          <a:lnRef idx="2">
+            <a:schemeClr val="accent1">
+              <a:shade val="50000"/>
+            </a:schemeClr>
+          </a:lnRef>
+          <a:fillRef idx="1">
+            <a:schemeClr val="accent1"/>
+          </a:fillRef>
+          <a:effectRef idx="0">
+            <a:schemeClr val="accent1"/>
+          </a:effectRef>
+          <a:fontRef idx="minor">
+            <a:schemeClr val="lt1"/>
+          </a:fontRef>
+        </p:style>
+        <p:txBody>
+          <a:bodyPr rtlCol="0" anchor="ctr"/>
+          <a:lstStyle/>
+          <a:p>
+            <a:pPr algn="ctr"/>
+            <a:endParaRPr lang="en-US">
+              <a:solidFill>
+                <a:schemeClr val="bg1"/>
+              </a:solidFill>
+            </a:endParaRPr>
+          </a:p>
+        </p:txBody>
+      </p:sp>
+      <p:grpSp>
+        <p:nvGrpSpPr>
+          <p:cNvPr id="1151" name="Group 1150">
+            <a:extLst>
+              <a:ext uri="{FF2B5EF4-FFF2-40B4-BE49-F238E27FC236}">
+                <a16:creationId xmlns:a16="http://schemas.microsoft.com/office/drawing/2014/main" id="{B19EC7B8-C390-4F1B-8960-E6D32451033C}"/>
+              </a:ext>
+              <a:ext uri="{C183D7F6-B498-43B3-948B-1728B52AA6E4}">
+                <adec:decorative xmlns:adec="http://schemas.microsoft.com/office/drawing/2017/decorative" val="1"/>
+              </a:ext>
+            </a:extLst>
+          </p:cNvPr>
+          <p:cNvGrpSpPr>
+            <a:grpSpLocks noGrp="1" noUngrp="1" noRot="1" noChangeAspect="1" noMove="1" noResize="1"/>
+          </p:cNvGrpSpPr>
+          <p:nvPr>
+            <p:extLst>
+              <p:ext uri="{386F3935-93C4-4BCD-93E2-E3B085C9AB24}">
+                <p16:designElem xmlns:p16="http://schemas.microsoft.com/office/powerpoint/2015/main" val="1"/>
+              </p:ext>
+            </p:extLst>
+          </p:nvPr>
+        </p:nvGrpSpPr>
+        <p:grpSpPr>
+          <a:xfrm>
+            <a:off x="-6214" y="-1"/>
+            <a:ext cx="12214827" cy="6858000"/>
+            <a:chOff x="-6214" y="-1"/>
+            <a:chExt cx="12214827" cy="6858000"/>
+          </a:xfrm>
+        </p:grpSpPr>
+        <p:cxnSp>
+          <p:nvCxnSpPr>
+            <p:cNvPr id="1152" name="Straight Connector 1151">
+              <a:extLst>
+                <a:ext uri="{FF2B5EF4-FFF2-40B4-BE49-F238E27FC236}">
+                  <a16:creationId xmlns:a16="http://schemas.microsoft.com/office/drawing/2014/main" id="{7CEE1CC1-2CD0-4957-8A12-48FA80C0CC28}"/>
+                </a:ext>
+                <a:ext uri="{C183D7F6-B498-43B3-948B-1728B52AA6E4}">
+                  <adec:decorative xmlns:adec="http://schemas.microsoft.com/office/drawing/2017/decorative" val="1"/>
+                </a:ext>
+              </a:extLst>
+            </p:cNvPr>
+            <p:cNvCxnSpPr>
+              <a:cxnSpLocks/>
+            </p:cNvCxnSpPr>
+            <p:nvPr>
+              <p:extLst>
+                <p:ext uri="{386F3935-93C4-4BCD-93E2-E3B085C9AB24}">
+                  <p16:designElem xmlns:p16="http://schemas.microsoft.com/office/powerpoint/2015/main" val="1"/>
+                </p:ext>
+              </p:extLst>
+            </p:nvPr>
+          </p:nvCxnSpPr>
+          <p:spPr>
+            <a:xfrm>
+              <a:off x="-6214" y="6686283"/>
+              <a:ext cx="12192000" cy="0"/>
+            </a:xfrm>
+            <a:prstGeom prst="line">
+              <a:avLst/>
+            </a:prstGeom>
+            <a:ln w="12700">
+              <a:solidFill>
+                <a:srgbClr val="BCBCBC">
+                  <a:alpha val="29804"/>
+                </a:srgbClr>
+              </a:solidFill>
+              <a:prstDash val="sysDot"/>
+            </a:ln>
+          </p:spPr>
+          <p:style>
+            <a:lnRef idx="1">
+              <a:schemeClr val="accent1"/>
+            </a:lnRef>
+            <a:fillRef idx="0">
+              <a:schemeClr val="accent1"/>
+            </a:fillRef>
+            <a:effectRef idx="0">
+              <a:schemeClr val="accent1"/>
+            </a:effectRef>
+            <a:fontRef idx="minor">
+              <a:schemeClr val="tx1"/>
+            </a:fontRef>
+          </p:style>
+        </p:cxnSp>
+        <p:cxnSp>
+          <p:nvCxnSpPr>
+            <p:cNvPr id="1153" name="Straight Connector 1152">
+              <a:extLst>
+                <a:ext uri="{FF2B5EF4-FFF2-40B4-BE49-F238E27FC236}">
+                  <a16:creationId xmlns:a16="http://schemas.microsoft.com/office/drawing/2014/main" id="{34901FEB-A7C2-457B-A124-AD433B04174F}"/>
+                </a:ext>
+                <a:ext uri="{C183D7F6-B498-43B3-948B-1728B52AA6E4}">
+                  <adec:decorative xmlns:adec="http://schemas.microsoft.com/office/drawing/2017/decorative" val="1"/>
+                </a:ext>
+              </a:extLst>
+            </p:cNvPr>
+            <p:cNvCxnSpPr>
+              <a:cxnSpLocks/>
+            </p:cNvCxnSpPr>
+            <p:nvPr>
+              <p:extLst>
+                <p:ext uri="{386F3935-93C4-4BCD-93E2-E3B085C9AB24}">
+                  <p16:designElem xmlns:p16="http://schemas.microsoft.com/office/powerpoint/2015/main" val="1"/>
+                </p:ext>
+              </p:extLst>
+            </p:nvPr>
+          </p:nvCxnSpPr>
+          <p:spPr>
+            <a:xfrm>
+              <a:off x="0" y="-1"/>
+              <a:ext cx="0" cy="6858000"/>
+            </a:xfrm>
+            <a:prstGeom prst="line">
+              <a:avLst/>
+            </a:prstGeom>
+            <a:ln w="12700">
+              <a:solidFill>
+                <a:srgbClr val="BCBCBC">
+                  <a:alpha val="29804"/>
+                </a:srgbClr>
+              </a:solidFill>
+              <a:prstDash val="sysDot"/>
+            </a:ln>
+          </p:spPr>
+          <p:style>
+            <a:lnRef idx="1">
+              <a:schemeClr val="accent1"/>
+            </a:lnRef>
+            <a:fillRef idx="0">
+              <a:schemeClr val="accent1"/>
+            </a:fillRef>
+            <a:effectRef idx="0">
+              <a:schemeClr val="accent1"/>
+            </a:effectRef>
+            <a:fontRef idx="minor">
+              <a:schemeClr val="tx1"/>
+            </a:fontRef>
+          </p:style>
+        </p:cxnSp>
+        <p:cxnSp>
+          <p:nvCxnSpPr>
+            <p:cNvPr id="1154" name="Straight Connector 1153">
+              <a:extLst>
+                <a:ext uri="{FF2B5EF4-FFF2-40B4-BE49-F238E27FC236}">
+                  <a16:creationId xmlns:a16="http://schemas.microsoft.com/office/drawing/2014/main" id="{C76048A8-79AA-454C-BD3E-3004F742681C}"/>
+                </a:ext>
+                <a:ext uri="{C183D7F6-B498-43B3-948B-1728B52AA6E4}">
+                  <adec:decorative xmlns:adec="http://schemas.microsoft.com/office/drawing/2017/decorative" val="1"/>
+                </a:ext>
+              </a:extLst>
+            </p:cNvPr>
+            <p:cNvCxnSpPr>
+              <a:cxnSpLocks/>
+            </p:cNvCxnSpPr>
+            <p:nvPr>
+              <p:extLst>
+                <p:ext uri="{386F3935-93C4-4BCD-93E2-E3B085C9AB24}">
+                  <p16:designElem xmlns:p16="http://schemas.microsoft.com/office/powerpoint/2015/main" val="1"/>
+                </p:ext>
+              </p:extLst>
+            </p:nvPr>
+          </p:nvCxnSpPr>
+          <p:spPr>
+            <a:xfrm>
+              <a:off x="11993258" y="-1"/>
+              <a:ext cx="0" cy="6858000"/>
+            </a:xfrm>
+            <a:prstGeom prst="line">
+              <a:avLst/>
+            </a:prstGeom>
+            <a:ln w="12700">
+              <a:solidFill>
+                <a:srgbClr val="BCBCBC">
+                  <a:alpha val="29804"/>
+                </a:srgbClr>
+              </a:solidFill>
+              <a:prstDash val="sysDot"/>
+            </a:ln>
+          </p:spPr>
+          <p:style>
+            <a:lnRef idx="1">
+              <a:schemeClr val="accent1"/>
+            </a:lnRef>
+            <a:fillRef idx="0">
+              <a:schemeClr val="accent1"/>
+            </a:fillRef>
+            <a:effectRef idx="0">
+              <a:schemeClr val="accent1"/>
+            </a:effectRef>
+            <a:fontRef idx="minor">
+              <a:schemeClr val="tx1"/>
+            </a:fontRef>
+          </p:style>
+        </p:cxnSp>
+        <p:cxnSp>
+          <p:nvCxnSpPr>
+            <p:cNvPr id="1155" name="Straight Connector 1154">
+              <a:extLst>
+                <a:ext uri="{FF2B5EF4-FFF2-40B4-BE49-F238E27FC236}">
+                  <a16:creationId xmlns:a16="http://schemas.microsoft.com/office/drawing/2014/main" id="{77B51975-25FE-4328-9815-2AA302F28ABA}"/>
+                </a:ext>
+                <a:ext uri="{C183D7F6-B498-43B3-948B-1728B52AA6E4}">
+                  <adec:decorative xmlns:adec="http://schemas.microsoft.com/office/drawing/2017/decorative" val="1"/>
+                </a:ext>
+              </a:extLst>
+            </p:cNvPr>
+            <p:cNvCxnSpPr>
+              <a:cxnSpLocks/>
+            </p:cNvCxnSpPr>
+            <p:nvPr>
+              <p:extLst>
+                <p:ext uri="{386F3935-93C4-4BCD-93E2-E3B085C9AB24}">
+                  <p16:designElem xmlns:p16="http://schemas.microsoft.com/office/powerpoint/2015/main" val="1"/>
+                </p:ext>
+              </p:extLst>
+            </p:nvPr>
+          </p:nvCxnSpPr>
+          <p:spPr>
+            <a:xfrm>
+              <a:off x="192528" y="-1"/>
+              <a:ext cx="0" cy="6858000"/>
+            </a:xfrm>
+            <a:prstGeom prst="line">
+              <a:avLst/>
+            </a:prstGeom>
+            <a:ln w="12700">
+              <a:solidFill>
+                <a:srgbClr val="BCBCBC">
+                  <a:alpha val="29804"/>
+                </a:srgbClr>
+              </a:solidFill>
+              <a:prstDash val="sysDot"/>
+            </a:ln>
+          </p:spPr>
+          <p:style>
+            <a:lnRef idx="1">
+              <a:schemeClr val="accent1"/>
+            </a:lnRef>
+            <a:fillRef idx="0">
+              <a:schemeClr val="accent1"/>
+            </a:fillRef>
+            <a:effectRef idx="0">
+              <a:schemeClr val="accent1"/>
+            </a:effectRef>
+            <a:fontRef idx="minor">
+              <a:schemeClr val="tx1"/>
+            </a:fontRef>
+          </p:style>
+        </p:cxnSp>
+        <p:cxnSp>
+          <p:nvCxnSpPr>
+            <p:cNvPr id="1156" name="Straight Connector 1155">
+              <a:extLst>
+                <a:ext uri="{FF2B5EF4-FFF2-40B4-BE49-F238E27FC236}">
+                  <a16:creationId xmlns:a16="http://schemas.microsoft.com/office/drawing/2014/main" id="{B440B47E-6D3E-4978-B887-B53DA0BFF556}"/>
+                </a:ext>
+                <a:ext uri="{C183D7F6-B498-43B3-948B-1728B52AA6E4}">
+                  <adec:decorative xmlns:adec="http://schemas.microsoft.com/office/drawing/2017/decorative" val="1"/>
+                </a:ext>
+              </a:extLst>
+            </p:cNvPr>
+            <p:cNvCxnSpPr>
+              <a:cxnSpLocks/>
+            </p:cNvCxnSpPr>
+            <p:nvPr>
+              <p:extLst>
+                <p:ext uri="{386F3935-93C4-4BCD-93E2-E3B085C9AB24}">
+                  <p16:designElem xmlns:p16="http://schemas.microsoft.com/office/powerpoint/2015/main" val="1"/>
+                </p:ext>
+              </p:extLst>
+            </p:nvPr>
+          </p:nvCxnSpPr>
+          <p:spPr>
+            <a:xfrm>
+              <a:off x="1175922" y="-1"/>
+              <a:ext cx="0" cy="6858000"/>
+            </a:xfrm>
+            <a:prstGeom prst="line">
+              <a:avLst/>
+            </a:prstGeom>
+            <a:ln w="12700">
+              <a:solidFill>
+                <a:srgbClr val="BCBCBC">
+                  <a:alpha val="29804"/>
+                </a:srgbClr>
+              </a:solidFill>
+              <a:prstDash val="sysDot"/>
+            </a:ln>
+          </p:spPr>
+          <p:style>
+            <a:lnRef idx="1">
+              <a:schemeClr val="accent1"/>
+            </a:lnRef>
+            <a:fillRef idx="0">
+              <a:schemeClr val="accent1"/>
+            </a:fillRef>
+            <a:effectRef idx="0">
+              <a:schemeClr val="accent1"/>
+            </a:effectRef>
+            <a:fontRef idx="minor">
+              <a:schemeClr val="tx1"/>
+            </a:fontRef>
+          </p:style>
+        </p:cxnSp>
+        <p:cxnSp>
+          <p:nvCxnSpPr>
+            <p:cNvPr id="1157" name="Straight Connector 1156">
+              <a:extLst>
+                <a:ext uri="{FF2B5EF4-FFF2-40B4-BE49-F238E27FC236}">
+                  <a16:creationId xmlns:a16="http://schemas.microsoft.com/office/drawing/2014/main" id="{FD94D0A1-D760-40DE-B758-008B93D588B5}"/>
+                </a:ext>
+                <a:ext uri="{C183D7F6-B498-43B3-948B-1728B52AA6E4}">
+                  <adec:decorative xmlns:adec="http://schemas.microsoft.com/office/drawing/2017/decorative" val="1"/>
+                </a:ext>
+              </a:extLst>
+            </p:cNvPr>
+            <p:cNvCxnSpPr>
+              <a:cxnSpLocks/>
+            </p:cNvCxnSpPr>
+            <p:nvPr>
+              <p:extLst>
+                <p:ext uri="{386F3935-93C4-4BCD-93E2-E3B085C9AB24}">
+                  <p16:designElem xmlns:p16="http://schemas.microsoft.com/office/powerpoint/2015/main" val="1"/>
+                </p:ext>
+              </p:extLst>
+            </p:nvPr>
+          </p:nvCxnSpPr>
+          <p:spPr>
+            <a:xfrm>
+              <a:off x="2159316" y="-1"/>
+              <a:ext cx="0" cy="6858000"/>
+            </a:xfrm>
+            <a:prstGeom prst="line">
+              <a:avLst/>
+            </a:prstGeom>
+            <a:ln w="12700">
+              <a:solidFill>
+                <a:srgbClr val="BCBCBC">
+                  <a:alpha val="29804"/>
+                </a:srgbClr>
+              </a:solidFill>
+              <a:prstDash val="sysDot"/>
+            </a:ln>
+          </p:spPr>
+          <p:style>
+            <a:lnRef idx="1">
+              <a:schemeClr val="accent1"/>
+            </a:lnRef>
+            <a:fillRef idx="0">
+              <a:schemeClr val="accent1"/>
+            </a:fillRef>
+            <a:effectRef idx="0">
+              <a:schemeClr val="accent1"/>
+            </a:effectRef>
+            <a:fontRef idx="minor">
+              <a:schemeClr val="tx1"/>
+            </a:fontRef>
+          </p:style>
+        </p:cxnSp>
+        <p:cxnSp>
+          <p:nvCxnSpPr>
+            <p:cNvPr id="1158" name="Straight Connector 1157">
+              <a:extLst>
+                <a:ext uri="{FF2B5EF4-FFF2-40B4-BE49-F238E27FC236}">
+                  <a16:creationId xmlns:a16="http://schemas.microsoft.com/office/drawing/2014/main" id="{F9E590CB-0538-40D7-9CAC-1BBD39CC278D}"/>
+                </a:ext>
+                <a:ext uri="{C183D7F6-B498-43B3-948B-1728B52AA6E4}">
+                  <adec:decorative xmlns:adec="http://schemas.microsoft.com/office/drawing/2017/decorative" val="1"/>
+                </a:ext>
+              </a:extLst>
+            </p:cNvPr>
+            <p:cNvCxnSpPr>
+              <a:cxnSpLocks/>
+            </p:cNvCxnSpPr>
+            <p:nvPr>
+              <p:extLst>
+                <p:ext uri="{386F3935-93C4-4BCD-93E2-E3B085C9AB24}">
+                  <p16:designElem xmlns:p16="http://schemas.microsoft.com/office/powerpoint/2015/main" val="1"/>
+                </p:ext>
+              </p:extLst>
+            </p:nvPr>
+          </p:nvCxnSpPr>
+          <p:spPr>
+            <a:xfrm>
+              <a:off x="3142710" y="-1"/>
+              <a:ext cx="0" cy="6858000"/>
+            </a:xfrm>
+            <a:prstGeom prst="line">
+              <a:avLst/>
+            </a:prstGeom>
+            <a:ln w="12700">
+              <a:solidFill>
+                <a:srgbClr val="BCBCBC">
+                  <a:alpha val="29804"/>
+                </a:srgbClr>
+              </a:solidFill>
+              <a:prstDash val="sysDot"/>
+            </a:ln>
+          </p:spPr>
+          <p:style>
+            <a:lnRef idx="1">
+              <a:schemeClr val="accent1"/>
+            </a:lnRef>
+            <a:fillRef idx="0">
+              <a:schemeClr val="accent1"/>
+            </a:fillRef>
+            <a:effectRef idx="0">
+              <a:schemeClr val="accent1"/>
+            </a:effectRef>
+            <a:fontRef idx="minor">
+              <a:schemeClr val="tx1"/>
+            </a:fontRef>
+          </p:style>
+        </p:cxnSp>
+        <p:cxnSp>
+          <p:nvCxnSpPr>
+            <p:cNvPr id="1159" name="Straight Connector 1158">
+              <a:extLst>
+                <a:ext uri="{FF2B5EF4-FFF2-40B4-BE49-F238E27FC236}">
+                  <a16:creationId xmlns:a16="http://schemas.microsoft.com/office/drawing/2014/main" id="{5D7C67DA-B2AA-46E2-8065-1F862A6F7233}"/>
+                </a:ext>
+                <a:ext uri="{C183D7F6-B498-43B3-948B-1728B52AA6E4}">
+                  <adec:decorative xmlns:adec="http://schemas.microsoft.com/office/drawing/2017/decorative" val="1"/>
+                </a:ext>
+              </a:extLst>
+            </p:cNvPr>
+            <p:cNvCxnSpPr>
+              <a:cxnSpLocks/>
+            </p:cNvCxnSpPr>
+            <p:nvPr>
+              <p:extLst>
+                <p:ext uri="{386F3935-93C4-4BCD-93E2-E3B085C9AB24}">
+                  <p16:designElem xmlns:p16="http://schemas.microsoft.com/office/powerpoint/2015/main" val="1"/>
+                </p:ext>
+              </p:extLst>
+            </p:nvPr>
+          </p:nvCxnSpPr>
+          <p:spPr>
+            <a:xfrm>
+              <a:off x="4126104" y="-1"/>
+              <a:ext cx="0" cy="6858000"/>
+            </a:xfrm>
+            <a:prstGeom prst="line">
+              <a:avLst/>
+            </a:prstGeom>
+            <a:ln w="12700">
+              <a:solidFill>
+                <a:srgbClr val="BCBCBC">
+                  <a:alpha val="29804"/>
+                </a:srgbClr>
+              </a:solidFill>
+              <a:prstDash val="sysDot"/>
+            </a:ln>
+          </p:spPr>
+          <p:style>
+            <a:lnRef idx="1">
+              <a:schemeClr val="accent1"/>
+            </a:lnRef>
+            <a:fillRef idx="0">
+              <a:schemeClr val="accent1"/>
+            </a:fillRef>
+            <a:effectRef idx="0">
+              <a:schemeClr val="accent1"/>
+            </a:effectRef>
+            <a:fontRef idx="minor">
+              <a:schemeClr val="tx1"/>
+            </a:fontRef>
+          </p:style>
+        </p:cxnSp>
+        <p:cxnSp>
+          <p:nvCxnSpPr>
+            <p:cNvPr id="1160" name="Straight Connector 1159">
+              <a:extLst>
+                <a:ext uri="{FF2B5EF4-FFF2-40B4-BE49-F238E27FC236}">
+                  <a16:creationId xmlns:a16="http://schemas.microsoft.com/office/drawing/2014/main" id="{C0C2ED54-1B65-4F4A-B14B-41FC05B372B2}"/>
+                </a:ext>
+                <a:ext uri="{C183D7F6-B498-43B3-948B-1728B52AA6E4}">
+                  <adec:decorative xmlns:adec="http://schemas.microsoft.com/office/drawing/2017/decorative" val="1"/>
+                </a:ext>
+              </a:extLst>
+            </p:cNvPr>
+            <p:cNvCxnSpPr>
+              <a:cxnSpLocks/>
+            </p:cNvCxnSpPr>
+            <p:nvPr>
+              <p:extLst>
+                <p:ext uri="{386F3935-93C4-4BCD-93E2-E3B085C9AB24}">
+                  <p16:designElem xmlns:p16="http://schemas.microsoft.com/office/powerpoint/2015/main" val="1"/>
+                </p:ext>
+              </p:extLst>
+            </p:nvPr>
+          </p:nvCxnSpPr>
+          <p:spPr>
+            <a:xfrm>
+              <a:off x="5109498" y="-1"/>
+              <a:ext cx="0" cy="6858000"/>
+            </a:xfrm>
+            <a:prstGeom prst="line">
+              <a:avLst/>
+            </a:prstGeom>
+            <a:ln w="12700">
+              <a:solidFill>
+                <a:srgbClr val="BCBCBC">
+                  <a:alpha val="29804"/>
+                </a:srgbClr>
+              </a:solidFill>
+              <a:prstDash val="sysDot"/>
+            </a:ln>
+          </p:spPr>
+          <p:style>
+            <a:lnRef idx="1">
+              <a:schemeClr val="accent1"/>
+            </a:lnRef>
+            <a:fillRef idx="0">
+              <a:schemeClr val="accent1"/>
+            </a:fillRef>
+            <a:effectRef idx="0">
+              <a:schemeClr val="accent1"/>
+            </a:effectRef>
+            <a:fontRef idx="minor">
+              <a:schemeClr val="tx1"/>
+            </a:fontRef>
+          </p:style>
+        </p:cxnSp>
+        <p:cxnSp>
+          <p:nvCxnSpPr>
+            <p:cNvPr id="1161" name="Straight Connector 1160">
+              <a:extLst>
+                <a:ext uri="{FF2B5EF4-FFF2-40B4-BE49-F238E27FC236}">
+                  <a16:creationId xmlns:a16="http://schemas.microsoft.com/office/drawing/2014/main" id="{EAE5BBBC-F576-4D54-BF67-C00BB1F4F98F}"/>
+                </a:ext>
+                <a:ext uri="{C183D7F6-B498-43B3-948B-1728B52AA6E4}">
+                  <adec:decorative xmlns:adec="http://schemas.microsoft.com/office/drawing/2017/decorative" val="1"/>
+                </a:ext>
+              </a:extLst>
+            </p:cNvPr>
+            <p:cNvCxnSpPr>
+              <a:cxnSpLocks/>
+            </p:cNvCxnSpPr>
+            <p:nvPr>
+              <p:extLst>
+                <p:ext uri="{386F3935-93C4-4BCD-93E2-E3B085C9AB24}">
+                  <p16:designElem xmlns:p16="http://schemas.microsoft.com/office/powerpoint/2015/main" val="1"/>
+                </p:ext>
+              </p:extLst>
+            </p:nvPr>
+          </p:nvCxnSpPr>
+          <p:spPr>
+            <a:xfrm>
+              <a:off x="6092892" y="-1"/>
+              <a:ext cx="0" cy="6858000"/>
+            </a:xfrm>
+            <a:prstGeom prst="line">
+              <a:avLst/>
+            </a:prstGeom>
+            <a:ln w="12700">
+              <a:solidFill>
+                <a:srgbClr val="BCBCBC">
+                  <a:alpha val="29804"/>
+                </a:srgbClr>
+              </a:solidFill>
+              <a:prstDash val="sysDot"/>
+            </a:ln>
+          </p:spPr>
+          <p:style>
+            <a:lnRef idx="1">
+              <a:schemeClr val="accent1"/>
+            </a:lnRef>
+            <a:fillRef idx="0">
+              <a:schemeClr val="accent1"/>
+            </a:fillRef>
+            <a:effectRef idx="0">
+              <a:schemeClr val="accent1"/>
+            </a:effectRef>
+            <a:fontRef idx="minor">
+              <a:schemeClr val="tx1"/>
+            </a:fontRef>
+          </p:style>
+        </p:cxnSp>
+        <p:cxnSp>
+          <p:nvCxnSpPr>
+            <p:cNvPr id="1162" name="Straight Connector 1161">
+              <a:extLst>
+                <a:ext uri="{FF2B5EF4-FFF2-40B4-BE49-F238E27FC236}">
+                  <a16:creationId xmlns:a16="http://schemas.microsoft.com/office/drawing/2014/main" id="{90D490E7-12F8-40DC-A9C1-D119667EEF41}"/>
+                </a:ext>
+                <a:ext uri="{C183D7F6-B498-43B3-948B-1728B52AA6E4}">
+                  <adec:decorative xmlns:adec="http://schemas.microsoft.com/office/drawing/2017/decorative" val="1"/>
+                </a:ext>
+              </a:extLst>
+            </p:cNvPr>
+            <p:cNvCxnSpPr>
+              <a:cxnSpLocks/>
+            </p:cNvCxnSpPr>
+            <p:nvPr>
+              <p:extLst>
+                <p:ext uri="{386F3935-93C4-4BCD-93E2-E3B085C9AB24}">
+                  <p16:designElem xmlns:p16="http://schemas.microsoft.com/office/powerpoint/2015/main" val="1"/>
+                </p:ext>
+              </p:extLst>
+            </p:nvPr>
+          </p:nvCxnSpPr>
+          <p:spPr>
+            <a:xfrm>
+              <a:off x="7076286" y="-1"/>
+              <a:ext cx="0" cy="6858000"/>
+            </a:xfrm>
+            <a:prstGeom prst="line">
+              <a:avLst/>
+            </a:prstGeom>
+            <a:ln w="12700">
+              <a:solidFill>
+                <a:srgbClr val="BCBCBC">
+                  <a:alpha val="29804"/>
+                </a:srgbClr>
+              </a:solidFill>
+              <a:prstDash val="sysDot"/>
+            </a:ln>
+          </p:spPr>
+          <p:style>
+            <a:lnRef idx="1">
+              <a:schemeClr val="accent1"/>
+            </a:lnRef>
+            <a:fillRef idx="0">
+              <a:schemeClr val="accent1"/>
+            </a:fillRef>
+            <a:effectRef idx="0">
+              <a:schemeClr val="accent1"/>
+            </a:effectRef>
+            <a:fontRef idx="minor">
+              <a:schemeClr val="tx1"/>
+            </a:fontRef>
+          </p:style>
+        </p:cxnSp>
+        <p:cxnSp>
+          <p:nvCxnSpPr>
+            <p:cNvPr id="1163" name="Straight Connector 1162">
+              <a:extLst>
+                <a:ext uri="{FF2B5EF4-FFF2-40B4-BE49-F238E27FC236}">
+                  <a16:creationId xmlns:a16="http://schemas.microsoft.com/office/drawing/2014/main" id="{6C855383-9F21-4BDA-8FCA-22AF3D69FFC3}"/>
+                </a:ext>
+                <a:ext uri="{C183D7F6-B498-43B3-948B-1728B52AA6E4}">
+                  <adec:decorative xmlns:adec="http://schemas.microsoft.com/office/drawing/2017/decorative" val="1"/>
+                </a:ext>
+              </a:extLst>
+            </p:cNvPr>
+            <p:cNvCxnSpPr>
+              <a:cxnSpLocks/>
+            </p:cNvCxnSpPr>
+            <p:nvPr>
+              <p:extLst>
+                <p:ext uri="{386F3935-93C4-4BCD-93E2-E3B085C9AB24}">
+                  <p16:designElem xmlns:p16="http://schemas.microsoft.com/office/powerpoint/2015/main" val="1"/>
+                </p:ext>
+              </p:extLst>
+            </p:nvPr>
+          </p:nvCxnSpPr>
+          <p:spPr>
+            <a:xfrm>
+              <a:off x="8059680" y="-1"/>
+              <a:ext cx="0" cy="6858000"/>
+            </a:xfrm>
+            <a:prstGeom prst="line">
+              <a:avLst/>
+            </a:prstGeom>
+            <a:ln w="12700">
+              <a:solidFill>
+                <a:srgbClr val="BCBCBC">
+                  <a:alpha val="29804"/>
+                </a:srgbClr>
+              </a:solidFill>
+              <a:prstDash val="sysDot"/>
+            </a:ln>
+          </p:spPr>
+          <p:style>
+            <a:lnRef idx="1">
+              <a:schemeClr val="accent1"/>
+            </a:lnRef>
+            <a:fillRef idx="0">
+              <a:schemeClr val="accent1"/>
+            </a:fillRef>
+            <a:effectRef idx="0">
+              <a:schemeClr val="accent1"/>
+            </a:effectRef>
+            <a:fontRef idx="minor">
+              <a:schemeClr val="tx1"/>
+            </a:fontRef>
+          </p:style>
+        </p:cxnSp>
+        <p:cxnSp>
+          <p:nvCxnSpPr>
+            <p:cNvPr id="1164" name="Straight Connector 1163">
+              <a:extLst>
+                <a:ext uri="{FF2B5EF4-FFF2-40B4-BE49-F238E27FC236}">
+                  <a16:creationId xmlns:a16="http://schemas.microsoft.com/office/drawing/2014/main" id="{FC3E600C-E08A-418E-B30E-2B0FC15DF960}"/>
+                </a:ext>
+                <a:ext uri="{C183D7F6-B498-43B3-948B-1728B52AA6E4}">
+                  <adec:decorative xmlns:adec="http://schemas.microsoft.com/office/drawing/2017/decorative" val="1"/>
+                </a:ext>
+              </a:extLst>
+            </p:cNvPr>
+            <p:cNvCxnSpPr>
+              <a:cxnSpLocks/>
+            </p:cNvCxnSpPr>
+            <p:nvPr>
+              <p:extLst>
+                <p:ext uri="{386F3935-93C4-4BCD-93E2-E3B085C9AB24}">
+                  <p16:designElem xmlns:p16="http://schemas.microsoft.com/office/powerpoint/2015/main" val="1"/>
+                </p:ext>
+              </p:extLst>
+            </p:nvPr>
+          </p:nvCxnSpPr>
+          <p:spPr>
+            <a:xfrm>
+              <a:off x="9043074" y="-1"/>
+              <a:ext cx="0" cy="6858000"/>
+            </a:xfrm>
+            <a:prstGeom prst="line">
+              <a:avLst/>
+            </a:prstGeom>
+            <a:ln w="12700">
+              <a:solidFill>
+                <a:srgbClr val="BCBCBC">
+                  <a:alpha val="29804"/>
+                </a:srgbClr>
+              </a:solidFill>
+              <a:prstDash val="sysDot"/>
+            </a:ln>
+          </p:spPr>
+          <p:style>
+            <a:lnRef idx="1">
+              <a:schemeClr val="accent1"/>
+            </a:lnRef>
+            <a:fillRef idx="0">
+              <a:schemeClr val="accent1"/>
+            </a:fillRef>
+            <a:effectRef idx="0">
+              <a:schemeClr val="accent1"/>
+            </a:effectRef>
+            <a:fontRef idx="minor">
+              <a:schemeClr val="tx1"/>
+            </a:fontRef>
+          </p:style>
+        </p:cxnSp>
+        <p:cxnSp>
+          <p:nvCxnSpPr>
+            <p:cNvPr id="1165" name="Straight Connector 1164">
+              <a:extLst>
+                <a:ext uri="{FF2B5EF4-FFF2-40B4-BE49-F238E27FC236}">
+                  <a16:creationId xmlns:a16="http://schemas.microsoft.com/office/drawing/2014/main" id="{E980D58F-BD3F-4B47-9BD2-888B0D9D1977}"/>
+                </a:ext>
+                <a:ext uri="{C183D7F6-B498-43B3-948B-1728B52AA6E4}">
+                  <adec:decorative xmlns:adec="http://schemas.microsoft.com/office/drawing/2017/decorative" val="1"/>
+                </a:ext>
+              </a:extLst>
+            </p:cNvPr>
+            <p:cNvCxnSpPr>
+              <a:cxnSpLocks/>
+            </p:cNvCxnSpPr>
+            <p:nvPr>
+              <p:extLst>
+                <p:ext uri="{386F3935-93C4-4BCD-93E2-E3B085C9AB24}">
+                  <p16:designElem xmlns:p16="http://schemas.microsoft.com/office/powerpoint/2015/main" val="1"/>
+                </p:ext>
+              </p:extLst>
+            </p:nvPr>
+          </p:nvCxnSpPr>
+          <p:spPr>
+            <a:xfrm>
+              <a:off x="10026468" y="-1"/>
+              <a:ext cx="0" cy="6858000"/>
+            </a:xfrm>
+            <a:prstGeom prst="line">
+              <a:avLst/>
+            </a:prstGeom>
+            <a:ln w="12700">
+              <a:solidFill>
+                <a:srgbClr val="BCBCBC">
+                  <a:alpha val="29804"/>
+                </a:srgbClr>
+              </a:solidFill>
+              <a:prstDash val="sysDot"/>
+            </a:ln>
+          </p:spPr>
+          <p:style>
+            <a:lnRef idx="1">
+              <a:schemeClr val="accent1"/>
+            </a:lnRef>
+            <a:fillRef idx="0">
+              <a:schemeClr val="accent1"/>
+            </a:fillRef>
+            <a:effectRef idx="0">
+              <a:schemeClr val="accent1"/>
+            </a:effectRef>
+            <a:fontRef idx="minor">
+              <a:schemeClr val="tx1"/>
+            </a:fontRef>
+          </p:style>
+        </p:cxnSp>
+        <p:cxnSp>
+          <p:nvCxnSpPr>
+            <p:cNvPr id="1166" name="Straight Connector 1165">
+              <a:extLst>
+                <a:ext uri="{FF2B5EF4-FFF2-40B4-BE49-F238E27FC236}">
+                  <a16:creationId xmlns:a16="http://schemas.microsoft.com/office/drawing/2014/main" id="{43544818-9B28-4A71-8D7B-80727A532626}"/>
+                </a:ext>
+                <a:ext uri="{C183D7F6-B498-43B3-948B-1728B52AA6E4}">
+                  <adec:decorative xmlns:adec="http://schemas.microsoft.com/office/drawing/2017/decorative" val="1"/>
+                </a:ext>
+              </a:extLst>
+            </p:cNvPr>
+            <p:cNvCxnSpPr>
+              <a:cxnSpLocks/>
+            </p:cNvCxnSpPr>
+            <p:nvPr>
+              <p:extLst>
+                <p:ext uri="{386F3935-93C4-4BCD-93E2-E3B085C9AB24}">
+                  <p16:designElem xmlns:p16="http://schemas.microsoft.com/office/powerpoint/2015/main" val="1"/>
+                </p:ext>
+              </p:extLst>
+            </p:nvPr>
+          </p:nvCxnSpPr>
+          <p:spPr>
+            <a:xfrm>
+              <a:off x="11009862" y="-1"/>
+              <a:ext cx="0" cy="6858000"/>
+            </a:xfrm>
+            <a:prstGeom prst="line">
+              <a:avLst/>
+            </a:prstGeom>
+            <a:ln w="12700">
+              <a:solidFill>
+                <a:srgbClr val="BCBCBC">
+                  <a:alpha val="29804"/>
+                </a:srgbClr>
+              </a:solidFill>
+              <a:prstDash val="sysDot"/>
+            </a:ln>
+          </p:spPr>
+          <p:style>
+            <a:lnRef idx="1">
+              <a:schemeClr val="accent1"/>
+            </a:lnRef>
+            <a:fillRef idx="0">
+              <a:schemeClr val="accent1"/>
+            </a:fillRef>
+            <a:effectRef idx="0">
+              <a:schemeClr val="accent1"/>
+            </a:effectRef>
+            <a:fontRef idx="minor">
+              <a:schemeClr val="tx1"/>
+            </a:fontRef>
+          </p:style>
+        </p:cxnSp>
+        <p:cxnSp>
+          <p:nvCxnSpPr>
+            <p:cNvPr id="1167" name="Straight Connector 1166">
+              <a:extLst>
+                <a:ext uri="{FF2B5EF4-FFF2-40B4-BE49-F238E27FC236}">
+                  <a16:creationId xmlns:a16="http://schemas.microsoft.com/office/drawing/2014/main" id="{101FFBC7-035F-48C5-91FA-4A4973FCD6E0}"/>
+                </a:ext>
+                <a:ext uri="{C183D7F6-B498-43B3-948B-1728B52AA6E4}">
+                  <adec:decorative xmlns:adec="http://schemas.microsoft.com/office/drawing/2017/decorative" val="1"/>
+                </a:ext>
+              </a:extLst>
+            </p:cNvPr>
+            <p:cNvCxnSpPr>
+              <a:cxnSpLocks/>
+            </p:cNvCxnSpPr>
+            <p:nvPr>
+              <p:extLst>
+                <p:ext uri="{386F3935-93C4-4BCD-93E2-E3B085C9AB24}">
+                  <p16:designElem xmlns:p16="http://schemas.microsoft.com/office/powerpoint/2015/main" val="1"/>
+                </p:ext>
+              </p:extLst>
+            </p:nvPr>
+          </p:nvCxnSpPr>
+          <p:spPr>
+            <a:xfrm>
+              <a:off x="12185786" y="-1"/>
+              <a:ext cx="0" cy="6858000"/>
+            </a:xfrm>
+            <a:prstGeom prst="line">
+              <a:avLst/>
+            </a:prstGeom>
+            <a:ln w="12700">
+              <a:solidFill>
+                <a:srgbClr val="BCBCBC">
+                  <a:alpha val="29804"/>
+                </a:srgbClr>
+              </a:solidFill>
+              <a:prstDash val="sysDot"/>
+            </a:ln>
+          </p:spPr>
+          <p:style>
+            <a:lnRef idx="1">
+              <a:schemeClr val="accent1"/>
+            </a:lnRef>
+            <a:fillRef idx="0">
+              <a:schemeClr val="accent1"/>
+            </a:fillRef>
+            <a:effectRef idx="0">
+              <a:schemeClr val="accent1"/>
+            </a:effectRef>
+            <a:fontRef idx="minor">
+              <a:schemeClr val="tx1"/>
+            </a:fontRef>
+          </p:style>
+        </p:cxnSp>
+        <p:cxnSp>
+          <p:nvCxnSpPr>
+            <p:cNvPr id="1168" name="Straight Connector 1167">
+              <a:extLst>
+                <a:ext uri="{FF2B5EF4-FFF2-40B4-BE49-F238E27FC236}">
+                  <a16:creationId xmlns:a16="http://schemas.microsoft.com/office/drawing/2014/main" id="{D6195BC5-BB4E-4F3F-8378-0B308B42523D}"/>
+                </a:ext>
+                <a:ext uri="{C183D7F6-B498-43B3-948B-1728B52AA6E4}">
+                  <adec:decorative xmlns:adec="http://schemas.microsoft.com/office/drawing/2017/decorative" val="1"/>
+                </a:ext>
+              </a:extLst>
+            </p:cNvPr>
+            <p:cNvCxnSpPr>
+              <a:cxnSpLocks/>
+            </p:cNvCxnSpPr>
+            <p:nvPr>
+              <p:extLst>
+                <p:ext uri="{386F3935-93C4-4BCD-93E2-E3B085C9AB24}">
+                  <p16:designElem xmlns:p16="http://schemas.microsoft.com/office/powerpoint/2015/main" val="1"/>
+                </p:ext>
+              </p:extLst>
+            </p:nvPr>
+          </p:nvCxnSpPr>
+          <p:spPr>
+            <a:xfrm>
+              <a:off x="0" y="171716"/>
+              <a:ext cx="12192000" cy="0"/>
+            </a:xfrm>
+            <a:prstGeom prst="line">
+              <a:avLst/>
+            </a:prstGeom>
+            <a:ln w="12700">
+              <a:solidFill>
+                <a:srgbClr val="BCBCBC">
+                  <a:alpha val="29804"/>
+                </a:srgbClr>
+              </a:solidFill>
+              <a:prstDash val="sysDot"/>
+            </a:ln>
+          </p:spPr>
+          <p:style>
+            <a:lnRef idx="1">
+              <a:schemeClr val="accent1"/>
+            </a:lnRef>
+            <a:fillRef idx="0">
+              <a:schemeClr val="accent1"/>
+            </a:fillRef>
+            <a:effectRef idx="0">
+              <a:schemeClr val="accent1"/>
+            </a:effectRef>
+            <a:fontRef idx="minor">
+              <a:schemeClr val="tx1"/>
+            </a:fontRef>
+          </p:style>
+        </p:cxnSp>
+        <p:cxnSp>
+          <p:nvCxnSpPr>
+            <p:cNvPr id="1169" name="Straight Connector 1168">
+              <a:extLst>
+                <a:ext uri="{FF2B5EF4-FFF2-40B4-BE49-F238E27FC236}">
+                  <a16:creationId xmlns:a16="http://schemas.microsoft.com/office/drawing/2014/main" id="{02404171-AF5C-4FA1-9D4E-DCF75562BD67}"/>
+                </a:ext>
+                <a:ext uri="{C183D7F6-B498-43B3-948B-1728B52AA6E4}">
+                  <adec:decorative xmlns:adec="http://schemas.microsoft.com/office/drawing/2017/decorative" val="1"/>
+                </a:ext>
+              </a:extLst>
+            </p:cNvPr>
+            <p:cNvCxnSpPr>
+              <a:cxnSpLocks/>
+            </p:cNvCxnSpPr>
+            <p:nvPr>
+              <p:extLst>
+                <p:ext uri="{386F3935-93C4-4BCD-93E2-E3B085C9AB24}">
+                  <p16:designElem xmlns:p16="http://schemas.microsoft.com/office/powerpoint/2015/main" val="1"/>
+                </p:ext>
+              </p:extLst>
+            </p:nvPr>
+          </p:nvCxnSpPr>
+          <p:spPr>
+            <a:xfrm>
+              <a:off x="0" y="714597"/>
+              <a:ext cx="12192000" cy="0"/>
+            </a:xfrm>
+            <a:prstGeom prst="line">
+              <a:avLst/>
+            </a:prstGeom>
+            <a:ln w="12700">
+              <a:solidFill>
+                <a:srgbClr val="BCBCBC">
+                  <a:alpha val="29804"/>
+                </a:srgbClr>
+              </a:solidFill>
+              <a:prstDash val="sysDot"/>
+            </a:ln>
+          </p:spPr>
+          <p:style>
+            <a:lnRef idx="1">
+              <a:schemeClr val="accent1"/>
+            </a:lnRef>
+            <a:fillRef idx="0">
+              <a:schemeClr val="accent1"/>
+            </a:fillRef>
+            <a:effectRef idx="0">
+              <a:schemeClr val="accent1"/>
+            </a:effectRef>
+            <a:fontRef idx="minor">
+              <a:schemeClr val="tx1"/>
+            </a:fontRef>
+          </p:style>
+        </p:cxnSp>
+        <p:cxnSp>
+          <p:nvCxnSpPr>
+            <p:cNvPr id="1170" name="Straight Connector 1169">
+              <a:extLst>
+                <a:ext uri="{FF2B5EF4-FFF2-40B4-BE49-F238E27FC236}">
+                  <a16:creationId xmlns:a16="http://schemas.microsoft.com/office/drawing/2014/main" id="{BAD45A86-9385-473D-9DBF-565E0A94AF1B}"/>
+                </a:ext>
+                <a:ext uri="{C183D7F6-B498-43B3-948B-1728B52AA6E4}">
+                  <adec:decorative xmlns:adec="http://schemas.microsoft.com/office/drawing/2017/decorative" val="1"/>
+                </a:ext>
+              </a:extLst>
+            </p:cNvPr>
+            <p:cNvCxnSpPr>
+              <a:cxnSpLocks/>
+            </p:cNvCxnSpPr>
+            <p:nvPr>
+              <p:extLst>
+                <p:ext uri="{386F3935-93C4-4BCD-93E2-E3B085C9AB24}">
+                  <p16:designElem xmlns:p16="http://schemas.microsoft.com/office/powerpoint/2015/main" val="1"/>
+                </p:ext>
+              </p:extLst>
+            </p:nvPr>
+          </p:nvCxnSpPr>
+          <p:spPr>
+            <a:xfrm>
+              <a:off x="0" y="1257478"/>
+              <a:ext cx="12192000" cy="0"/>
+            </a:xfrm>
+            <a:prstGeom prst="line">
+              <a:avLst/>
+            </a:prstGeom>
+            <a:ln w="12700">
+              <a:solidFill>
+                <a:srgbClr val="BCBCBC">
+                  <a:alpha val="29804"/>
+                </a:srgbClr>
+              </a:solidFill>
+              <a:prstDash val="sysDot"/>
+            </a:ln>
+          </p:spPr>
+          <p:style>
+            <a:lnRef idx="1">
+              <a:schemeClr val="accent1"/>
+            </a:lnRef>
+            <a:fillRef idx="0">
+              <a:schemeClr val="accent1"/>
+            </a:fillRef>
+            <a:effectRef idx="0">
+              <a:schemeClr val="accent1"/>
+            </a:effectRef>
+            <a:fontRef idx="minor">
+              <a:schemeClr val="tx1"/>
+            </a:fontRef>
+          </p:style>
+        </p:cxnSp>
+        <p:cxnSp>
+          <p:nvCxnSpPr>
+            <p:cNvPr id="1171" name="Straight Connector 1170">
+              <a:extLst>
+                <a:ext uri="{FF2B5EF4-FFF2-40B4-BE49-F238E27FC236}">
+                  <a16:creationId xmlns:a16="http://schemas.microsoft.com/office/drawing/2014/main" id="{DBA5A228-913F-4D4F-AB25-537293624649}"/>
+                </a:ext>
+                <a:ext uri="{C183D7F6-B498-43B3-948B-1728B52AA6E4}">
+                  <adec:decorative xmlns:adec="http://schemas.microsoft.com/office/drawing/2017/decorative" val="1"/>
+                </a:ext>
+              </a:extLst>
+            </p:cNvPr>
+            <p:cNvCxnSpPr>
+              <a:cxnSpLocks/>
+            </p:cNvCxnSpPr>
+            <p:nvPr>
+              <p:extLst>
+                <p:ext uri="{386F3935-93C4-4BCD-93E2-E3B085C9AB24}">
+                  <p16:designElem xmlns:p16="http://schemas.microsoft.com/office/powerpoint/2015/main" val="1"/>
+                </p:ext>
+              </p:extLst>
+            </p:nvPr>
+          </p:nvCxnSpPr>
+          <p:spPr>
+            <a:xfrm>
+              <a:off x="0" y="1800359"/>
+              <a:ext cx="12192000" cy="0"/>
+            </a:xfrm>
+            <a:prstGeom prst="line">
+              <a:avLst/>
+            </a:prstGeom>
+            <a:ln w="12700">
+              <a:solidFill>
+                <a:srgbClr val="BCBCBC">
+                  <a:alpha val="29804"/>
+                </a:srgbClr>
+              </a:solidFill>
+              <a:prstDash val="sysDot"/>
+            </a:ln>
+          </p:spPr>
+          <p:style>
+            <a:lnRef idx="1">
+              <a:schemeClr val="accent1"/>
+            </a:lnRef>
+            <a:fillRef idx="0">
+              <a:schemeClr val="accent1"/>
+            </a:fillRef>
+            <a:effectRef idx="0">
+              <a:schemeClr val="accent1"/>
+            </a:effectRef>
+            <a:fontRef idx="minor">
+              <a:schemeClr val="tx1"/>
+            </a:fontRef>
+          </p:style>
+        </p:cxnSp>
+        <p:cxnSp>
+          <p:nvCxnSpPr>
+            <p:cNvPr id="1172" name="Straight Connector 1171">
+              <a:extLst>
+                <a:ext uri="{FF2B5EF4-FFF2-40B4-BE49-F238E27FC236}">
+                  <a16:creationId xmlns:a16="http://schemas.microsoft.com/office/drawing/2014/main" id="{A87E8BFE-D92E-4EB3-ADD1-FB75CAA683BA}"/>
+                </a:ext>
+                <a:ext uri="{C183D7F6-B498-43B3-948B-1728B52AA6E4}">
+                  <adec:decorative xmlns:adec="http://schemas.microsoft.com/office/drawing/2017/decorative" val="1"/>
+                </a:ext>
+              </a:extLst>
+            </p:cNvPr>
+            <p:cNvCxnSpPr>
+              <a:cxnSpLocks/>
+            </p:cNvCxnSpPr>
+            <p:nvPr>
+              <p:extLst>
+                <p:ext uri="{386F3935-93C4-4BCD-93E2-E3B085C9AB24}">
+                  <p16:designElem xmlns:p16="http://schemas.microsoft.com/office/powerpoint/2015/main" val="1"/>
+                </p:ext>
+              </p:extLst>
+            </p:nvPr>
+          </p:nvCxnSpPr>
+          <p:spPr>
+            <a:xfrm>
+              <a:off x="0" y="2343240"/>
+              <a:ext cx="12192000" cy="0"/>
+            </a:xfrm>
+            <a:prstGeom prst="line">
+              <a:avLst/>
+            </a:prstGeom>
+            <a:ln w="12700">
+              <a:solidFill>
+                <a:srgbClr val="BCBCBC">
+                  <a:alpha val="29804"/>
+                </a:srgbClr>
+              </a:solidFill>
+              <a:prstDash val="sysDot"/>
+            </a:ln>
+          </p:spPr>
+          <p:style>
+            <a:lnRef idx="1">
+              <a:schemeClr val="accent1"/>
+            </a:lnRef>
+            <a:fillRef idx="0">
+              <a:schemeClr val="accent1"/>
+            </a:fillRef>
+            <a:effectRef idx="0">
+              <a:schemeClr val="accent1"/>
+            </a:effectRef>
+            <a:fontRef idx="minor">
+              <a:schemeClr val="tx1"/>
+            </a:fontRef>
+          </p:style>
+        </p:cxnSp>
+        <p:cxnSp>
+          <p:nvCxnSpPr>
+            <p:cNvPr id="1173" name="Straight Connector 1172">
+              <a:extLst>
+                <a:ext uri="{FF2B5EF4-FFF2-40B4-BE49-F238E27FC236}">
+                  <a16:creationId xmlns:a16="http://schemas.microsoft.com/office/drawing/2014/main" id="{08756FCD-8335-4089-B4EE-13D629E53E62}"/>
+                </a:ext>
+                <a:ext uri="{C183D7F6-B498-43B3-948B-1728B52AA6E4}">
+                  <adec:decorative xmlns:adec="http://schemas.microsoft.com/office/drawing/2017/decorative" val="1"/>
+                </a:ext>
+              </a:extLst>
+            </p:cNvPr>
+            <p:cNvCxnSpPr>
+              <a:cxnSpLocks/>
+            </p:cNvCxnSpPr>
+            <p:nvPr>
+              <p:extLst>
+                <p:ext uri="{386F3935-93C4-4BCD-93E2-E3B085C9AB24}">
+                  <p16:designElem xmlns:p16="http://schemas.microsoft.com/office/powerpoint/2015/main" val="1"/>
+                </p:ext>
+              </p:extLst>
+            </p:nvPr>
+          </p:nvCxnSpPr>
+          <p:spPr>
+            <a:xfrm>
+              <a:off x="0" y="2886121"/>
+              <a:ext cx="12192000" cy="0"/>
+            </a:xfrm>
+            <a:prstGeom prst="line">
+              <a:avLst/>
+            </a:prstGeom>
+            <a:ln w="12700">
+              <a:solidFill>
+                <a:srgbClr val="BCBCBC">
+                  <a:alpha val="29804"/>
+                </a:srgbClr>
+              </a:solidFill>
+              <a:prstDash val="sysDot"/>
+            </a:ln>
+          </p:spPr>
+          <p:style>
+            <a:lnRef idx="1">
+              <a:schemeClr val="accent1"/>
+            </a:lnRef>
+            <a:fillRef idx="0">
+              <a:schemeClr val="accent1"/>
+            </a:fillRef>
+            <a:effectRef idx="0">
+              <a:schemeClr val="accent1"/>
+            </a:effectRef>
+            <a:fontRef idx="minor">
+              <a:schemeClr val="tx1"/>
+            </a:fontRef>
+          </p:style>
+        </p:cxnSp>
+        <p:cxnSp>
+          <p:nvCxnSpPr>
+            <p:cNvPr id="1174" name="Straight Connector 1173">
+              <a:extLst>
+                <a:ext uri="{FF2B5EF4-FFF2-40B4-BE49-F238E27FC236}">
+                  <a16:creationId xmlns:a16="http://schemas.microsoft.com/office/drawing/2014/main" id="{A9707D7B-937E-4DC3-87BA-B7B70426821E}"/>
+                </a:ext>
+                <a:ext uri="{C183D7F6-B498-43B3-948B-1728B52AA6E4}">
+                  <adec:decorative xmlns:adec="http://schemas.microsoft.com/office/drawing/2017/decorative" val="1"/>
+                </a:ext>
+              </a:extLst>
+            </p:cNvPr>
+            <p:cNvCxnSpPr>
+              <a:cxnSpLocks/>
+            </p:cNvCxnSpPr>
+            <p:nvPr>
+              <p:extLst>
+                <p:ext uri="{386F3935-93C4-4BCD-93E2-E3B085C9AB24}">
+                  <p16:designElem xmlns:p16="http://schemas.microsoft.com/office/powerpoint/2015/main" val="1"/>
+                </p:ext>
+              </p:extLst>
+            </p:nvPr>
+          </p:nvCxnSpPr>
+          <p:spPr>
+            <a:xfrm>
+              <a:off x="0" y="3429002"/>
+              <a:ext cx="12192000" cy="0"/>
+            </a:xfrm>
+            <a:prstGeom prst="line">
+              <a:avLst/>
+            </a:prstGeom>
+            <a:ln w="12700">
+              <a:solidFill>
+                <a:srgbClr val="BCBCBC">
+                  <a:alpha val="29804"/>
+                </a:srgbClr>
+              </a:solidFill>
+              <a:prstDash val="sysDot"/>
+            </a:ln>
+          </p:spPr>
+          <p:style>
+            <a:lnRef idx="1">
+              <a:schemeClr val="accent1"/>
+            </a:lnRef>
+            <a:fillRef idx="0">
+              <a:schemeClr val="accent1"/>
+            </a:fillRef>
+            <a:effectRef idx="0">
+              <a:schemeClr val="accent1"/>
+            </a:effectRef>
+            <a:fontRef idx="minor">
+              <a:schemeClr val="tx1"/>
+            </a:fontRef>
+          </p:style>
+        </p:cxnSp>
+        <p:cxnSp>
+          <p:nvCxnSpPr>
+            <p:cNvPr id="1175" name="Straight Connector 1174">
+              <a:extLst>
+                <a:ext uri="{FF2B5EF4-FFF2-40B4-BE49-F238E27FC236}">
+                  <a16:creationId xmlns:a16="http://schemas.microsoft.com/office/drawing/2014/main" id="{AB1A72DC-3F29-4488-9051-C21E1CBB7E58}"/>
+                </a:ext>
+                <a:ext uri="{C183D7F6-B498-43B3-948B-1728B52AA6E4}">
+                  <adec:decorative xmlns:adec="http://schemas.microsoft.com/office/drawing/2017/decorative" val="1"/>
+                </a:ext>
+              </a:extLst>
+            </p:cNvPr>
+            <p:cNvCxnSpPr>
+              <a:cxnSpLocks/>
+            </p:cNvCxnSpPr>
+            <p:nvPr>
+              <p:extLst>
+                <p:ext uri="{386F3935-93C4-4BCD-93E2-E3B085C9AB24}">
+                  <p16:designElem xmlns:p16="http://schemas.microsoft.com/office/powerpoint/2015/main" val="1"/>
+                </p:ext>
+              </p:extLst>
+            </p:nvPr>
+          </p:nvCxnSpPr>
+          <p:spPr>
+            <a:xfrm>
+              <a:off x="0" y="3971883"/>
+              <a:ext cx="12192000" cy="0"/>
+            </a:xfrm>
+            <a:prstGeom prst="line">
+              <a:avLst/>
+            </a:prstGeom>
+            <a:ln w="12700">
+              <a:solidFill>
+                <a:srgbClr val="BCBCBC">
+                  <a:alpha val="29804"/>
+                </a:srgbClr>
+              </a:solidFill>
+              <a:prstDash val="sysDot"/>
+            </a:ln>
+          </p:spPr>
+          <p:style>
+            <a:lnRef idx="1">
+              <a:schemeClr val="accent1"/>
+            </a:lnRef>
+            <a:fillRef idx="0">
+              <a:schemeClr val="accent1"/>
+            </a:fillRef>
+            <a:effectRef idx="0">
+              <a:schemeClr val="accent1"/>
+            </a:effectRef>
+            <a:fontRef idx="minor">
+              <a:schemeClr val="tx1"/>
+            </a:fontRef>
+          </p:style>
+        </p:cxnSp>
+        <p:cxnSp>
+          <p:nvCxnSpPr>
+            <p:cNvPr id="1176" name="Straight Connector 1175">
+              <a:extLst>
+                <a:ext uri="{FF2B5EF4-FFF2-40B4-BE49-F238E27FC236}">
+                  <a16:creationId xmlns:a16="http://schemas.microsoft.com/office/drawing/2014/main" id="{956DAD76-815C-4F16-98CF-8E8BE1965BBB}"/>
+                </a:ext>
+                <a:ext uri="{C183D7F6-B498-43B3-948B-1728B52AA6E4}">
+                  <adec:decorative xmlns:adec="http://schemas.microsoft.com/office/drawing/2017/decorative" val="1"/>
+                </a:ext>
+              </a:extLst>
+            </p:cNvPr>
+            <p:cNvCxnSpPr>
+              <a:cxnSpLocks/>
+            </p:cNvCxnSpPr>
+            <p:nvPr>
+              <p:extLst>
+                <p:ext uri="{386F3935-93C4-4BCD-93E2-E3B085C9AB24}">
+                  <p16:designElem xmlns:p16="http://schemas.microsoft.com/office/powerpoint/2015/main" val="1"/>
+                </p:ext>
+              </p:extLst>
+            </p:nvPr>
+          </p:nvCxnSpPr>
+          <p:spPr>
+            <a:xfrm>
+              <a:off x="0" y="4514764"/>
+              <a:ext cx="12192000" cy="0"/>
+            </a:xfrm>
+            <a:prstGeom prst="line">
+              <a:avLst/>
+            </a:prstGeom>
+            <a:ln w="12700">
+              <a:solidFill>
+                <a:srgbClr val="BCBCBC">
+                  <a:alpha val="29804"/>
+                </a:srgbClr>
+              </a:solidFill>
+              <a:prstDash val="sysDot"/>
+            </a:ln>
+          </p:spPr>
+          <p:style>
+            <a:lnRef idx="1">
+              <a:schemeClr val="accent1"/>
+            </a:lnRef>
+            <a:fillRef idx="0">
+              <a:schemeClr val="accent1"/>
+            </a:fillRef>
+            <a:effectRef idx="0">
+              <a:schemeClr val="accent1"/>
+            </a:effectRef>
+            <a:fontRef idx="minor">
+              <a:schemeClr val="tx1"/>
+            </a:fontRef>
+          </p:style>
+        </p:cxnSp>
+        <p:cxnSp>
+          <p:nvCxnSpPr>
+            <p:cNvPr id="1177" name="Straight Connector 1176">
+              <a:extLst>
+                <a:ext uri="{FF2B5EF4-FFF2-40B4-BE49-F238E27FC236}">
+                  <a16:creationId xmlns:a16="http://schemas.microsoft.com/office/drawing/2014/main" id="{1AF2F8C5-6691-4EBD-B42E-4B17DF1ED277}"/>
+                </a:ext>
+                <a:ext uri="{C183D7F6-B498-43B3-948B-1728B52AA6E4}">
+                  <adec:decorative xmlns:adec="http://schemas.microsoft.com/office/drawing/2017/decorative" val="1"/>
+                </a:ext>
+              </a:extLst>
+            </p:cNvPr>
+            <p:cNvCxnSpPr>
+              <a:cxnSpLocks/>
+            </p:cNvCxnSpPr>
+            <p:nvPr>
+              <p:extLst>
+                <p:ext uri="{386F3935-93C4-4BCD-93E2-E3B085C9AB24}">
+                  <p16:designElem xmlns:p16="http://schemas.microsoft.com/office/powerpoint/2015/main" val="1"/>
+                </p:ext>
+              </p:extLst>
+            </p:nvPr>
+          </p:nvCxnSpPr>
+          <p:spPr>
+            <a:xfrm>
+              <a:off x="0" y="5057645"/>
+              <a:ext cx="12192000" cy="0"/>
+            </a:xfrm>
+            <a:prstGeom prst="line">
+              <a:avLst/>
+            </a:prstGeom>
+            <a:ln w="12700">
+              <a:solidFill>
+                <a:srgbClr val="BCBCBC">
+                  <a:alpha val="29804"/>
+                </a:srgbClr>
+              </a:solidFill>
+              <a:prstDash val="sysDot"/>
+            </a:ln>
+          </p:spPr>
+          <p:style>
+            <a:lnRef idx="1">
+              <a:schemeClr val="accent1"/>
+            </a:lnRef>
+            <a:fillRef idx="0">
+              <a:schemeClr val="accent1"/>
+            </a:fillRef>
+            <a:effectRef idx="0">
+              <a:schemeClr val="accent1"/>
+            </a:effectRef>
+            <a:fontRef idx="minor">
+              <a:schemeClr val="tx1"/>
+            </a:fontRef>
+          </p:style>
+        </p:cxnSp>
+        <p:cxnSp>
+          <p:nvCxnSpPr>
+            <p:cNvPr id="1178" name="Straight Connector 1177">
+              <a:extLst>
+                <a:ext uri="{FF2B5EF4-FFF2-40B4-BE49-F238E27FC236}">
+                  <a16:creationId xmlns:a16="http://schemas.microsoft.com/office/drawing/2014/main" id="{D32ED14D-1C00-41C8-849C-030A1434E466}"/>
+                </a:ext>
+                <a:ext uri="{C183D7F6-B498-43B3-948B-1728B52AA6E4}">
+                  <adec:decorative xmlns:adec="http://schemas.microsoft.com/office/drawing/2017/decorative" val="1"/>
+                </a:ext>
+              </a:extLst>
+            </p:cNvPr>
+            <p:cNvCxnSpPr>
+              <a:cxnSpLocks/>
+            </p:cNvCxnSpPr>
+            <p:nvPr>
+              <p:extLst>
+                <p:ext uri="{386F3935-93C4-4BCD-93E2-E3B085C9AB24}">
+                  <p16:designElem xmlns:p16="http://schemas.microsoft.com/office/powerpoint/2015/main" val="1"/>
+                </p:ext>
+              </p:extLst>
+            </p:nvPr>
+          </p:nvCxnSpPr>
+          <p:spPr>
+            <a:xfrm>
+              <a:off x="0" y="5600526"/>
+              <a:ext cx="12192000" cy="0"/>
+            </a:xfrm>
+            <a:prstGeom prst="line">
+              <a:avLst/>
+            </a:prstGeom>
+            <a:ln w="12700">
+              <a:solidFill>
+                <a:srgbClr val="BCBCBC">
+                  <a:alpha val="29804"/>
+                </a:srgbClr>
+              </a:solidFill>
+              <a:prstDash val="sysDot"/>
+            </a:ln>
+          </p:spPr>
+          <p:style>
+            <a:lnRef idx="1">
+              <a:schemeClr val="accent1"/>
+            </a:lnRef>
+            <a:fillRef idx="0">
+              <a:schemeClr val="accent1"/>
+            </a:fillRef>
+            <a:effectRef idx="0">
+              <a:schemeClr val="accent1"/>
+            </a:effectRef>
+            <a:fontRef idx="minor">
+              <a:schemeClr val="tx1"/>
+            </a:fontRef>
+          </p:style>
+        </p:cxnSp>
+        <p:cxnSp>
+          <p:nvCxnSpPr>
+            <p:cNvPr id="1179" name="Straight Connector 1178">
+              <a:extLst>
+                <a:ext uri="{FF2B5EF4-FFF2-40B4-BE49-F238E27FC236}">
+                  <a16:creationId xmlns:a16="http://schemas.microsoft.com/office/drawing/2014/main" id="{62F296F5-9867-45CA-BF0A-EF216F6A8083}"/>
+                </a:ext>
+                <a:ext uri="{C183D7F6-B498-43B3-948B-1728B52AA6E4}">
+                  <adec:decorative xmlns:adec="http://schemas.microsoft.com/office/drawing/2017/decorative" val="1"/>
+                </a:ext>
+              </a:extLst>
+            </p:cNvPr>
+            <p:cNvCxnSpPr>
+              <a:cxnSpLocks/>
+            </p:cNvCxnSpPr>
+            <p:nvPr>
+              <p:extLst>
+                <p:ext uri="{386F3935-93C4-4BCD-93E2-E3B085C9AB24}">
+                  <p16:designElem xmlns:p16="http://schemas.microsoft.com/office/powerpoint/2015/main" val="1"/>
+                </p:ext>
+              </p:extLst>
+            </p:nvPr>
+          </p:nvCxnSpPr>
+          <p:spPr>
+            <a:xfrm>
+              <a:off x="0" y="6857999"/>
+              <a:ext cx="12192000" cy="0"/>
+            </a:xfrm>
+            <a:prstGeom prst="line">
+              <a:avLst/>
+            </a:prstGeom>
+            <a:ln w="12700">
+              <a:solidFill>
+                <a:srgbClr val="BCBCBC">
+                  <a:alpha val="29804"/>
+                </a:srgbClr>
+              </a:solidFill>
+              <a:prstDash val="sysDot"/>
+            </a:ln>
+          </p:spPr>
+          <p:style>
+            <a:lnRef idx="1">
+              <a:schemeClr val="accent1"/>
+            </a:lnRef>
+            <a:fillRef idx="0">
+              <a:schemeClr val="accent1"/>
+            </a:fillRef>
+            <a:effectRef idx="0">
+              <a:schemeClr val="accent1"/>
+            </a:effectRef>
+            <a:fontRef idx="minor">
+              <a:schemeClr val="tx1"/>
+            </a:fontRef>
+          </p:style>
+        </p:cxnSp>
+        <p:cxnSp>
+          <p:nvCxnSpPr>
+            <p:cNvPr id="1180" name="Straight Connector 1179">
+              <a:extLst>
+                <a:ext uri="{FF2B5EF4-FFF2-40B4-BE49-F238E27FC236}">
+                  <a16:creationId xmlns:a16="http://schemas.microsoft.com/office/drawing/2014/main" id="{53B72471-9DB5-428B-AF52-E11E03B9FD05}"/>
+                </a:ext>
+                <a:ext uri="{C183D7F6-B498-43B3-948B-1728B52AA6E4}">
+                  <adec:decorative xmlns:adec="http://schemas.microsoft.com/office/drawing/2017/decorative" val="1"/>
+                </a:ext>
+              </a:extLst>
+            </p:cNvPr>
+            <p:cNvCxnSpPr>
+              <a:cxnSpLocks/>
+            </p:cNvCxnSpPr>
+            <p:nvPr>
+              <p:extLst>
+                <p:ext uri="{386F3935-93C4-4BCD-93E2-E3B085C9AB24}">
+                  <p16:designElem xmlns:p16="http://schemas.microsoft.com/office/powerpoint/2015/main" val="1"/>
+                </p:ext>
+              </p:extLst>
+            </p:nvPr>
+          </p:nvCxnSpPr>
+          <p:spPr>
+            <a:xfrm>
+              <a:off x="16613" y="6143407"/>
+              <a:ext cx="12192000" cy="0"/>
+            </a:xfrm>
+            <a:prstGeom prst="line">
+              <a:avLst/>
+            </a:prstGeom>
+            <a:ln w="12700">
+              <a:solidFill>
+                <a:srgbClr val="BCBCBC">
+                  <a:alpha val="29804"/>
+                </a:srgbClr>
+              </a:solidFill>
+              <a:prstDash val="sysDot"/>
+            </a:ln>
+          </p:spPr>
+          <p:style>
+            <a:lnRef idx="1">
+              <a:schemeClr val="accent1"/>
+            </a:lnRef>
+            <a:fillRef idx="0">
+              <a:schemeClr val="accent1"/>
+            </a:fillRef>
+            <a:effectRef idx="0">
+              <a:schemeClr val="accent1"/>
+            </a:effectRef>
+            <a:fontRef idx="minor">
+              <a:schemeClr val="tx1"/>
+            </a:fontRef>
+          </p:style>
+        </p:cxnSp>
+        <p:cxnSp>
+          <p:nvCxnSpPr>
+            <p:cNvPr id="1181" name="Straight Connector 1180">
+              <a:extLst>
+                <a:ext uri="{FF2B5EF4-FFF2-40B4-BE49-F238E27FC236}">
+                  <a16:creationId xmlns:a16="http://schemas.microsoft.com/office/drawing/2014/main" id="{B8656B49-5277-4610-BD7B-F5D98170B5A7}"/>
+                </a:ext>
+                <a:ext uri="{C183D7F6-B498-43B3-948B-1728B52AA6E4}">
+                  <adec:decorative xmlns:adec="http://schemas.microsoft.com/office/drawing/2017/decorative" val="1"/>
+                </a:ext>
+              </a:extLst>
+            </p:cNvPr>
+            <p:cNvCxnSpPr>
+              <a:cxnSpLocks/>
+            </p:cNvCxnSpPr>
+            <p:nvPr>
+              <p:extLst>
+                <p:ext uri="{386F3935-93C4-4BCD-93E2-E3B085C9AB24}">
+                  <p16:designElem xmlns:p16="http://schemas.microsoft.com/office/powerpoint/2015/main" val="1"/>
+                </p:ext>
+              </p:extLst>
+            </p:nvPr>
+          </p:nvCxnSpPr>
+          <p:spPr>
+            <a:xfrm>
+              <a:off x="684225" y="171716"/>
+              <a:ext cx="0" cy="6511464"/>
+            </a:xfrm>
+            <a:prstGeom prst="line">
+              <a:avLst/>
+            </a:prstGeom>
+            <a:ln w="12700">
+              <a:solidFill>
+                <a:srgbClr val="BCBCBC">
+                  <a:alpha val="29804"/>
+                </a:srgbClr>
+              </a:solidFill>
+              <a:prstDash val="sysDot"/>
+            </a:ln>
+          </p:spPr>
+          <p:style>
+            <a:lnRef idx="1">
+              <a:schemeClr val="accent1"/>
+            </a:lnRef>
+            <a:fillRef idx="0">
+              <a:schemeClr val="accent1"/>
+            </a:fillRef>
+            <a:effectRef idx="0">
+              <a:schemeClr val="accent1"/>
+            </a:effectRef>
+            <a:fontRef idx="minor">
+              <a:schemeClr val="tx1"/>
+            </a:fontRef>
+          </p:style>
+        </p:cxnSp>
+        <p:cxnSp>
+          <p:nvCxnSpPr>
+            <p:cNvPr id="1182" name="Straight Connector 1181">
+              <a:extLst>
+                <a:ext uri="{FF2B5EF4-FFF2-40B4-BE49-F238E27FC236}">
+                  <a16:creationId xmlns:a16="http://schemas.microsoft.com/office/drawing/2014/main" id="{F1A47399-8F78-4DB1-BD21-1166BCB267CF}"/>
+                </a:ext>
+                <a:ext uri="{C183D7F6-B498-43B3-948B-1728B52AA6E4}">
+                  <adec:decorative xmlns:adec="http://schemas.microsoft.com/office/drawing/2017/decorative" val="1"/>
+                </a:ext>
+              </a:extLst>
+            </p:cNvPr>
+            <p:cNvCxnSpPr>
+              <a:cxnSpLocks/>
+            </p:cNvCxnSpPr>
+            <p:nvPr>
+              <p:extLst>
+                <p:ext uri="{386F3935-93C4-4BCD-93E2-E3B085C9AB24}">
+                  <p16:designElem xmlns:p16="http://schemas.microsoft.com/office/powerpoint/2015/main" val="1"/>
+                </p:ext>
+              </p:extLst>
+            </p:nvPr>
+          </p:nvCxnSpPr>
+          <p:spPr>
+            <a:xfrm>
+              <a:off x="11508412" y="173267"/>
+              <a:ext cx="0" cy="6511464"/>
+            </a:xfrm>
+            <a:prstGeom prst="line">
+              <a:avLst/>
+            </a:prstGeom>
+            <a:ln w="12700">
+              <a:solidFill>
+                <a:srgbClr val="BCBCBC">
+                  <a:alpha val="29804"/>
+                </a:srgbClr>
+              </a:solidFill>
+              <a:prstDash val="sysDot"/>
+            </a:ln>
+          </p:spPr>
+          <p:style>
+            <a:lnRef idx="1">
+              <a:schemeClr val="accent1"/>
+            </a:lnRef>
+            <a:fillRef idx="0">
+              <a:schemeClr val="accent1"/>
+            </a:fillRef>
+            <a:effectRef idx="0">
+              <a:schemeClr val="accent1"/>
+            </a:effectRef>
+            <a:fontRef idx="minor">
+              <a:schemeClr val="tx1"/>
+            </a:fontRef>
+          </p:style>
+        </p:cxnSp>
+      </p:grpSp>
+      <p:sp>
+        <p:nvSpPr>
+          <p:cNvPr id="1184" name="Right Triangle 1183">
+            <a:extLst>
+              <a:ext uri="{FF2B5EF4-FFF2-40B4-BE49-F238E27FC236}">
+                <a16:creationId xmlns:a16="http://schemas.microsoft.com/office/drawing/2014/main" id="{F952A221-69C2-46B3-890D-354CA5961656}"/>
+              </a:ext>
+              <a:ext uri="{C183D7F6-B498-43B3-948B-1728B52AA6E4}">
+                <adec:decorative xmlns:adec="http://schemas.microsoft.com/office/drawing/2017/decorative" val="1"/>
+              </a:ext>
+            </a:extLst>
+          </p:cNvPr>
+          <p:cNvSpPr>
+            <a:spLocks noGrp="1" noRot="1" noChangeAspect="1" noMove="1" noResize="1" noEditPoints="1" noAdjustHandles="1" noChangeArrowheads="1" noChangeShapeType="1" noTextEdit="1"/>
+          </p:cNvSpPr>
+          <p:nvPr>
+            <p:extLst>
+              <p:ext uri="{386F3935-93C4-4BCD-93E2-E3B085C9AB24}">
+                <p16:designElem xmlns:p16="http://schemas.microsoft.com/office/powerpoint/2015/main" val="1"/>
+              </p:ext>
+            </p:extLst>
+          </p:nvPr>
+        </p:nvSpPr>
+        <p:spPr>
+          <a:xfrm rot="18900000">
+            <a:off x="5810332" y="-286720"/>
+            <a:ext cx="568289" cy="568289"/>
+          </a:xfrm>
+          <a:prstGeom prst="rtTriangle">
+            <a:avLst/>
+          </a:prstGeom>
+          <a:solidFill>
+            <a:schemeClr val="accent1">
+              <a:alpha val="50000"/>
+            </a:schemeClr>
+          </a:solidFill>
+          <a:ln>
+            <a:noFill/>
+          </a:ln>
+        </p:spPr>
+        <p:style>
+          <a:lnRef idx="2">
+            <a:schemeClr val="accent1">
+              <a:shade val="50000"/>
+            </a:schemeClr>
+          </a:lnRef>
+          <a:fillRef idx="1">
+            <a:schemeClr val="accent1"/>
+          </a:fillRef>
+          <a:effectRef idx="0">
+            <a:schemeClr val="accent1"/>
+          </a:effectRef>
+          <a:fontRef idx="minor">
+            <a:schemeClr val="lt1"/>
+          </a:fontRef>
+        </p:style>
+        <p:txBody>
+          <a:bodyPr rtlCol="0" anchor="ctr"/>
+          <a:lstStyle/>
+          <a:p>
+            <a:pPr algn="ctr"/>
+            <a:endParaRPr lang="en-US">
+              <a:solidFill>
+                <a:schemeClr val="tx1"/>
+              </a:solidFill>
+            </a:endParaRPr>
+          </a:p>
+        </p:txBody>
+      </p:sp>
+      <p:sp>
+        <p:nvSpPr>
+          <p:cNvPr id="4" name="TextBox 3">
+            <a:extLst>
+              <a:ext uri="{FF2B5EF4-FFF2-40B4-BE49-F238E27FC236}">
+                <a16:creationId xmlns:a16="http://schemas.microsoft.com/office/drawing/2014/main" id="{50E7465D-453C-0262-0FC4-DAD143D48281}"/>
+              </a:ext>
+            </a:extLst>
+          </p:cNvPr>
+          <p:cNvSpPr txBox="1"/>
+          <p:nvPr/>
+        </p:nvSpPr>
+        <p:spPr>
+          <a:xfrm>
+            <a:off x="1169071" y="722904"/>
+            <a:ext cx="9821130" cy="1075904"/>
+          </a:xfrm>
+          <a:prstGeom prst="rect">
+            <a:avLst/>
+          </a:prstGeom>
+        </p:spPr>
+        <p:txBody>
+          <a:bodyPr vert="horz" lIns="91440" tIns="45720" rIns="91440" bIns="45720" rtlCol="0" anchor="b">
+            <a:normAutofit/>
+          </a:bodyPr>
+          <a:lstStyle/>
+          <a:p>
+            <a:pPr algn="ctr">
+              <a:spcBef>
+                <a:spcPct val="0"/>
+              </a:spcBef>
+              <a:spcAft>
+                <a:spcPts val="600"/>
+              </a:spcAft>
+            </a:pPr>
+            <a:r>
+              <a:rPr lang="en-US" sz="5400">
+                <a:solidFill>
+                  <a:schemeClr val="tx2"/>
+                </a:solidFill>
+                <a:latin typeface="+mj-lt"/>
+                <a:ea typeface="+mj-ea"/>
+                <a:cs typeface="+mj-cs"/>
+              </a:rPr>
+              <a:t>Hardware project </a:t>
+            </a:r>
+            <a:endParaRPr lang="en-US" sz="5400" dirty="0">
+              <a:solidFill>
+                <a:schemeClr val="tx2"/>
+              </a:solidFill>
+              <a:latin typeface="+mj-lt"/>
+              <a:ea typeface="+mj-ea"/>
+              <a:cs typeface="+mj-cs"/>
+            </a:endParaRPr>
+          </a:p>
+        </p:txBody>
+      </p:sp>
+      <p:pic>
+        <p:nvPicPr>
+          <p:cNvPr id="1034" name="Picture 10" descr="AD8232 ECG Sensor &amp; Arduino Interfacing with ECG Graph">
+            <a:extLst>
+              <a:ext uri="{FF2B5EF4-FFF2-40B4-BE49-F238E27FC236}">
+                <a16:creationId xmlns:a16="http://schemas.microsoft.com/office/drawing/2014/main" id="{505263B0-CEBD-2C39-F994-3ECC26F17799}"/>
+              </a:ext>
+            </a:extLst>
+          </p:cNvPr>
+          <p:cNvPicPr>
+            <a:picLocks noChangeAspect="1" noChangeArrowheads="1"/>
+          </p:cNvPicPr>
+          <p:nvPr/>
+        </p:nvPicPr>
+        <p:blipFill>
+          <a:blip r:embed="rId2">
+            <a:extLst>
+              <a:ext uri="{28A0092B-C50C-407E-A947-70E740481C1C}">
+                <a14:useLocalDpi xmlns:a14="http://schemas.microsoft.com/office/drawing/2010/main" val="0"/>
+              </a:ext>
+            </a:extLst>
+          </a:blip>
+          <a:stretch>
+            <a:fillRect/>
+          </a:stretch>
+        </p:blipFill>
+        <p:spPr bwMode="auto">
+          <a:xfrm>
+            <a:off x="2980494" y="1980952"/>
+            <a:ext cx="6705128" cy="3805160"/>
+          </a:xfrm>
+          <a:prstGeom prst="rect">
+            <a:avLst/>
+          </a:prstGeom>
+          <a:noFill/>
+          <a:extLst>
+            <a:ext uri="{909E8E84-426E-40DD-AFC4-6F175D3DCCD1}">
+              <a14:hiddenFill xmlns:a14="http://schemas.microsoft.com/office/drawing/2010/main">
+                <a:solidFill>
+                  <a:srgbClr val="FFFFFF"/>
+                </a:solidFill>
+              </a14:hiddenFill>
+            </a:ext>
+          </a:extLst>
+        </p:spPr>
+      </p:pic>
+      <p:sp>
+        <p:nvSpPr>
+          <p:cNvPr id="13" name="Slide Number Placeholder 12">
+            <a:extLst>
+              <a:ext uri="{FF2B5EF4-FFF2-40B4-BE49-F238E27FC236}">
+                <a16:creationId xmlns:a16="http://schemas.microsoft.com/office/drawing/2014/main" id="{AC57419C-A143-4A31-A3E2-CCA83C1177D1}"/>
+              </a:ext>
+            </a:extLst>
+          </p:cNvPr>
+          <p:cNvSpPr>
+            <a:spLocks noGrp="1"/>
+          </p:cNvSpPr>
+          <p:nvPr>
+            <p:ph type="sldNum" sz="quarter" idx="12"/>
+          </p:nvPr>
+        </p:nvSpPr>
+        <p:spPr/>
+        <p:txBody>
+          <a:bodyPr/>
+          <a:lstStyle/>
+          <a:p>
+            <a:fld id="{BE15108C-154A-4A5A-9C05-91A49A422BA7}" type="slidenum">
+              <a:rPr lang="en-US" smtClean="0"/>
+              <a:t>3</a:t>
+            </a:fld>
+            <a:endParaRPr lang="en-US"/>
+          </a:p>
+        </p:txBody>
+      </p:sp>
+      <p:sp>
+        <p:nvSpPr>
+          <p:cNvPr id="14" name="Isosceles Triangle 13">
+            <a:extLst>
+              <a:ext uri="{FF2B5EF4-FFF2-40B4-BE49-F238E27FC236}">
+                <a16:creationId xmlns:a16="http://schemas.microsoft.com/office/drawing/2014/main" id="{D70B719B-8E1A-1493-0FE5-F3C18CB69DF6}"/>
+              </a:ext>
+            </a:extLst>
+          </p:cNvPr>
+          <p:cNvSpPr/>
+          <p:nvPr/>
+        </p:nvSpPr>
+        <p:spPr>
+          <a:xfrm rot="10800000">
+            <a:off x="5528207" y="-14344"/>
+            <a:ext cx="1168694" cy="415807"/>
+          </a:xfrm>
+          <a:prstGeom prst="triangle">
+            <a:avLst>
+              <a:gd name="adj" fmla="val 52608"/>
+            </a:avLst>
+          </a:prstGeom>
+          <a:solidFill>
+            <a:srgbClr val="87D7C6"/>
+          </a:solidFill>
+          <a:ln>
+            <a:noFill/>
+          </a:ln>
+        </p:spPr>
+        <p:style>
+          <a:lnRef idx="2">
+            <a:schemeClr val="accent1">
+              <a:shade val="15000"/>
+            </a:schemeClr>
+          </a:lnRef>
+          <a:fillRef idx="1">
+            <a:schemeClr val="accent1"/>
+          </a:fillRef>
+          <a:effectRef idx="0">
+            <a:schemeClr val="accent1"/>
+          </a:effectRef>
+          <a:fontRef idx="minor">
+            <a:schemeClr val="lt1"/>
+          </a:fontRef>
+        </p:style>
+        <p:txBody>
+          <a:bodyPr rtlCol="0" anchor="ctr"/>
+          <a:lstStyle/>
+          <a:p>
+            <a:pPr algn="ctr"/>
+            <a:endParaRPr lang="en-US">
+              <a:solidFill>
+                <a:srgbClr val="87D7C6"/>
+              </a:solidFill>
+            </a:endParaRPr>
+          </a:p>
+        </p:txBody>
+      </p:sp>
+    </p:spTree>
+    <p:extLst>
+      <p:ext uri="{BB962C8B-B14F-4D97-AF65-F5344CB8AC3E}">
+        <p14:creationId xmlns:p14="http://schemas.microsoft.com/office/powerpoint/2010/main" val="1525723119"/>
+      </p:ext>
+    </p:extLst>
+  </p:cSld>
+  <p:clrMapOvr>
+    <a:masterClrMapping/>
+  </p:clrMapOvr>
+  <p:timing>
+    <p:tnLst>
+      <p:par>
+        <p:cTn id="1" dur="indefinite" restart="never" nodeType="tmRoot">
+          <p:childTnLst>
+            <p:seq concurrent="1" nextAc="seek">
+              <p:cTn id="2" dur="indefinite" nodeType="mainSeq">
+                <p:childTnLst>
+                  <p:par>
+                    <p:cTn id="3" fill="hold">
+                      <p:stCondLst>
+                        <p:cond delay="indefinite"/>
+                        <p:cond evt="onBegin" delay="0">
+                          <p:tn val="2"/>
+                        </p:cond>
+                      </p:stCondLst>
+                      <p:childTnLst>
+                        <p:par>
+                          <p:cTn id="4" fill="hold">
+                            <p:stCondLst>
+                              <p:cond delay="0"/>
+                            </p:stCondLst>
+                            <p:childTnLst>
+                              <p:par>
+                                <p:cTn id="5" presetID="42" presetClass="path" presetSubtype="0" accel="50000" decel="50000" fill="hold" grpId="0" nodeType="withEffect">
+                                  <p:stCondLst>
+                                    <p:cond delay="0"/>
+                                  </p:stCondLst>
+                                  <p:childTnLst>
+                                    <p:animMotion origin="layout" path="M 0.00247 -0.29746 L 4.16667E-7 -2.22222E-6 " pathEditMode="relative" rAng="0" ptsTypes="AA">
+                                      <p:cBhvr>
+                                        <p:cTn id="6" dur="500" fill="hold"/>
+                                        <p:tgtEl>
+                                          <p:spTgt spid="4"/>
+                                        </p:tgtEl>
+                                        <p:attrNameLst>
+                                          <p:attrName>ppt_x</p:attrName>
+                                          <p:attrName>ppt_y</p:attrName>
+                                        </p:attrNameLst>
+                                      </p:cBhvr>
+                                      <p:rCtr x="-65" y="14907"/>
+                                    </p:animMotion>
+                                  </p:childTnLst>
+                                </p:cTn>
+                              </p:par>
+                              <p:par>
+                                <p:cTn id="7" presetID="10" presetClass="entr" presetSubtype="0" fill="hold" nodeType="withEffect">
+                                  <p:stCondLst>
+                                    <p:cond delay="800"/>
+                                  </p:stCondLst>
+                                  <p:childTnLst>
+                                    <p:set>
+                                      <p:cBhvr>
+                                        <p:cTn id="8" dur="1" fill="hold">
+                                          <p:stCondLst>
+                                            <p:cond delay="0"/>
+                                          </p:stCondLst>
+                                        </p:cTn>
+                                        <p:tgtEl>
+                                          <p:spTgt spid="1034"/>
+                                        </p:tgtEl>
+                                        <p:attrNameLst>
+                                          <p:attrName>style.visibility</p:attrName>
+                                        </p:attrNameLst>
+                                      </p:cBhvr>
+                                      <p:to>
+                                        <p:strVal val="visible"/>
+                                      </p:to>
+                                    </p:set>
+                                    <p:animEffect transition="in" filter="fade">
+                                      <p:cBhvr>
+                                        <p:cTn id="9" dur="500"/>
+                                        <p:tgtEl>
+                                          <p:spTgt spid="1034"/>
+                                        </p:tgtEl>
+                                      </p:cBhvr>
+                                    </p:animEffect>
+                                  </p:childTnLst>
+                                </p:cTn>
+                              </p:par>
+                            </p:childTnLst>
+                          </p:cTn>
+                        </p:par>
+                      </p:childTnLst>
+                    </p:cTn>
+                  </p:par>
+                </p:childTnLst>
+              </p:cTn>
+              <p:prevCondLst>
+                <p:cond evt="onPrev" delay="0">
+                  <p:tgtEl>
+                    <p:sldTgt/>
+                  </p:tgtEl>
+                </p:cond>
+              </p:prevCondLst>
+              <p:nextCondLst>
+                <p:cond evt="onNext" delay="0">
+                  <p:tgtEl>
+                    <p:sldTgt/>
+                  </p:tgtEl>
+                </p:cond>
+              </p:nextCondLst>
+            </p:seq>
+          </p:childTnLst>
+        </p:cTn>
+      </p:par>
+    </p:tnLst>
+    <p:bldLst>
+      <p:bldP spid="4" grpId="0"/>
+    </p:bldLst>
+  </p:timing>
+</p:sld>
+</file>
+
+<file path=ppt/slides/slide4.xml><?xml version="1.0" encoding="utf-8"?>
+<p:sld xmlns:a="http://schemas.openxmlformats.org/drawingml/2006/main" xmlns:r="http://schemas.openxmlformats.org/officeDocument/2006/relationships" xmlns:p="http://schemas.openxmlformats.org/presentationml/2006/main">
+  <p:cSld>
+    <p:bg>
+      <p:bgPr>
+        <a:solidFill>
+          <a:schemeClr val="bg1"/>
+        </a:solidFill>
+        <a:effectLst/>
+      </p:bgPr>
+    </p:bg>
+    <p:spTree>
+      <p:nvGrpSpPr>
+        <p:cNvPr id="1" name=""/>
+        <p:cNvGrpSpPr/>
+        <p:nvPr/>
+      </p:nvGrpSpPr>
+      <p:grpSpPr>
+        <a:xfrm>
+          <a:off x="0" y="0"/>
+          <a:ext cx="0" cy="0"/>
+          <a:chOff x="0" y="0"/>
+          <a:chExt cx="0" cy="0"/>
+        </a:xfrm>
+      </p:grpSpPr>
+      <p:grpSp>
+        <p:nvGrpSpPr>
+          <p:cNvPr id="1114" name="Group 1113">
+            <a:extLst>
+              <a:ext uri="{FF2B5EF4-FFF2-40B4-BE49-F238E27FC236}">
+                <a16:creationId xmlns:a16="http://schemas.microsoft.com/office/drawing/2014/main" id="{748618E9-EE2D-4864-9EEE-58939BD4FBBA}"/>
+              </a:ext>
+              <a:ext uri="{C183D7F6-B498-43B3-948B-1728B52AA6E4}">
+                <adec:decorative xmlns:adec="http://schemas.microsoft.com/office/drawing/2017/decorative" val="1"/>
+              </a:ext>
+            </a:extLst>
+          </p:cNvPr>
+          <p:cNvGrpSpPr>
+            <a:grpSpLocks noGrp="1" noUngrp="1" noRot="1" noChangeAspect="1" noMove="1" noResize="1"/>
+          </p:cNvGrpSpPr>
+          <p:nvPr>
+            <p:extLst>
+              <p:ext uri="{386F3935-93C4-4BCD-93E2-E3B085C9AB24}">
+                <p16:designElem xmlns:p16="http://schemas.microsoft.com/office/powerpoint/2015/main" val="1"/>
+              </p:ext>
+            </p:extLst>
+          </p:nvPr>
+        </p:nvGrpSpPr>
+        <p:grpSpPr>
+          <a:xfrm>
+            <a:off x="-6214" y="-1"/>
+            <a:ext cx="12214827" cy="6858000"/>
+            <a:chOff x="-6214" y="-1"/>
+            <a:chExt cx="12214827" cy="6858000"/>
+          </a:xfrm>
+        </p:grpSpPr>
+        <p:cxnSp>
+          <p:nvCxnSpPr>
+            <p:cNvPr id="1115" name="Straight Connector 1114">
+              <a:extLst>
+                <a:ext uri="{FF2B5EF4-FFF2-40B4-BE49-F238E27FC236}">
+                  <a16:creationId xmlns:a16="http://schemas.microsoft.com/office/drawing/2014/main" id="{317D1EC0-23FF-4FC8-B22D-E34878EAA4CC}"/>
+                </a:ext>
+                <a:ext uri="{C183D7F6-B498-43B3-948B-1728B52AA6E4}">
+                  <adec:decorative xmlns:adec="http://schemas.microsoft.com/office/drawing/2017/decorative" val="1"/>
+                </a:ext>
+              </a:extLst>
+            </p:cNvPr>
+            <p:cNvCxnSpPr>
+              <a:cxnSpLocks/>
+            </p:cNvCxnSpPr>
+            <p:nvPr>
+              <p:extLst>
+                <p:ext uri="{386F3935-93C4-4BCD-93E2-E3B085C9AB24}">
+                  <p16:designElem xmlns:p16="http://schemas.microsoft.com/office/powerpoint/2015/main" val="1"/>
+                </p:ext>
+              </p:extLst>
+            </p:nvPr>
+          </p:nvCxnSpPr>
+          <p:spPr>
+            <a:xfrm>
+              <a:off x="-6214" y="6686283"/>
+              <a:ext cx="12192000" cy="0"/>
+            </a:xfrm>
+            <a:prstGeom prst="line">
+              <a:avLst/>
+            </a:prstGeom>
+            <a:ln w="12700">
+              <a:solidFill>
+                <a:srgbClr val="BCBCBC">
+                  <a:alpha val="29804"/>
+                </a:srgbClr>
+              </a:solidFill>
+              <a:prstDash val="sysDot"/>
+            </a:ln>
+          </p:spPr>
+          <p:style>
+            <a:lnRef idx="1">
+              <a:schemeClr val="accent1"/>
+            </a:lnRef>
+            <a:fillRef idx="0">
+              <a:schemeClr val="accent1"/>
+            </a:fillRef>
+            <a:effectRef idx="0">
+              <a:schemeClr val="accent1"/>
+            </a:effectRef>
+            <a:fontRef idx="minor">
+              <a:schemeClr val="tx1"/>
+            </a:fontRef>
+          </p:style>
+        </p:cxnSp>
+        <p:cxnSp>
+          <p:nvCxnSpPr>
+            <p:cNvPr id="1116" name="Straight Connector 1115">
+              <a:extLst>
+                <a:ext uri="{FF2B5EF4-FFF2-40B4-BE49-F238E27FC236}">
+                  <a16:creationId xmlns:a16="http://schemas.microsoft.com/office/drawing/2014/main" id="{5AB929A7-258C-4469-AAB4-A67D713F7A80}"/>
+                </a:ext>
+                <a:ext uri="{C183D7F6-B498-43B3-948B-1728B52AA6E4}">
+                  <adec:decorative xmlns:adec="http://schemas.microsoft.com/office/drawing/2017/decorative" val="1"/>
+                </a:ext>
+              </a:extLst>
+            </p:cNvPr>
+            <p:cNvCxnSpPr>
+              <a:cxnSpLocks/>
+            </p:cNvCxnSpPr>
+            <p:nvPr>
+              <p:extLst>
+                <p:ext uri="{386F3935-93C4-4BCD-93E2-E3B085C9AB24}">
+                  <p16:designElem xmlns:p16="http://schemas.microsoft.com/office/powerpoint/2015/main" val="1"/>
+                </p:ext>
+              </p:extLst>
+            </p:nvPr>
+          </p:nvCxnSpPr>
+          <p:spPr>
+            <a:xfrm>
+              <a:off x="0" y="-1"/>
+              <a:ext cx="0" cy="6858000"/>
+            </a:xfrm>
+            <a:prstGeom prst="line">
+              <a:avLst/>
+            </a:prstGeom>
+            <a:ln w="12700">
+              <a:solidFill>
+                <a:srgbClr val="BCBCBC">
+                  <a:alpha val="29804"/>
+                </a:srgbClr>
+              </a:solidFill>
+              <a:prstDash val="sysDot"/>
+            </a:ln>
+          </p:spPr>
+          <p:style>
+            <a:lnRef idx="1">
+              <a:schemeClr val="accent1"/>
+            </a:lnRef>
+            <a:fillRef idx="0">
+              <a:schemeClr val="accent1"/>
+            </a:fillRef>
+            <a:effectRef idx="0">
+              <a:schemeClr val="accent1"/>
+            </a:effectRef>
+            <a:fontRef idx="minor">
+              <a:schemeClr val="tx1"/>
+            </a:fontRef>
+          </p:style>
+        </p:cxnSp>
+        <p:cxnSp>
+          <p:nvCxnSpPr>
+            <p:cNvPr id="1117" name="Straight Connector 1116">
+              <a:extLst>
+                <a:ext uri="{FF2B5EF4-FFF2-40B4-BE49-F238E27FC236}">
+                  <a16:creationId xmlns:a16="http://schemas.microsoft.com/office/drawing/2014/main" id="{DA635CDB-2D00-49D5-B26E-0694A25000C7}"/>
+                </a:ext>
+                <a:ext uri="{C183D7F6-B498-43B3-948B-1728B52AA6E4}">
+                  <adec:decorative xmlns:adec="http://schemas.microsoft.com/office/drawing/2017/decorative" val="1"/>
+                </a:ext>
+              </a:extLst>
+            </p:cNvPr>
+            <p:cNvCxnSpPr>
+              <a:cxnSpLocks/>
+            </p:cNvCxnSpPr>
+            <p:nvPr>
+              <p:extLst>
+                <p:ext uri="{386F3935-93C4-4BCD-93E2-E3B085C9AB24}">
+                  <p16:designElem xmlns:p16="http://schemas.microsoft.com/office/powerpoint/2015/main" val="1"/>
+                </p:ext>
+              </p:extLst>
+            </p:nvPr>
+          </p:nvCxnSpPr>
+          <p:spPr>
+            <a:xfrm>
+              <a:off x="11993258" y="-1"/>
+              <a:ext cx="0" cy="6858000"/>
+            </a:xfrm>
+            <a:prstGeom prst="line">
+              <a:avLst/>
+            </a:prstGeom>
+            <a:ln w="12700">
+              <a:solidFill>
+                <a:srgbClr val="BCBCBC">
+                  <a:alpha val="29804"/>
+                </a:srgbClr>
+              </a:solidFill>
+              <a:prstDash val="sysDot"/>
+            </a:ln>
+          </p:spPr>
+          <p:style>
+            <a:lnRef idx="1">
+              <a:schemeClr val="accent1"/>
+            </a:lnRef>
+            <a:fillRef idx="0">
+              <a:schemeClr val="accent1"/>
+            </a:fillRef>
+            <a:effectRef idx="0">
+              <a:schemeClr val="accent1"/>
+            </a:effectRef>
+            <a:fontRef idx="minor">
+              <a:schemeClr val="tx1"/>
+            </a:fontRef>
+          </p:style>
+        </p:cxnSp>
+        <p:cxnSp>
+          <p:nvCxnSpPr>
+            <p:cNvPr id="1118" name="Straight Connector 1117">
+              <a:extLst>
+                <a:ext uri="{FF2B5EF4-FFF2-40B4-BE49-F238E27FC236}">
+                  <a16:creationId xmlns:a16="http://schemas.microsoft.com/office/drawing/2014/main" id="{B4288D7A-F857-418D-92F2-368E841B9F27}"/>
+                </a:ext>
+                <a:ext uri="{C183D7F6-B498-43B3-948B-1728B52AA6E4}">
+                  <adec:decorative xmlns:adec="http://schemas.microsoft.com/office/drawing/2017/decorative" val="1"/>
+                </a:ext>
+              </a:extLst>
+            </p:cNvPr>
+            <p:cNvCxnSpPr>
+              <a:cxnSpLocks/>
+            </p:cNvCxnSpPr>
+            <p:nvPr>
+              <p:extLst>
+                <p:ext uri="{386F3935-93C4-4BCD-93E2-E3B085C9AB24}">
+                  <p16:designElem xmlns:p16="http://schemas.microsoft.com/office/powerpoint/2015/main" val="1"/>
+                </p:ext>
+              </p:extLst>
+            </p:nvPr>
+          </p:nvCxnSpPr>
+          <p:spPr>
+            <a:xfrm>
+              <a:off x="192528" y="-1"/>
+              <a:ext cx="0" cy="6858000"/>
+            </a:xfrm>
+            <a:prstGeom prst="line">
+              <a:avLst/>
+            </a:prstGeom>
+            <a:ln w="12700">
+              <a:solidFill>
+                <a:srgbClr val="BCBCBC">
+                  <a:alpha val="29804"/>
+                </a:srgbClr>
+              </a:solidFill>
+              <a:prstDash val="sysDot"/>
+            </a:ln>
+          </p:spPr>
+          <p:style>
+            <a:lnRef idx="1">
+              <a:schemeClr val="accent1"/>
+            </a:lnRef>
+            <a:fillRef idx="0">
+              <a:schemeClr val="accent1"/>
+            </a:fillRef>
+            <a:effectRef idx="0">
+              <a:schemeClr val="accent1"/>
+            </a:effectRef>
+            <a:fontRef idx="minor">
+              <a:schemeClr val="tx1"/>
+            </a:fontRef>
+          </p:style>
+        </p:cxnSp>
+        <p:cxnSp>
+          <p:nvCxnSpPr>
+            <p:cNvPr id="1119" name="Straight Connector 1118">
+              <a:extLst>
+                <a:ext uri="{FF2B5EF4-FFF2-40B4-BE49-F238E27FC236}">
+                  <a16:creationId xmlns:a16="http://schemas.microsoft.com/office/drawing/2014/main" id="{F1084F50-7F3C-4A4A-877E-FFD9EC7CD88B}"/>
+                </a:ext>
+                <a:ext uri="{C183D7F6-B498-43B3-948B-1728B52AA6E4}">
+                  <adec:decorative xmlns:adec="http://schemas.microsoft.com/office/drawing/2017/decorative" val="1"/>
+                </a:ext>
+              </a:extLst>
+            </p:cNvPr>
+            <p:cNvCxnSpPr>
+              <a:cxnSpLocks/>
+            </p:cNvCxnSpPr>
+            <p:nvPr>
+              <p:extLst>
+                <p:ext uri="{386F3935-93C4-4BCD-93E2-E3B085C9AB24}">
+                  <p16:designElem xmlns:p16="http://schemas.microsoft.com/office/powerpoint/2015/main" val="1"/>
+                </p:ext>
+              </p:extLst>
+            </p:nvPr>
+          </p:nvCxnSpPr>
+          <p:spPr>
+            <a:xfrm>
+              <a:off x="1175922" y="-1"/>
+              <a:ext cx="0" cy="6858000"/>
+            </a:xfrm>
+            <a:prstGeom prst="line">
+              <a:avLst/>
+            </a:prstGeom>
+            <a:ln w="12700">
+              <a:solidFill>
+                <a:srgbClr val="BCBCBC">
+                  <a:alpha val="29804"/>
+                </a:srgbClr>
+              </a:solidFill>
+              <a:prstDash val="sysDot"/>
+            </a:ln>
+          </p:spPr>
+          <p:style>
+            <a:lnRef idx="1">
+              <a:schemeClr val="accent1"/>
+            </a:lnRef>
+            <a:fillRef idx="0">
+              <a:schemeClr val="accent1"/>
+            </a:fillRef>
+            <a:effectRef idx="0">
+              <a:schemeClr val="accent1"/>
+            </a:effectRef>
+            <a:fontRef idx="minor">
+              <a:schemeClr val="tx1"/>
+            </a:fontRef>
+          </p:style>
+        </p:cxnSp>
+        <p:cxnSp>
+          <p:nvCxnSpPr>
+            <p:cNvPr id="1120" name="Straight Connector 1119">
+              <a:extLst>
+                <a:ext uri="{FF2B5EF4-FFF2-40B4-BE49-F238E27FC236}">
+                  <a16:creationId xmlns:a16="http://schemas.microsoft.com/office/drawing/2014/main" id="{331E64C1-F4C0-4A94-B319-BB1A0A2450B5}"/>
+                </a:ext>
+                <a:ext uri="{C183D7F6-B498-43B3-948B-1728B52AA6E4}">
+                  <adec:decorative xmlns:adec="http://schemas.microsoft.com/office/drawing/2017/decorative" val="1"/>
+                </a:ext>
+              </a:extLst>
+            </p:cNvPr>
+            <p:cNvCxnSpPr>
+              <a:cxnSpLocks/>
+            </p:cNvCxnSpPr>
+            <p:nvPr>
+              <p:extLst>
+                <p:ext uri="{386F3935-93C4-4BCD-93E2-E3B085C9AB24}">
+                  <p16:designElem xmlns:p16="http://schemas.microsoft.com/office/powerpoint/2015/main" val="1"/>
+                </p:ext>
+              </p:extLst>
+            </p:nvPr>
+          </p:nvCxnSpPr>
+          <p:spPr>
+            <a:xfrm>
+              <a:off x="2159316" y="-1"/>
+              <a:ext cx="0" cy="6858000"/>
+            </a:xfrm>
+            <a:prstGeom prst="line">
+              <a:avLst/>
+            </a:prstGeom>
+            <a:ln w="12700">
+              <a:solidFill>
+                <a:srgbClr val="BCBCBC">
+                  <a:alpha val="29804"/>
+                </a:srgbClr>
+              </a:solidFill>
+              <a:prstDash val="sysDot"/>
+            </a:ln>
+          </p:spPr>
+          <p:style>
+            <a:lnRef idx="1">
+              <a:schemeClr val="accent1"/>
+            </a:lnRef>
+            <a:fillRef idx="0">
+              <a:schemeClr val="accent1"/>
+            </a:fillRef>
+            <a:effectRef idx="0">
+              <a:schemeClr val="accent1"/>
+            </a:effectRef>
+            <a:fontRef idx="minor">
+              <a:schemeClr val="tx1"/>
+            </a:fontRef>
+          </p:style>
+        </p:cxnSp>
+        <p:cxnSp>
+          <p:nvCxnSpPr>
+            <p:cNvPr id="1121" name="Straight Connector 1120">
+              <a:extLst>
+                <a:ext uri="{FF2B5EF4-FFF2-40B4-BE49-F238E27FC236}">
+                  <a16:creationId xmlns:a16="http://schemas.microsoft.com/office/drawing/2014/main" id="{363D8374-8052-417F-AB69-B97EAC43D513}"/>
+                </a:ext>
+                <a:ext uri="{C183D7F6-B498-43B3-948B-1728B52AA6E4}">
+                  <adec:decorative xmlns:adec="http://schemas.microsoft.com/office/drawing/2017/decorative" val="1"/>
+                </a:ext>
+              </a:extLst>
+            </p:cNvPr>
+            <p:cNvCxnSpPr>
+              <a:cxnSpLocks/>
+            </p:cNvCxnSpPr>
+            <p:nvPr>
+              <p:extLst>
+                <p:ext uri="{386F3935-93C4-4BCD-93E2-E3B085C9AB24}">
+                  <p16:designElem xmlns:p16="http://schemas.microsoft.com/office/powerpoint/2015/main" val="1"/>
+                </p:ext>
+              </p:extLst>
+            </p:nvPr>
+          </p:nvCxnSpPr>
+          <p:spPr>
+            <a:xfrm>
+              <a:off x="3142710" y="-1"/>
+              <a:ext cx="0" cy="6858000"/>
+            </a:xfrm>
+            <a:prstGeom prst="line">
+              <a:avLst/>
+            </a:prstGeom>
+            <a:ln w="12700">
+              <a:solidFill>
+                <a:srgbClr val="BCBCBC">
+                  <a:alpha val="29804"/>
+                </a:srgbClr>
+              </a:solidFill>
+              <a:prstDash val="sysDot"/>
+            </a:ln>
+          </p:spPr>
+          <p:style>
+            <a:lnRef idx="1">
+              <a:schemeClr val="accent1"/>
+            </a:lnRef>
+            <a:fillRef idx="0">
+              <a:schemeClr val="accent1"/>
+            </a:fillRef>
+            <a:effectRef idx="0">
+              <a:schemeClr val="accent1"/>
+            </a:effectRef>
+            <a:fontRef idx="minor">
+              <a:schemeClr val="tx1"/>
+            </a:fontRef>
+          </p:style>
+        </p:cxnSp>
+        <p:cxnSp>
+          <p:nvCxnSpPr>
+            <p:cNvPr id="1122" name="Straight Connector 1121">
+              <a:extLst>
+                <a:ext uri="{FF2B5EF4-FFF2-40B4-BE49-F238E27FC236}">
+                  <a16:creationId xmlns:a16="http://schemas.microsoft.com/office/drawing/2014/main" id="{C7750734-4D51-4019-A003-38A3DE49B434}"/>
+                </a:ext>
+                <a:ext uri="{C183D7F6-B498-43B3-948B-1728B52AA6E4}">
+                  <adec:decorative xmlns:adec="http://schemas.microsoft.com/office/drawing/2017/decorative" val="1"/>
+                </a:ext>
+              </a:extLst>
+            </p:cNvPr>
+            <p:cNvCxnSpPr>
+              <a:cxnSpLocks/>
+            </p:cNvCxnSpPr>
+            <p:nvPr>
+              <p:extLst>
+                <p:ext uri="{386F3935-93C4-4BCD-93E2-E3B085C9AB24}">
+                  <p16:designElem xmlns:p16="http://schemas.microsoft.com/office/powerpoint/2015/main" val="1"/>
+                </p:ext>
+              </p:extLst>
+            </p:nvPr>
+          </p:nvCxnSpPr>
+          <p:spPr>
+            <a:xfrm>
+              <a:off x="4126104" y="-1"/>
+              <a:ext cx="0" cy="6858000"/>
+            </a:xfrm>
+            <a:prstGeom prst="line">
+              <a:avLst/>
+            </a:prstGeom>
+            <a:ln w="12700">
+              <a:solidFill>
+                <a:srgbClr val="BCBCBC">
+                  <a:alpha val="29804"/>
+                </a:srgbClr>
+              </a:solidFill>
+              <a:prstDash val="sysDot"/>
+            </a:ln>
+          </p:spPr>
+          <p:style>
+            <a:lnRef idx="1">
+              <a:schemeClr val="accent1"/>
+            </a:lnRef>
+            <a:fillRef idx="0">
+              <a:schemeClr val="accent1"/>
+            </a:fillRef>
+            <a:effectRef idx="0">
+              <a:schemeClr val="accent1"/>
+            </a:effectRef>
+            <a:fontRef idx="minor">
+              <a:schemeClr val="tx1"/>
+            </a:fontRef>
+          </p:style>
+        </p:cxnSp>
+        <p:cxnSp>
+          <p:nvCxnSpPr>
+            <p:cNvPr id="1123" name="Straight Connector 1122">
+              <a:extLst>
+                <a:ext uri="{FF2B5EF4-FFF2-40B4-BE49-F238E27FC236}">
+                  <a16:creationId xmlns:a16="http://schemas.microsoft.com/office/drawing/2014/main" id="{71B693D1-DBA2-4D3B-9B37-D9EE8C4112F4}"/>
+                </a:ext>
+                <a:ext uri="{C183D7F6-B498-43B3-948B-1728B52AA6E4}">
+                  <adec:decorative xmlns:adec="http://schemas.microsoft.com/office/drawing/2017/decorative" val="1"/>
+                </a:ext>
+              </a:extLst>
+            </p:cNvPr>
+            <p:cNvCxnSpPr>
+              <a:cxnSpLocks/>
+            </p:cNvCxnSpPr>
+            <p:nvPr>
+              <p:extLst>
+                <p:ext uri="{386F3935-93C4-4BCD-93E2-E3B085C9AB24}">
+                  <p16:designElem xmlns:p16="http://schemas.microsoft.com/office/powerpoint/2015/main" val="1"/>
+                </p:ext>
+              </p:extLst>
+            </p:nvPr>
+          </p:nvCxnSpPr>
+          <p:spPr>
+            <a:xfrm>
+              <a:off x="5109498" y="-1"/>
+              <a:ext cx="0" cy="6858000"/>
+            </a:xfrm>
+            <a:prstGeom prst="line">
+              <a:avLst/>
+            </a:prstGeom>
+            <a:ln w="12700">
+              <a:solidFill>
+                <a:srgbClr val="BCBCBC">
+                  <a:alpha val="29804"/>
+                </a:srgbClr>
+              </a:solidFill>
+              <a:prstDash val="sysDot"/>
+            </a:ln>
+          </p:spPr>
+          <p:style>
+            <a:lnRef idx="1">
+              <a:schemeClr val="accent1"/>
+            </a:lnRef>
+            <a:fillRef idx="0">
+              <a:schemeClr val="accent1"/>
+            </a:fillRef>
+            <a:effectRef idx="0">
+              <a:schemeClr val="accent1"/>
+            </a:effectRef>
+            <a:fontRef idx="minor">
+              <a:schemeClr val="tx1"/>
+            </a:fontRef>
+          </p:style>
+        </p:cxnSp>
+        <p:cxnSp>
+          <p:nvCxnSpPr>
+            <p:cNvPr id="1124" name="Straight Connector 1123">
+              <a:extLst>
+                <a:ext uri="{FF2B5EF4-FFF2-40B4-BE49-F238E27FC236}">
+                  <a16:creationId xmlns:a16="http://schemas.microsoft.com/office/drawing/2014/main" id="{1BCD3EA8-E4C0-4AF6-817F-F9F29157A499}"/>
+                </a:ext>
+                <a:ext uri="{C183D7F6-B498-43B3-948B-1728B52AA6E4}">
+                  <adec:decorative xmlns:adec="http://schemas.microsoft.com/office/drawing/2017/decorative" val="1"/>
+                </a:ext>
+              </a:extLst>
+            </p:cNvPr>
+            <p:cNvCxnSpPr>
+              <a:cxnSpLocks/>
+            </p:cNvCxnSpPr>
+            <p:nvPr>
+              <p:extLst>
+                <p:ext uri="{386F3935-93C4-4BCD-93E2-E3B085C9AB24}">
+                  <p16:designElem xmlns:p16="http://schemas.microsoft.com/office/powerpoint/2015/main" val="1"/>
+                </p:ext>
+              </p:extLst>
+            </p:nvPr>
+          </p:nvCxnSpPr>
+          <p:spPr>
+            <a:xfrm>
+              <a:off x="6092892" y="-1"/>
+              <a:ext cx="0" cy="6858000"/>
+            </a:xfrm>
+            <a:prstGeom prst="line">
+              <a:avLst/>
+            </a:prstGeom>
+            <a:ln w="12700">
+              <a:solidFill>
+                <a:srgbClr val="BCBCBC">
+                  <a:alpha val="29804"/>
+                </a:srgbClr>
+              </a:solidFill>
+              <a:prstDash val="sysDot"/>
+            </a:ln>
+          </p:spPr>
+          <p:style>
+            <a:lnRef idx="1">
+              <a:schemeClr val="accent1"/>
+            </a:lnRef>
+            <a:fillRef idx="0">
+              <a:schemeClr val="accent1"/>
+            </a:fillRef>
+            <a:effectRef idx="0">
+              <a:schemeClr val="accent1"/>
+            </a:effectRef>
+            <a:fontRef idx="minor">
+              <a:schemeClr val="tx1"/>
+            </a:fontRef>
+          </p:style>
+        </p:cxnSp>
+        <p:cxnSp>
+          <p:nvCxnSpPr>
+            <p:cNvPr id="1125" name="Straight Connector 1124">
+              <a:extLst>
+                <a:ext uri="{FF2B5EF4-FFF2-40B4-BE49-F238E27FC236}">
+                  <a16:creationId xmlns:a16="http://schemas.microsoft.com/office/drawing/2014/main" id="{7A170FB3-B397-4AC9-85FD-65388F26D90A}"/>
+                </a:ext>
+                <a:ext uri="{C183D7F6-B498-43B3-948B-1728B52AA6E4}">
+                  <adec:decorative xmlns:adec="http://schemas.microsoft.com/office/drawing/2017/decorative" val="1"/>
+                </a:ext>
+              </a:extLst>
+            </p:cNvPr>
+            <p:cNvCxnSpPr>
+              <a:cxnSpLocks/>
+            </p:cNvCxnSpPr>
+            <p:nvPr>
+              <p:extLst>
+                <p:ext uri="{386F3935-93C4-4BCD-93E2-E3B085C9AB24}">
+                  <p16:designElem xmlns:p16="http://schemas.microsoft.com/office/powerpoint/2015/main" val="1"/>
+                </p:ext>
+              </p:extLst>
+            </p:nvPr>
+          </p:nvCxnSpPr>
+          <p:spPr>
+            <a:xfrm>
+              <a:off x="7076286" y="-1"/>
+              <a:ext cx="0" cy="6858000"/>
+            </a:xfrm>
+            <a:prstGeom prst="line">
+              <a:avLst/>
+            </a:prstGeom>
+            <a:ln w="12700">
+              <a:solidFill>
+                <a:srgbClr val="BCBCBC">
+                  <a:alpha val="29804"/>
+                </a:srgbClr>
+              </a:solidFill>
+              <a:prstDash val="sysDot"/>
+            </a:ln>
+          </p:spPr>
+          <p:style>
+            <a:lnRef idx="1">
+              <a:schemeClr val="accent1"/>
+            </a:lnRef>
+            <a:fillRef idx="0">
+              <a:schemeClr val="accent1"/>
+            </a:fillRef>
+            <a:effectRef idx="0">
+              <a:schemeClr val="accent1"/>
+            </a:effectRef>
+            <a:fontRef idx="minor">
+              <a:schemeClr val="tx1"/>
+            </a:fontRef>
+          </p:style>
+        </p:cxnSp>
+        <p:cxnSp>
+          <p:nvCxnSpPr>
+            <p:cNvPr id="1126" name="Straight Connector 1125">
+              <a:extLst>
+                <a:ext uri="{FF2B5EF4-FFF2-40B4-BE49-F238E27FC236}">
+                  <a16:creationId xmlns:a16="http://schemas.microsoft.com/office/drawing/2014/main" id="{BE5EC0B9-49C7-4777-AEC5-B5EF8DE40498}"/>
+                </a:ext>
+                <a:ext uri="{C183D7F6-B498-43B3-948B-1728B52AA6E4}">
+                  <adec:decorative xmlns:adec="http://schemas.microsoft.com/office/drawing/2017/decorative" val="1"/>
+                </a:ext>
+              </a:extLst>
+            </p:cNvPr>
+            <p:cNvCxnSpPr>
+              <a:cxnSpLocks/>
+            </p:cNvCxnSpPr>
+            <p:nvPr>
+              <p:extLst>
+                <p:ext uri="{386F3935-93C4-4BCD-93E2-E3B085C9AB24}">
+                  <p16:designElem xmlns:p16="http://schemas.microsoft.com/office/powerpoint/2015/main" val="1"/>
+                </p:ext>
+              </p:extLst>
+            </p:nvPr>
+          </p:nvCxnSpPr>
+          <p:spPr>
+            <a:xfrm>
+              <a:off x="8059680" y="-1"/>
+              <a:ext cx="0" cy="6858000"/>
+            </a:xfrm>
+            <a:prstGeom prst="line">
+              <a:avLst/>
+            </a:prstGeom>
+            <a:ln w="12700">
+              <a:solidFill>
+                <a:srgbClr val="BCBCBC">
+                  <a:alpha val="29804"/>
+                </a:srgbClr>
+              </a:solidFill>
+              <a:prstDash val="sysDot"/>
+            </a:ln>
+          </p:spPr>
+          <p:style>
+            <a:lnRef idx="1">
+              <a:schemeClr val="accent1"/>
+            </a:lnRef>
+            <a:fillRef idx="0">
+              <a:schemeClr val="accent1"/>
+            </a:fillRef>
+            <a:effectRef idx="0">
+              <a:schemeClr val="accent1"/>
+            </a:effectRef>
+            <a:fontRef idx="minor">
+              <a:schemeClr val="tx1"/>
+            </a:fontRef>
+          </p:style>
+        </p:cxnSp>
+        <p:cxnSp>
+          <p:nvCxnSpPr>
+            <p:cNvPr id="1127" name="Straight Connector 1126">
+              <a:extLst>
+                <a:ext uri="{FF2B5EF4-FFF2-40B4-BE49-F238E27FC236}">
+                  <a16:creationId xmlns:a16="http://schemas.microsoft.com/office/drawing/2014/main" id="{7902048B-30F7-4434-87A5-140F9BB4BEB1}"/>
+                </a:ext>
+                <a:ext uri="{C183D7F6-B498-43B3-948B-1728B52AA6E4}">
+                  <adec:decorative xmlns:adec="http://schemas.microsoft.com/office/drawing/2017/decorative" val="1"/>
+                </a:ext>
+              </a:extLst>
+            </p:cNvPr>
+            <p:cNvCxnSpPr>
+              <a:cxnSpLocks/>
+            </p:cNvCxnSpPr>
+            <p:nvPr>
+              <p:extLst>
+                <p:ext uri="{386F3935-93C4-4BCD-93E2-E3B085C9AB24}">
+                  <p16:designElem xmlns:p16="http://schemas.microsoft.com/office/powerpoint/2015/main" val="1"/>
+                </p:ext>
+              </p:extLst>
+            </p:nvPr>
+          </p:nvCxnSpPr>
+          <p:spPr>
+            <a:xfrm>
+              <a:off x="9043074" y="-1"/>
+              <a:ext cx="0" cy="6858000"/>
+            </a:xfrm>
+            <a:prstGeom prst="line">
+              <a:avLst/>
+            </a:prstGeom>
+            <a:ln w="12700">
+              <a:solidFill>
+                <a:srgbClr val="BCBCBC">
+                  <a:alpha val="29804"/>
+                </a:srgbClr>
+              </a:solidFill>
+              <a:prstDash val="sysDot"/>
+            </a:ln>
+          </p:spPr>
+          <p:style>
+            <a:lnRef idx="1">
+              <a:schemeClr val="accent1"/>
+            </a:lnRef>
+            <a:fillRef idx="0">
+              <a:schemeClr val="accent1"/>
+            </a:fillRef>
+            <a:effectRef idx="0">
+              <a:schemeClr val="accent1"/>
+            </a:effectRef>
+            <a:fontRef idx="minor">
+              <a:schemeClr val="tx1"/>
+            </a:fontRef>
+          </p:style>
+        </p:cxnSp>
+        <p:cxnSp>
+          <p:nvCxnSpPr>
+            <p:cNvPr id="1128" name="Straight Connector 1127">
+              <a:extLst>
+                <a:ext uri="{FF2B5EF4-FFF2-40B4-BE49-F238E27FC236}">
+                  <a16:creationId xmlns:a16="http://schemas.microsoft.com/office/drawing/2014/main" id="{0500A6E2-A41C-4751-8A4E-9A0C5718D930}"/>
+                </a:ext>
+                <a:ext uri="{C183D7F6-B498-43B3-948B-1728B52AA6E4}">
+                  <adec:decorative xmlns:adec="http://schemas.microsoft.com/office/drawing/2017/decorative" val="1"/>
+                </a:ext>
+              </a:extLst>
+            </p:cNvPr>
+            <p:cNvCxnSpPr>
+              <a:cxnSpLocks/>
+            </p:cNvCxnSpPr>
+            <p:nvPr>
+              <p:extLst>
+                <p:ext uri="{386F3935-93C4-4BCD-93E2-E3B085C9AB24}">
+                  <p16:designElem xmlns:p16="http://schemas.microsoft.com/office/powerpoint/2015/main" val="1"/>
+                </p:ext>
+              </p:extLst>
+            </p:nvPr>
+          </p:nvCxnSpPr>
+          <p:spPr>
+            <a:xfrm>
+              <a:off x="10026468" y="-1"/>
+              <a:ext cx="0" cy="6858000"/>
+            </a:xfrm>
+            <a:prstGeom prst="line">
+              <a:avLst/>
+            </a:prstGeom>
+            <a:ln w="12700">
+              <a:solidFill>
+                <a:srgbClr val="BCBCBC">
+                  <a:alpha val="29804"/>
+                </a:srgbClr>
+              </a:solidFill>
+              <a:prstDash val="sysDot"/>
+            </a:ln>
+          </p:spPr>
+          <p:style>
+            <a:lnRef idx="1">
+              <a:schemeClr val="accent1"/>
+            </a:lnRef>
+            <a:fillRef idx="0">
+              <a:schemeClr val="accent1"/>
+            </a:fillRef>
+            <a:effectRef idx="0">
+              <a:schemeClr val="accent1"/>
+            </a:effectRef>
+            <a:fontRef idx="minor">
+              <a:schemeClr val="tx1"/>
+            </a:fontRef>
+          </p:style>
+        </p:cxnSp>
+        <p:cxnSp>
+          <p:nvCxnSpPr>
+            <p:cNvPr id="1129" name="Straight Connector 1128">
+              <a:extLst>
+                <a:ext uri="{FF2B5EF4-FFF2-40B4-BE49-F238E27FC236}">
+                  <a16:creationId xmlns:a16="http://schemas.microsoft.com/office/drawing/2014/main" id="{FC259517-7BE7-45F9-81C0-3A6362BF143C}"/>
+                </a:ext>
+                <a:ext uri="{C183D7F6-B498-43B3-948B-1728B52AA6E4}">
+                  <adec:decorative xmlns:adec="http://schemas.microsoft.com/office/drawing/2017/decorative" val="1"/>
+                </a:ext>
+              </a:extLst>
+            </p:cNvPr>
+            <p:cNvCxnSpPr>
+              <a:cxnSpLocks/>
+            </p:cNvCxnSpPr>
+            <p:nvPr>
+              <p:extLst>
+                <p:ext uri="{386F3935-93C4-4BCD-93E2-E3B085C9AB24}">
+                  <p16:designElem xmlns:p16="http://schemas.microsoft.com/office/powerpoint/2015/main" val="1"/>
+                </p:ext>
+              </p:extLst>
+            </p:nvPr>
+          </p:nvCxnSpPr>
+          <p:spPr>
+            <a:xfrm>
+              <a:off x="11009862" y="-1"/>
+              <a:ext cx="0" cy="6858000"/>
+            </a:xfrm>
+            <a:prstGeom prst="line">
+              <a:avLst/>
+            </a:prstGeom>
+            <a:ln w="12700">
+              <a:solidFill>
+                <a:srgbClr val="BCBCBC">
+                  <a:alpha val="29804"/>
+                </a:srgbClr>
+              </a:solidFill>
+              <a:prstDash val="sysDot"/>
+            </a:ln>
+          </p:spPr>
+          <p:style>
+            <a:lnRef idx="1">
+              <a:schemeClr val="accent1"/>
+            </a:lnRef>
+            <a:fillRef idx="0">
+              <a:schemeClr val="accent1"/>
+            </a:fillRef>
+            <a:effectRef idx="0">
+              <a:schemeClr val="accent1"/>
+            </a:effectRef>
+            <a:fontRef idx="minor">
+              <a:schemeClr val="tx1"/>
+            </a:fontRef>
+          </p:style>
+        </p:cxnSp>
+        <p:cxnSp>
+          <p:nvCxnSpPr>
+            <p:cNvPr id="1130" name="Straight Connector 1129">
+              <a:extLst>
+                <a:ext uri="{FF2B5EF4-FFF2-40B4-BE49-F238E27FC236}">
+                  <a16:creationId xmlns:a16="http://schemas.microsoft.com/office/drawing/2014/main" id="{90652F56-7B71-42B2-AB68-22204A6DF177}"/>
+                </a:ext>
+                <a:ext uri="{C183D7F6-B498-43B3-948B-1728B52AA6E4}">
+                  <adec:decorative xmlns:adec="http://schemas.microsoft.com/office/drawing/2017/decorative" val="1"/>
+                </a:ext>
+              </a:extLst>
+            </p:cNvPr>
+            <p:cNvCxnSpPr>
+              <a:cxnSpLocks/>
+            </p:cNvCxnSpPr>
+            <p:nvPr>
+              <p:extLst>
+                <p:ext uri="{386F3935-93C4-4BCD-93E2-E3B085C9AB24}">
+                  <p16:designElem xmlns:p16="http://schemas.microsoft.com/office/powerpoint/2015/main" val="1"/>
+                </p:ext>
+              </p:extLst>
+            </p:nvPr>
+          </p:nvCxnSpPr>
+          <p:spPr>
+            <a:xfrm>
+              <a:off x="12185786" y="-1"/>
+              <a:ext cx="0" cy="6858000"/>
+            </a:xfrm>
+            <a:prstGeom prst="line">
+              <a:avLst/>
+            </a:prstGeom>
+            <a:ln w="12700">
+              <a:solidFill>
+                <a:srgbClr val="BCBCBC">
+                  <a:alpha val="29804"/>
+                </a:srgbClr>
+              </a:solidFill>
+              <a:prstDash val="sysDot"/>
+            </a:ln>
+          </p:spPr>
+          <p:style>
+            <a:lnRef idx="1">
+              <a:schemeClr val="accent1"/>
+            </a:lnRef>
+            <a:fillRef idx="0">
+              <a:schemeClr val="accent1"/>
+            </a:fillRef>
+            <a:effectRef idx="0">
+              <a:schemeClr val="accent1"/>
+            </a:effectRef>
+            <a:fontRef idx="minor">
+              <a:schemeClr val="tx1"/>
+            </a:fontRef>
+          </p:style>
+        </p:cxnSp>
+        <p:cxnSp>
+          <p:nvCxnSpPr>
+            <p:cNvPr id="1131" name="Straight Connector 1130">
+              <a:extLst>
+                <a:ext uri="{FF2B5EF4-FFF2-40B4-BE49-F238E27FC236}">
+                  <a16:creationId xmlns:a16="http://schemas.microsoft.com/office/drawing/2014/main" id="{1059830E-1C3D-4D42-8789-524971CB4657}"/>
+                </a:ext>
+                <a:ext uri="{C183D7F6-B498-43B3-948B-1728B52AA6E4}">
+                  <adec:decorative xmlns:adec="http://schemas.microsoft.com/office/drawing/2017/decorative" val="1"/>
+                </a:ext>
+              </a:extLst>
+            </p:cNvPr>
+            <p:cNvCxnSpPr>
+              <a:cxnSpLocks/>
+            </p:cNvCxnSpPr>
+            <p:nvPr>
+              <p:extLst>
+                <p:ext uri="{386F3935-93C4-4BCD-93E2-E3B085C9AB24}">
+                  <p16:designElem xmlns:p16="http://schemas.microsoft.com/office/powerpoint/2015/main" val="1"/>
+                </p:ext>
+              </p:extLst>
+            </p:nvPr>
+          </p:nvCxnSpPr>
+          <p:spPr>
+            <a:xfrm>
+              <a:off x="0" y="171716"/>
+              <a:ext cx="12192000" cy="0"/>
+            </a:xfrm>
+            <a:prstGeom prst="line">
+              <a:avLst/>
+            </a:prstGeom>
+            <a:ln w="12700">
+              <a:solidFill>
+                <a:srgbClr val="BCBCBC">
+                  <a:alpha val="29804"/>
+                </a:srgbClr>
+              </a:solidFill>
+              <a:prstDash val="sysDot"/>
+            </a:ln>
+          </p:spPr>
+          <p:style>
+            <a:lnRef idx="1">
+              <a:schemeClr val="accent1"/>
+            </a:lnRef>
+            <a:fillRef idx="0">
+              <a:schemeClr val="accent1"/>
+            </a:fillRef>
+            <a:effectRef idx="0">
+              <a:schemeClr val="accent1"/>
+            </a:effectRef>
+            <a:fontRef idx="minor">
+              <a:schemeClr val="tx1"/>
+            </a:fontRef>
+          </p:style>
+        </p:cxnSp>
+        <p:cxnSp>
+          <p:nvCxnSpPr>
+            <p:cNvPr id="1132" name="Straight Connector 1131">
+              <a:extLst>
+                <a:ext uri="{FF2B5EF4-FFF2-40B4-BE49-F238E27FC236}">
+                  <a16:creationId xmlns:a16="http://schemas.microsoft.com/office/drawing/2014/main" id="{B53325A7-86D3-4B52-A7E3-ADDF408B4067}"/>
+                </a:ext>
+                <a:ext uri="{C183D7F6-B498-43B3-948B-1728B52AA6E4}">
+                  <adec:decorative xmlns:adec="http://schemas.microsoft.com/office/drawing/2017/decorative" val="1"/>
+                </a:ext>
+              </a:extLst>
+            </p:cNvPr>
+            <p:cNvCxnSpPr>
+              <a:cxnSpLocks/>
+            </p:cNvCxnSpPr>
+            <p:nvPr>
+              <p:extLst>
+                <p:ext uri="{386F3935-93C4-4BCD-93E2-E3B085C9AB24}">
+                  <p16:designElem xmlns:p16="http://schemas.microsoft.com/office/powerpoint/2015/main" val="1"/>
+                </p:ext>
+              </p:extLst>
+            </p:nvPr>
+          </p:nvCxnSpPr>
+          <p:spPr>
+            <a:xfrm>
+              <a:off x="0" y="714597"/>
+              <a:ext cx="12192000" cy="0"/>
+            </a:xfrm>
+            <a:prstGeom prst="line">
+              <a:avLst/>
+            </a:prstGeom>
+            <a:ln w="12700">
+              <a:solidFill>
+                <a:srgbClr val="BCBCBC">
+                  <a:alpha val="29804"/>
+                </a:srgbClr>
+              </a:solidFill>
+              <a:prstDash val="sysDot"/>
+            </a:ln>
+          </p:spPr>
+          <p:style>
+            <a:lnRef idx="1">
+              <a:schemeClr val="accent1"/>
+            </a:lnRef>
+            <a:fillRef idx="0">
+              <a:schemeClr val="accent1"/>
+            </a:fillRef>
+            <a:effectRef idx="0">
+              <a:schemeClr val="accent1"/>
+            </a:effectRef>
+            <a:fontRef idx="minor">
+              <a:schemeClr val="tx1"/>
+            </a:fontRef>
+          </p:style>
+        </p:cxnSp>
+        <p:cxnSp>
+          <p:nvCxnSpPr>
+            <p:cNvPr id="1133" name="Straight Connector 1132">
+              <a:extLst>
+                <a:ext uri="{FF2B5EF4-FFF2-40B4-BE49-F238E27FC236}">
+                  <a16:creationId xmlns:a16="http://schemas.microsoft.com/office/drawing/2014/main" id="{6D53F46F-EC12-484C-A4E7-791E57687AC1}"/>
+                </a:ext>
+                <a:ext uri="{C183D7F6-B498-43B3-948B-1728B52AA6E4}">
+                  <adec:decorative xmlns:adec="http://schemas.microsoft.com/office/drawing/2017/decorative" val="1"/>
+                </a:ext>
+              </a:extLst>
+            </p:cNvPr>
+            <p:cNvCxnSpPr>
+              <a:cxnSpLocks/>
+            </p:cNvCxnSpPr>
+            <p:nvPr>
+              <p:extLst>
+                <p:ext uri="{386F3935-93C4-4BCD-93E2-E3B085C9AB24}">
+                  <p16:designElem xmlns:p16="http://schemas.microsoft.com/office/powerpoint/2015/main" val="1"/>
+                </p:ext>
+              </p:extLst>
+            </p:nvPr>
+          </p:nvCxnSpPr>
+          <p:spPr>
+            <a:xfrm>
+              <a:off x="0" y="1257478"/>
+              <a:ext cx="12192000" cy="0"/>
+            </a:xfrm>
+            <a:prstGeom prst="line">
+              <a:avLst/>
+            </a:prstGeom>
+            <a:ln w="12700">
+              <a:solidFill>
+                <a:srgbClr val="BCBCBC">
+                  <a:alpha val="29804"/>
+                </a:srgbClr>
+              </a:solidFill>
+              <a:prstDash val="sysDot"/>
+            </a:ln>
+          </p:spPr>
+          <p:style>
+            <a:lnRef idx="1">
+              <a:schemeClr val="accent1"/>
+            </a:lnRef>
+            <a:fillRef idx="0">
+              <a:schemeClr val="accent1"/>
+            </a:fillRef>
+            <a:effectRef idx="0">
+              <a:schemeClr val="accent1"/>
+            </a:effectRef>
+            <a:fontRef idx="minor">
+              <a:schemeClr val="tx1"/>
+            </a:fontRef>
+          </p:style>
+        </p:cxnSp>
+        <p:cxnSp>
+          <p:nvCxnSpPr>
+            <p:cNvPr id="1134" name="Straight Connector 1133">
+              <a:extLst>
+                <a:ext uri="{FF2B5EF4-FFF2-40B4-BE49-F238E27FC236}">
+                  <a16:creationId xmlns:a16="http://schemas.microsoft.com/office/drawing/2014/main" id="{464ED9CA-8950-47B8-A9ED-22B45CE15FBC}"/>
+                </a:ext>
+                <a:ext uri="{C183D7F6-B498-43B3-948B-1728B52AA6E4}">
+                  <adec:decorative xmlns:adec="http://schemas.microsoft.com/office/drawing/2017/decorative" val="1"/>
+                </a:ext>
+              </a:extLst>
+            </p:cNvPr>
+            <p:cNvCxnSpPr>
+              <a:cxnSpLocks/>
+            </p:cNvCxnSpPr>
+            <p:nvPr>
+              <p:extLst>
+                <p:ext uri="{386F3935-93C4-4BCD-93E2-E3B085C9AB24}">
+                  <p16:designElem xmlns:p16="http://schemas.microsoft.com/office/powerpoint/2015/main" val="1"/>
+                </p:ext>
+              </p:extLst>
+            </p:nvPr>
+          </p:nvCxnSpPr>
+          <p:spPr>
+            <a:xfrm>
+              <a:off x="0" y="1800359"/>
+              <a:ext cx="12192000" cy="0"/>
+            </a:xfrm>
+            <a:prstGeom prst="line">
+              <a:avLst/>
+            </a:prstGeom>
+            <a:ln w="12700">
+              <a:solidFill>
+                <a:srgbClr val="BCBCBC">
+                  <a:alpha val="29804"/>
+                </a:srgbClr>
+              </a:solidFill>
+              <a:prstDash val="sysDot"/>
+            </a:ln>
+          </p:spPr>
+          <p:style>
+            <a:lnRef idx="1">
+              <a:schemeClr val="accent1"/>
+            </a:lnRef>
+            <a:fillRef idx="0">
+              <a:schemeClr val="accent1"/>
+            </a:fillRef>
+            <a:effectRef idx="0">
+              <a:schemeClr val="accent1"/>
+            </a:effectRef>
+            <a:fontRef idx="minor">
+              <a:schemeClr val="tx1"/>
+            </a:fontRef>
+          </p:style>
+        </p:cxnSp>
+        <p:cxnSp>
+          <p:nvCxnSpPr>
+            <p:cNvPr id="1135" name="Straight Connector 1134">
+              <a:extLst>
+                <a:ext uri="{FF2B5EF4-FFF2-40B4-BE49-F238E27FC236}">
+                  <a16:creationId xmlns:a16="http://schemas.microsoft.com/office/drawing/2014/main" id="{E4429F7B-9FD7-438F-8ECA-3FCAD0061805}"/>
+                </a:ext>
+                <a:ext uri="{C183D7F6-B498-43B3-948B-1728B52AA6E4}">
+                  <adec:decorative xmlns:adec="http://schemas.microsoft.com/office/drawing/2017/decorative" val="1"/>
+                </a:ext>
+              </a:extLst>
+            </p:cNvPr>
+            <p:cNvCxnSpPr>
+              <a:cxnSpLocks/>
+            </p:cNvCxnSpPr>
+            <p:nvPr>
+              <p:extLst>
+                <p:ext uri="{386F3935-93C4-4BCD-93E2-E3B085C9AB24}">
+                  <p16:designElem xmlns:p16="http://schemas.microsoft.com/office/powerpoint/2015/main" val="1"/>
+                </p:ext>
+              </p:extLst>
+            </p:nvPr>
+          </p:nvCxnSpPr>
+          <p:spPr>
+            <a:xfrm>
+              <a:off x="0" y="2343240"/>
+              <a:ext cx="12192000" cy="0"/>
+            </a:xfrm>
+            <a:prstGeom prst="line">
+              <a:avLst/>
+            </a:prstGeom>
+            <a:ln w="12700">
+              <a:solidFill>
+                <a:srgbClr val="BCBCBC">
+                  <a:alpha val="29804"/>
+                </a:srgbClr>
+              </a:solidFill>
+              <a:prstDash val="sysDot"/>
+            </a:ln>
+          </p:spPr>
+          <p:style>
+            <a:lnRef idx="1">
+              <a:schemeClr val="accent1"/>
+            </a:lnRef>
+            <a:fillRef idx="0">
+              <a:schemeClr val="accent1"/>
+            </a:fillRef>
+            <a:effectRef idx="0">
+              <a:schemeClr val="accent1"/>
+            </a:effectRef>
+            <a:fontRef idx="minor">
+              <a:schemeClr val="tx1"/>
+            </a:fontRef>
+          </p:style>
+        </p:cxnSp>
+        <p:cxnSp>
+          <p:nvCxnSpPr>
+            <p:cNvPr id="1136" name="Straight Connector 1135">
+              <a:extLst>
+                <a:ext uri="{FF2B5EF4-FFF2-40B4-BE49-F238E27FC236}">
+                  <a16:creationId xmlns:a16="http://schemas.microsoft.com/office/drawing/2014/main" id="{0C558100-D455-4B41-890C-BCC898B2D165}"/>
+                </a:ext>
+                <a:ext uri="{C183D7F6-B498-43B3-948B-1728B52AA6E4}">
+                  <adec:decorative xmlns:adec="http://schemas.microsoft.com/office/drawing/2017/decorative" val="1"/>
+                </a:ext>
+              </a:extLst>
+            </p:cNvPr>
+            <p:cNvCxnSpPr>
+              <a:cxnSpLocks/>
+            </p:cNvCxnSpPr>
+            <p:nvPr>
+              <p:extLst>
+                <p:ext uri="{386F3935-93C4-4BCD-93E2-E3B085C9AB24}">
+                  <p16:designElem xmlns:p16="http://schemas.microsoft.com/office/powerpoint/2015/main" val="1"/>
+                </p:ext>
+              </p:extLst>
+            </p:nvPr>
+          </p:nvCxnSpPr>
+          <p:spPr>
+            <a:xfrm>
+              <a:off x="0" y="2886121"/>
+              <a:ext cx="12192000" cy="0"/>
+            </a:xfrm>
+            <a:prstGeom prst="line">
+              <a:avLst/>
+            </a:prstGeom>
+            <a:ln w="12700">
+              <a:solidFill>
+                <a:srgbClr val="BCBCBC">
+                  <a:alpha val="29804"/>
+                </a:srgbClr>
+              </a:solidFill>
+              <a:prstDash val="sysDot"/>
+            </a:ln>
+          </p:spPr>
+          <p:style>
+            <a:lnRef idx="1">
+              <a:schemeClr val="accent1"/>
+            </a:lnRef>
+            <a:fillRef idx="0">
+              <a:schemeClr val="accent1"/>
+            </a:fillRef>
+            <a:effectRef idx="0">
+              <a:schemeClr val="accent1"/>
+            </a:effectRef>
+            <a:fontRef idx="minor">
+              <a:schemeClr val="tx1"/>
+            </a:fontRef>
+          </p:style>
+        </p:cxnSp>
+        <p:cxnSp>
+          <p:nvCxnSpPr>
+            <p:cNvPr id="1137" name="Straight Connector 1136">
+              <a:extLst>
+                <a:ext uri="{FF2B5EF4-FFF2-40B4-BE49-F238E27FC236}">
+                  <a16:creationId xmlns:a16="http://schemas.microsoft.com/office/drawing/2014/main" id="{F2886397-398A-4318-BE16-2CBAC1902F9E}"/>
+                </a:ext>
+                <a:ext uri="{C183D7F6-B498-43B3-948B-1728B52AA6E4}">
+                  <adec:decorative xmlns:adec="http://schemas.microsoft.com/office/drawing/2017/decorative" val="1"/>
+                </a:ext>
+              </a:extLst>
+            </p:cNvPr>
+            <p:cNvCxnSpPr>
+              <a:cxnSpLocks/>
+            </p:cNvCxnSpPr>
+            <p:nvPr>
+              <p:extLst>
+                <p:ext uri="{386F3935-93C4-4BCD-93E2-E3B085C9AB24}">
+                  <p16:designElem xmlns:p16="http://schemas.microsoft.com/office/powerpoint/2015/main" val="1"/>
+                </p:ext>
+              </p:extLst>
+            </p:nvPr>
+          </p:nvCxnSpPr>
+          <p:spPr>
+            <a:xfrm>
+              <a:off x="0" y="3429002"/>
+              <a:ext cx="12192000" cy="0"/>
+            </a:xfrm>
+            <a:prstGeom prst="line">
+              <a:avLst/>
+            </a:prstGeom>
+            <a:ln w="12700">
+              <a:solidFill>
+                <a:srgbClr val="BCBCBC">
+                  <a:alpha val="29804"/>
+                </a:srgbClr>
+              </a:solidFill>
+              <a:prstDash val="sysDot"/>
+            </a:ln>
+          </p:spPr>
+          <p:style>
+            <a:lnRef idx="1">
+              <a:schemeClr val="accent1"/>
+            </a:lnRef>
+            <a:fillRef idx="0">
+              <a:schemeClr val="accent1"/>
+            </a:fillRef>
+            <a:effectRef idx="0">
+              <a:schemeClr val="accent1"/>
+            </a:effectRef>
+            <a:fontRef idx="minor">
+              <a:schemeClr val="tx1"/>
+            </a:fontRef>
+          </p:style>
+        </p:cxnSp>
+        <p:cxnSp>
+          <p:nvCxnSpPr>
+            <p:cNvPr id="1138" name="Straight Connector 1137">
+              <a:extLst>
+                <a:ext uri="{FF2B5EF4-FFF2-40B4-BE49-F238E27FC236}">
+                  <a16:creationId xmlns:a16="http://schemas.microsoft.com/office/drawing/2014/main" id="{7D32A3A6-CE6E-4ABD-8522-2C8DC88C070E}"/>
+                </a:ext>
+                <a:ext uri="{C183D7F6-B498-43B3-948B-1728B52AA6E4}">
+                  <adec:decorative xmlns:adec="http://schemas.microsoft.com/office/drawing/2017/decorative" val="1"/>
+                </a:ext>
+              </a:extLst>
+            </p:cNvPr>
+            <p:cNvCxnSpPr>
+              <a:cxnSpLocks/>
+            </p:cNvCxnSpPr>
+            <p:nvPr>
+              <p:extLst>
+                <p:ext uri="{386F3935-93C4-4BCD-93E2-E3B085C9AB24}">
+                  <p16:designElem xmlns:p16="http://schemas.microsoft.com/office/powerpoint/2015/main" val="1"/>
+                </p:ext>
+              </p:extLst>
+            </p:nvPr>
+          </p:nvCxnSpPr>
+          <p:spPr>
+            <a:xfrm>
+              <a:off x="0" y="3971883"/>
+              <a:ext cx="12192000" cy="0"/>
+            </a:xfrm>
+            <a:prstGeom prst="line">
+              <a:avLst/>
+            </a:prstGeom>
+            <a:ln w="12700">
+              <a:solidFill>
+                <a:srgbClr val="BCBCBC">
+                  <a:alpha val="29804"/>
+                </a:srgbClr>
+              </a:solidFill>
+              <a:prstDash val="sysDot"/>
+            </a:ln>
+          </p:spPr>
+          <p:style>
+            <a:lnRef idx="1">
+              <a:schemeClr val="accent1"/>
+            </a:lnRef>
+            <a:fillRef idx="0">
+              <a:schemeClr val="accent1"/>
+            </a:fillRef>
+            <a:effectRef idx="0">
+              <a:schemeClr val="accent1"/>
+            </a:effectRef>
+            <a:fontRef idx="minor">
+              <a:schemeClr val="tx1"/>
+            </a:fontRef>
+          </p:style>
+        </p:cxnSp>
+        <p:cxnSp>
+          <p:nvCxnSpPr>
+            <p:cNvPr id="1139" name="Straight Connector 1138">
+              <a:extLst>
+                <a:ext uri="{FF2B5EF4-FFF2-40B4-BE49-F238E27FC236}">
+                  <a16:creationId xmlns:a16="http://schemas.microsoft.com/office/drawing/2014/main" id="{F9014C09-5B84-4798-8BDE-C80D76E67B8E}"/>
+                </a:ext>
+                <a:ext uri="{C183D7F6-B498-43B3-948B-1728B52AA6E4}">
+                  <adec:decorative xmlns:adec="http://schemas.microsoft.com/office/drawing/2017/decorative" val="1"/>
+                </a:ext>
+              </a:extLst>
+            </p:cNvPr>
+            <p:cNvCxnSpPr>
+              <a:cxnSpLocks/>
+            </p:cNvCxnSpPr>
+            <p:nvPr>
+              <p:extLst>
+                <p:ext uri="{386F3935-93C4-4BCD-93E2-E3B085C9AB24}">
+                  <p16:designElem xmlns:p16="http://schemas.microsoft.com/office/powerpoint/2015/main" val="1"/>
+                </p:ext>
+              </p:extLst>
+            </p:nvPr>
+          </p:nvCxnSpPr>
+          <p:spPr>
+            <a:xfrm>
+              <a:off x="0" y="4514764"/>
+              <a:ext cx="12192000" cy="0"/>
+            </a:xfrm>
+            <a:prstGeom prst="line">
+              <a:avLst/>
+            </a:prstGeom>
+            <a:ln w="12700">
+              <a:solidFill>
+                <a:srgbClr val="BCBCBC">
+                  <a:alpha val="29804"/>
+                </a:srgbClr>
+              </a:solidFill>
+              <a:prstDash val="sysDot"/>
+            </a:ln>
+          </p:spPr>
+          <p:style>
+            <a:lnRef idx="1">
+              <a:schemeClr val="accent1"/>
+            </a:lnRef>
+            <a:fillRef idx="0">
+              <a:schemeClr val="accent1"/>
+            </a:fillRef>
+            <a:effectRef idx="0">
+              <a:schemeClr val="accent1"/>
+            </a:effectRef>
+            <a:fontRef idx="minor">
+              <a:schemeClr val="tx1"/>
+            </a:fontRef>
+          </p:style>
+        </p:cxnSp>
+        <p:cxnSp>
+          <p:nvCxnSpPr>
+            <p:cNvPr id="1140" name="Straight Connector 1139">
+              <a:extLst>
+                <a:ext uri="{FF2B5EF4-FFF2-40B4-BE49-F238E27FC236}">
+                  <a16:creationId xmlns:a16="http://schemas.microsoft.com/office/drawing/2014/main" id="{2A29EB9E-ED9D-4C69-8A26-9A7A0A830569}"/>
+                </a:ext>
+                <a:ext uri="{C183D7F6-B498-43B3-948B-1728B52AA6E4}">
+                  <adec:decorative xmlns:adec="http://schemas.microsoft.com/office/drawing/2017/decorative" val="1"/>
+                </a:ext>
+              </a:extLst>
+            </p:cNvPr>
+            <p:cNvCxnSpPr>
+              <a:cxnSpLocks/>
+            </p:cNvCxnSpPr>
+            <p:nvPr>
+              <p:extLst>
+                <p:ext uri="{386F3935-93C4-4BCD-93E2-E3B085C9AB24}">
+                  <p16:designElem xmlns:p16="http://schemas.microsoft.com/office/powerpoint/2015/main" val="1"/>
+                </p:ext>
+              </p:extLst>
+            </p:nvPr>
+          </p:nvCxnSpPr>
+          <p:spPr>
+            <a:xfrm>
+              <a:off x="0" y="5057645"/>
+              <a:ext cx="12192000" cy="0"/>
+            </a:xfrm>
+            <a:prstGeom prst="line">
+              <a:avLst/>
+            </a:prstGeom>
+            <a:ln w="12700">
+              <a:solidFill>
+                <a:srgbClr val="BCBCBC">
+                  <a:alpha val="29804"/>
+                </a:srgbClr>
+              </a:solidFill>
+              <a:prstDash val="sysDot"/>
+            </a:ln>
+          </p:spPr>
+          <p:style>
+            <a:lnRef idx="1">
+              <a:schemeClr val="accent1"/>
+            </a:lnRef>
+            <a:fillRef idx="0">
+              <a:schemeClr val="accent1"/>
+            </a:fillRef>
+            <a:effectRef idx="0">
+              <a:schemeClr val="accent1"/>
+            </a:effectRef>
+            <a:fontRef idx="minor">
+              <a:schemeClr val="tx1"/>
+            </a:fontRef>
+          </p:style>
+        </p:cxnSp>
+        <p:cxnSp>
+          <p:nvCxnSpPr>
+            <p:cNvPr id="1141" name="Straight Connector 1140">
+              <a:extLst>
+                <a:ext uri="{FF2B5EF4-FFF2-40B4-BE49-F238E27FC236}">
+                  <a16:creationId xmlns:a16="http://schemas.microsoft.com/office/drawing/2014/main" id="{AA2899F9-1795-416F-8F3D-26EEB684DB6A}"/>
+                </a:ext>
+                <a:ext uri="{C183D7F6-B498-43B3-948B-1728B52AA6E4}">
+                  <adec:decorative xmlns:adec="http://schemas.microsoft.com/office/drawing/2017/decorative" val="1"/>
+                </a:ext>
+              </a:extLst>
+            </p:cNvPr>
+            <p:cNvCxnSpPr>
+              <a:cxnSpLocks/>
+            </p:cNvCxnSpPr>
+            <p:nvPr>
+              <p:extLst>
+                <p:ext uri="{386F3935-93C4-4BCD-93E2-E3B085C9AB24}">
+                  <p16:designElem xmlns:p16="http://schemas.microsoft.com/office/powerpoint/2015/main" val="1"/>
+                </p:ext>
+              </p:extLst>
+            </p:nvPr>
+          </p:nvCxnSpPr>
+          <p:spPr>
+            <a:xfrm>
+              <a:off x="0" y="5600526"/>
+              <a:ext cx="12192000" cy="0"/>
+            </a:xfrm>
+            <a:prstGeom prst="line">
+              <a:avLst/>
+            </a:prstGeom>
+            <a:ln w="12700">
+              <a:solidFill>
+                <a:srgbClr val="BCBCBC">
+                  <a:alpha val="29804"/>
+                </a:srgbClr>
+              </a:solidFill>
+              <a:prstDash val="sysDot"/>
+            </a:ln>
+          </p:spPr>
+          <p:style>
+            <a:lnRef idx="1">
+              <a:schemeClr val="accent1"/>
+            </a:lnRef>
+            <a:fillRef idx="0">
+              <a:schemeClr val="accent1"/>
+            </a:fillRef>
+            <a:effectRef idx="0">
+              <a:schemeClr val="accent1"/>
+            </a:effectRef>
+            <a:fontRef idx="minor">
+              <a:schemeClr val="tx1"/>
+            </a:fontRef>
+          </p:style>
+        </p:cxnSp>
+        <p:cxnSp>
+          <p:nvCxnSpPr>
+            <p:cNvPr id="1142" name="Straight Connector 1141">
+              <a:extLst>
+                <a:ext uri="{FF2B5EF4-FFF2-40B4-BE49-F238E27FC236}">
+                  <a16:creationId xmlns:a16="http://schemas.microsoft.com/office/drawing/2014/main" id="{E3043474-8625-495C-BD06-3627FD286C55}"/>
+                </a:ext>
+                <a:ext uri="{C183D7F6-B498-43B3-948B-1728B52AA6E4}">
+                  <adec:decorative xmlns:adec="http://schemas.microsoft.com/office/drawing/2017/decorative" val="1"/>
+                </a:ext>
+              </a:extLst>
+            </p:cNvPr>
+            <p:cNvCxnSpPr>
+              <a:cxnSpLocks/>
+            </p:cNvCxnSpPr>
+            <p:nvPr>
+              <p:extLst>
+                <p:ext uri="{386F3935-93C4-4BCD-93E2-E3B085C9AB24}">
+                  <p16:designElem xmlns:p16="http://schemas.microsoft.com/office/powerpoint/2015/main" val="1"/>
+                </p:ext>
+              </p:extLst>
+            </p:nvPr>
+          </p:nvCxnSpPr>
+          <p:spPr>
+            <a:xfrm>
+              <a:off x="0" y="6857999"/>
+              <a:ext cx="12192000" cy="0"/>
+            </a:xfrm>
+            <a:prstGeom prst="line">
+              <a:avLst/>
+            </a:prstGeom>
+            <a:ln w="12700">
+              <a:solidFill>
+                <a:srgbClr val="BCBCBC">
+                  <a:alpha val="29804"/>
+                </a:srgbClr>
+              </a:solidFill>
+              <a:prstDash val="sysDot"/>
+            </a:ln>
+          </p:spPr>
+          <p:style>
+            <a:lnRef idx="1">
+              <a:schemeClr val="accent1"/>
+            </a:lnRef>
+            <a:fillRef idx="0">
+              <a:schemeClr val="accent1"/>
+            </a:fillRef>
+            <a:effectRef idx="0">
+              <a:schemeClr val="accent1"/>
+            </a:effectRef>
+            <a:fontRef idx="minor">
+              <a:schemeClr val="tx1"/>
+            </a:fontRef>
+          </p:style>
+        </p:cxnSp>
+        <p:cxnSp>
+          <p:nvCxnSpPr>
+            <p:cNvPr id="1143" name="Straight Connector 1142">
+              <a:extLst>
+                <a:ext uri="{FF2B5EF4-FFF2-40B4-BE49-F238E27FC236}">
+                  <a16:creationId xmlns:a16="http://schemas.microsoft.com/office/drawing/2014/main" id="{D432CE47-7631-408E-8DDC-79EE378B707B}"/>
+                </a:ext>
+                <a:ext uri="{C183D7F6-B498-43B3-948B-1728B52AA6E4}">
+                  <adec:decorative xmlns:adec="http://schemas.microsoft.com/office/drawing/2017/decorative" val="1"/>
+                </a:ext>
+              </a:extLst>
+            </p:cNvPr>
+            <p:cNvCxnSpPr>
+              <a:cxnSpLocks/>
+            </p:cNvCxnSpPr>
+            <p:nvPr>
+              <p:extLst>
+                <p:ext uri="{386F3935-93C4-4BCD-93E2-E3B085C9AB24}">
+                  <p16:designElem xmlns:p16="http://schemas.microsoft.com/office/powerpoint/2015/main" val="1"/>
+                </p:ext>
+              </p:extLst>
+            </p:nvPr>
+          </p:nvCxnSpPr>
+          <p:spPr>
+            <a:xfrm>
+              <a:off x="16613" y="6143407"/>
+              <a:ext cx="12192000" cy="0"/>
+            </a:xfrm>
+            <a:prstGeom prst="line">
+              <a:avLst/>
+            </a:prstGeom>
+            <a:ln w="12700">
+              <a:solidFill>
+                <a:srgbClr val="BCBCBC">
+                  <a:alpha val="29804"/>
+                </a:srgbClr>
+              </a:solidFill>
+              <a:prstDash val="sysDot"/>
+            </a:ln>
+          </p:spPr>
+          <p:style>
+            <a:lnRef idx="1">
+              <a:schemeClr val="accent1"/>
+            </a:lnRef>
+            <a:fillRef idx="0">
+              <a:schemeClr val="accent1"/>
+            </a:fillRef>
+            <a:effectRef idx="0">
+              <a:schemeClr val="accent1"/>
+            </a:effectRef>
+            <a:fontRef idx="minor">
+              <a:schemeClr val="tx1"/>
+            </a:fontRef>
+          </p:style>
+        </p:cxnSp>
+        <p:cxnSp>
+          <p:nvCxnSpPr>
+            <p:cNvPr id="1144" name="Straight Connector 1143">
+              <a:extLst>
+                <a:ext uri="{FF2B5EF4-FFF2-40B4-BE49-F238E27FC236}">
+                  <a16:creationId xmlns:a16="http://schemas.microsoft.com/office/drawing/2014/main" id="{B2C8832D-8B8D-4036-B913-2D363143274B}"/>
+                </a:ext>
+                <a:ext uri="{C183D7F6-B498-43B3-948B-1728B52AA6E4}">
+                  <adec:decorative xmlns:adec="http://schemas.microsoft.com/office/drawing/2017/decorative" val="1"/>
+                </a:ext>
+              </a:extLst>
+            </p:cNvPr>
+            <p:cNvCxnSpPr>
+              <a:cxnSpLocks/>
+            </p:cNvCxnSpPr>
+            <p:nvPr>
+              <p:extLst>
+                <p:ext uri="{386F3935-93C4-4BCD-93E2-E3B085C9AB24}">
+                  <p16:designElem xmlns:p16="http://schemas.microsoft.com/office/powerpoint/2015/main" val="1"/>
+                </p:ext>
+              </p:extLst>
+            </p:nvPr>
+          </p:nvCxnSpPr>
+          <p:spPr>
+            <a:xfrm>
+              <a:off x="684225" y="171716"/>
+              <a:ext cx="0" cy="6511464"/>
+            </a:xfrm>
+            <a:prstGeom prst="line">
+              <a:avLst/>
+            </a:prstGeom>
+            <a:ln w="12700">
+              <a:solidFill>
+                <a:srgbClr val="BCBCBC">
+                  <a:alpha val="29804"/>
+                </a:srgbClr>
+              </a:solidFill>
+              <a:prstDash val="sysDot"/>
+            </a:ln>
+          </p:spPr>
+          <p:style>
+            <a:lnRef idx="1">
+              <a:schemeClr val="accent1"/>
+            </a:lnRef>
+            <a:fillRef idx="0">
+              <a:schemeClr val="accent1"/>
+            </a:fillRef>
+            <a:effectRef idx="0">
+              <a:schemeClr val="accent1"/>
+            </a:effectRef>
+            <a:fontRef idx="minor">
+              <a:schemeClr val="tx1"/>
+            </a:fontRef>
+          </p:style>
+        </p:cxnSp>
+        <p:cxnSp>
+          <p:nvCxnSpPr>
+            <p:cNvPr id="1145" name="Straight Connector 1144">
+              <a:extLst>
+                <a:ext uri="{FF2B5EF4-FFF2-40B4-BE49-F238E27FC236}">
+                  <a16:creationId xmlns:a16="http://schemas.microsoft.com/office/drawing/2014/main" id="{1CCEFEAF-E87B-4FF2-A947-94CABAA0610D}"/>
+                </a:ext>
+                <a:ext uri="{C183D7F6-B498-43B3-948B-1728B52AA6E4}">
+                  <adec:decorative xmlns:adec="http://schemas.microsoft.com/office/drawing/2017/decorative" val="1"/>
+                </a:ext>
+              </a:extLst>
+            </p:cNvPr>
+            <p:cNvCxnSpPr>
+              <a:cxnSpLocks/>
+            </p:cNvCxnSpPr>
+            <p:nvPr>
+              <p:extLst>
+                <p:ext uri="{386F3935-93C4-4BCD-93E2-E3B085C9AB24}">
+                  <p16:designElem xmlns:p16="http://schemas.microsoft.com/office/powerpoint/2015/main" val="1"/>
+                </p:ext>
+              </p:extLst>
+            </p:nvPr>
+          </p:nvCxnSpPr>
+          <p:spPr>
+            <a:xfrm>
+              <a:off x="11508412" y="173267"/>
+              <a:ext cx="0" cy="6511464"/>
+            </a:xfrm>
+            <a:prstGeom prst="line">
+              <a:avLst/>
+            </a:prstGeom>
+            <a:ln w="12700">
+              <a:solidFill>
+                <a:srgbClr val="BCBCBC">
+                  <a:alpha val="29804"/>
+                </a:srgbClr>
+              </a:solidFill>
+              <a:prstDash val="sysDot"/>
+            </a:ln>
+          </p:spPr>
+          <p:style>
+            <a:lnRef idx="1">
+              <a:schemeClr val="accent1"/>
+            </a:lnRef>
+            <a:fillRef idx="0">
+              <a:schemeClr val="accent1"/>
+            </a:fillRef>
+            <a:effectRef idx="0">
+              <a:schemeClr val="accent1"/>
+            </a:effectRef>
+            <a:fontRef idx="minor">
+              <a:schemeClr val="tx1"/>
+            </a:fontRef>
+          </p:style>
+        </p:cxnSp>
+      </p:grpSp>
+      <p:sp>
+        <p:nvSpPr>
+          <p:cNvPr id="1147" name="Right Triangle 1146">
+            <a:extLst>
+              <a:ext uri="{FF2B5EF4-FFF2-40B4-BE49-F238E27FC236}">
+                <a16:creationId xmlns:a16="http://schemas.microsoft.com/office/drawing/2014/main" id="{2437C4A8-8E3A-4ADA-93B9-64737CE1ABB1}"/>
+              </a:ext>
+              <a:ext uri="{C183D7F6-B498-43B3-948B-1728B52AA6E4}">
+                <adec:decorative xmlns:adec="http://schemas.microsoft.com/office/drawing/2017/decorative" val="1"/>
+              </a:ext>
+            </a:extLst>
+          </p:cNvPr>
+          <p:cNvSpPr>
+            <a:spLocks noGrp="1" noRot="1" noChangeAspect="1" noMove="1" noResize="1" noEditPoints="1" noAdjustHandles="1" noChangeArrowheads="1" noChangeShapeType="1" noTextEdit="1"/>
+          </p:cNvSpPr>
+          <p:nvPr>
+            <p:extLst>
+              <p:ext uri="{386F3935-93C4-4BCD-93E2-E3B085C9AB24}">
+                <p16:designElem xmlns:p16="http://schemas.microsoft.com/office/powerpoint/2015/main" val="1"/>
+              </p:ext>
+            </p:extLst>
+          </p:nvPr>
+        </p:nvSpPr>
+        <p:spPr>
+          <a:xfrm rot="13500000">
+            <a:off x="-281093" y="2607907"/>
+            <a:ext cx="568289" cy="568289"/>
+          </a:xfrm>
+          <a:prstGeom prst="rtTriangle">
+            <a:avLst/>
+          </a:prstGeom>
+          <a:solidFill>
+            <a:schemeClr val="accent1">
+              <a:alpha val="50000"/>
+            </a:schemeClr>
+          </a:solidFill>
+          <a:ln>
+            <a:noFill/>
+          </a:ln>
+        </p:spPr>
+        <p:style>
+          <a:lnRef idx="2">
+            <a:schemeClr val="accent1">
+              <a:shade val="50000"/>
+            </a:schemeClr>
+          </a:lnRef>
+          <a:fillRef idx="1">
+            <a:schemeClr val="accent1"/>
+          </a:fillRef>
+          <a:effectRef idx="0">
+            <a:schemeClr val="accent1"/>
+          </a:effectRef>
+          <a:fontRef idx="minor">
+            <a:schemeClr val="lt1"/>
+          </a:fontRef>
+        </p:style>
+        <p:txBody>
+          <a:bodyPr rtlCol="0" anchor="ctr"/>
+          <a:lstStyle/>
+          <a:p>
+            <a:pPr algn="ctr"/>
+            <a:endParaRPr lang="en-US">
+              <a:solidFill>
+                <a:schemeClr val="tx1"/>
+              </a:solidFill>
+            </a:endParaRPr>
+          </a:p>
+        </p:txBody>
+      </p:sp>
+      <p:sp useBgFill="1">
+        <p:nvSpPr>
+          <p:cNvPr id="1149" name="Rectangle 1148">
+            <a:extLst>
+              <a:ext uri="{FF2B5EF4-FFF2-40B4-BE49-F238E27FC236}">
+                <a16:creationId xmlns:a16="http://schemas.microsoft.com/office/drawing/2014/main" id="{A173122F-D466-4F08-90FA-0038F7AC214A}"/>
+              </a:ext>
+              <a:ext uri="{C183D7F6-B498-43B3-948B-1728B52AA6E4}">
+                <adec:decorative xmlns:adec="http://schemas.microsoft.com/office/drawing/2017/decorative" val="1"/>
+              </a:ext>
+            </a:extLst>
+          </p:cNvPr>
+          <p:cNvSpPr>
+            <a:spLocks noGrp="1" noRot="1" noChangeAspect="1" noMove="1" noResize="1" noEditPoints="1" noAdjustHandles="1" noChangeArrowheads="1" noChangeShapeType="1" noTextEdit="1"/>
+          </p:cNvSpPr>
+          <p:nvPr>
+            <p:extLst>
+              <p:ext uri="{386F3935-93C4-4BCD-93E2-E3B085C9AB24}">
+                <p16:designElem xmlns:p16="http://schemas.microsoft.com/office/powerpoint/2015/main" val="1"/>
+              </p:ext>
+            </p:extLst>
+          </p:nvPr>
+        </p:nvSpPr>
+        <p:spPr>
+          <a:xfrm>
+            <a:off x="0" y="0"/>
+            <a:ext cx="12188952" cy="6858000"/>
+          </a:xfrm>
+          <a:prstGeom prst="rect">
+            <a:avLst/>
+          </a:prstGeom>
+          <a:ln>
+            <a:noFill/>
+          </a:ln>
+        </p:spPr>
+        <p:style>
+          <a:lnRef idx="2">
+            <a:schemeClr val="accent1">
+              <a:shade val="50000"/>
+            </a:schemeClr>
+          </a:lnRef>
+          <a:fillRef idx="1">
+            <a:schemeClr val="accent1"/>
+          </a:fillRef>
+          <a:effectRef idx="0">
+            <a:schemeClr val="accent1"/>
+          </a:effectRef>
+          <a:fontRef idx="minor">
+            <a:schemeClr val="lt1"/>
+          </a:fontRef>
+        </p:style>
+        <p:txBody>
+          <a:bodyPr rtlCol="0" anchor="ctr"/>
+          <a:lstStyle/>
+          <a:p>
+            <a:pPr algn="ctr"/>
+            <a:endParaRPr lang="en-US">
+              <a:solidFill>
+                <a:schemeClr val="bg1"/>
+              </a:solidFill>
+            </a:endParaRPr>
+          </a:p>
+        </p:txBody>
+      </p:sp>
+      <p:grpSp>
+        <p:nvGrpSpPr>
+          <p:cNvPr id="1151" name="Group 1150">
+            <a:extLst>
+              <a:ext uri="{FF2B5EF4-FFF2-40B4-BE49-F238E27FC236}">
+                <a16:creationId xmlns:a16="http://schemas.microsoft.com/office/drawing/2014/main" id="{B19EC7B8-C390-4F1B-8960-E6D32451033C}"/>
+              </a:ext>
+              <a:ext uri="{C183D7F6-B498-43B3-948B-1728B52AA6E4}">
+                <adec:decorative xmlns:adec="http://schemas.microsoft.com/office/drawing/2017/decorative" val="1"/>
+              </a:ext>
+            </a:extLst>
+          </p:cNvPr>
+          <p:cNvGrpSpPr>
+            <a:grpSpLocks noGrp="1" noUngrp="1" noRot="1" noChangeAspect="1" noMove="1" noResize="1"/>
+          </p:cNvGrpSpPr>
+          <p:nvPr>
+            <p:extLst>
+              <p:ext uri="{386F3935-93C4-4BCD-93E2-E3B085C9AB24}">
+                <p16:designElem xmlns:p16="http://schemas.microsoft.com/office/powerpoint/2015/main" val="1"/>
+              </p:ext>
+            </p:extLst>
+          </p:nvPr>
+        </p:nvGrpSpPr>
+        <p:grpSpPr>
+          <a:xfrm>
+            <a:off x="-6214" y="-1"/>
+            <a:ext cx="12214827" cy="6858000"/>
+            <a:chOff x="-6214" y="-1"/>
+            <a:chExt cx="12214827" cy="6858000"/>
+          </a:xfrm>
+        </p:grpSpPr>
+        <p:cxnSp>
+          <p:nvCxnSpPr>
+            <p:cNvPr id="1152" name="Straight Connector 1151">
+              <a:extLst>
+                <a:ext uri="{FF2B5EF4-FFF2-40B4-BE49-F238E27FC236}">
+                  <a16:creationId xmlns:a16="http://schemas.microsoft.com/office/drawing/2014/main" id="{7CEE1CC1-2CD0-4957-8A12-48FA80C0CC28}"/>
+                </a:ext>
+                <a:ext uri="{C183D7F6-B498-43B3-948B-1728B52AA6E4}">
+                  <adec:decorative xmlns:adec="http://schemas.microsoft.com/office/drawing/2017/decorative" val="1"/>
+                </a:ext>
+              </a:extLst>
+            </p:cNvPr>
+            <p:cNvCxnSpPr>
+              <a:cxnSpLocks/>
+            </p:cNvCxnSpPr>
+            <p:nvPr>
+              <p:extLst>
+                <p:ext uri="{386F3935-93C4-4BCD-93E2-E3B085C9AB24}">
+                  <p16:designElem xmlns:p16="http://schemas.microsoft.com/office/powerpoint/2015/main" val="1"/>
+                </p:ext>
+              </p:extLst>
+            </p:nvPr>
+          </p:nvCxnSpPr>
+          <p:spPr>
+            <a:xfrm>
+              <a:off x="-6214" y="6686283"/>
+              <a:ext cx="12192000" cy="0"/>
+            </a:xfrm>
+            <a:prstGeom prst="line">
+              <a:avLst/>
+            </a:prstGeom>
+            <a:ln w="12700">
+              <a:solidFill>
+                <a:srgbClr val="BCBCBC">
+                  <a:alpha val="29804"/>
+                </a:srgbClr>
+              </a:solidFill>
+              <a:prstDash val="sysDot"/>
+            </a:ln>
+          </p:spPr>
+          <p:style>
+            <a:lnRef idx="1">
+              <a:schemeClr val="accent1"/>
+            </a:lnRef>
+            <a:fillRef idx="0">
+              <a:schemeClr val="accent1"/>
+            </a:fillRef>
+            <a:effectRef idx="0">
+              <a:schemeClr val="accent1"/>
+            </a:effectRef>
+            <a:fontRef idx="minor">
+              <a:schemeClr val="tx1"/>
+            </a:fontRef>
+          </p:style>
+        </p:cxnSp>
+        <p:cxnSp>
+          <p:nvCxnSpPr>
+            <p:cNvPr id="1153" name="Straight Connector 1152">
+              <a:extLst>
+                <a:ext uri="{FF2B5EF4-FFF2-40B4-BE49-F238E27FC236}">
+                  <a16:creationId xmlns:a16="http://schemas.microsoft.com/office/drawing/2014/main" id="{34901FEB-A7C2-457B-A124-AD433B04174F}"/>
+                </a:ext>
+                <a:ext uri="{C183D7F6-B498-43B3-948B-1728B52AA6E4}">
+                  <adec:decorative xmlns:adec="http://schemas.microsoft.com/office/drawing/2017/decorative" val="1"/>
+                </a:ext>
+              </a:extLst>
+            </p:cNvPr>
+            <p:cNvCxnSpPr>
+              <a:cxnSpLocks/>
+            </p:cNvCxnSpPr>
+            <p:nvPr>
+              <p:extLst>
+                <p:ext uri="{386F3935-93C4-4BCD-93E2-E3B085C9AB24}">
+                  <p16:designElem xmlns:p16="http://schemas.microsoft.com/office/powerpoint/2015/main" val="1"/>
+                </p:ext>
+              </p:extLst>
+            </p:nvPr>
+          </p:nvCxnSpPr>
+          <p:spPr>
+            <a:xfrm>
+              <a:off x="0" y="-1"/>
+              <a:ext cx="0" cy="6858000"/>
+            </a:xfrm>
+            <a:prstGeom prst="line">
+              <a:avLst/>
+            </a:prstGeom>
+            <a:ln w="12700">
+              <a:solidFill>
+                <a:srgbClr val="BCBCBC">
+                  <a:alpha val="29804"/>
+                </a:srgbClr>
+              </a:solidFill>
+              <a:prstDash val="sysDot"/>
+            </a:ln>
+          </p:spPr>
+          <p:style>
+            <a:lnRef idx="1">
+              <a:schemeClr val="accent1"/>
+            </a:lnRef>
+            <a:fillRef idx="0">
+              <a:schemeClr val="accent1"/>
+            </a:fillRef>
+            <a:effectRef idx="0">
+              <a:schemeClr val="accent1"/>
+            </a:effectRef>
+            <a:fontRef idx="minor">
+              <a:schemeClr val="tx1"/>
+            </a:fontRef>
+          </p:style>
+        </p:cxnSp>
+        <p:cxnSp>
+          <p:nvCxnSpPr>
+            <p:cNvPr id="1154" name="Straight Connector 1153">
+              <a:extLst>
+                <a:ext uri="{FF2B5EF4-FFF2-40B4-BE49-F238E27FC236}">
+                  <a16:creationId xmlns:a16="http://schemas.microsoft.com/office/drawing/2014/main" id="{C76048A8-79AA-454C-BD3E-3004F742681C}"/>
+                </a:ext>
+                <a:ext uri="{C183D7F6-B498-43B3-948B-1728B52AA6E4}">
+                  <adec:decorative xmlns:adec="http://schemas.microsoft.com/office/drawing/2017/decorative" val="1"/>
+                </a:ext>
+              </a:extLst>
+            </p:cNvPr>
+            <p:cNvCxnSpPr>
+              <a:cxnSpLocks/>
+            </p:cNvCxnSpPr>
+            <p:nvPr>
+              <p:extLst>
+                <p:ext uri="{386F3935-93C4-4BCD-93E2-E3B085C9AB24}">
+                  <p16:designElem xmlns:p16="http://schemas.microsoft.com/office/powerpoint/2015/main" val="1"/>
+                </p:ext>
+              </p:extLst>
+            </p:nvPr>
+          </p:nvCxnSpPr>
+          <p:spPr>
+            <a:xfrm>
+              <a:off x="11993258" y="-1"/>
+              <a:ext cx="0" cy="6858000"/>
+            </a:xfrm>
+            <a:prstGeom prst="line">
+              <a:avLst/>
+            </a:prstGeom>
+            <a:ln w="12700">
+              <a:solidFill>
+                <a:srgbClr val="BCBCBC">
+                  <a:alpha val="29804"/>
+                </a:srgbClr>
+              </a:solidFill>
+              <a:prstDash val="sysDot"/>
+            </a:ln>
+          </p:spPr>
+          <p:style>
+            <a:lnRef idx="1">
+              <a:schemeClr val="accent1"/>
+            </a:lnRef>
+            <a:fillRef idx="0">
+              <a:schemeClr val="accent1"/>
+            </a:fillRef>
+            <a:effectRef idx="0">
+              <a:schemeClr val="accent1"/>
+            </a:effectRef>
+            <a:fontRef idx="minor">
+              <a:schemeClr val="tx1"/>
+            </a:fontRef>
+          </p:style>
+        </p:cxnSp>
+        <p:cxnSp>
+          <p:nvCxnSpPr>
+            <p:cNvPr id="1155" name="Straight Connector 1154">
+              <a:extLst>
+                <a:ext uri="{FF2B5EF4-FFF2-40B4-BE49-F238E27FC236}">
+                  <a16:creationId xmlns:a16="http://schemas.microsoft.com/office/drawing/2014/main" id="{77B51975-25FE-4328-9815-2AA302F28ABA}"/>
+                </a:ext>
+                <a:ext uri="{C183D7F6-B498-43B3-948B-1728B52AA6E4}">
+                  <adec:decorative xmlns:adec="http://schemas.microsoft.com/office/drawing/2017/decorative" val="1"/>
+                </a:ext>
+              </a:extLst>
+            </p:cNvPr>
+            <p:cNvCxnSpPr>
+              <a:cxnSpLocks/>
+            </p:cNvCxnSpPr>
+            <p:nvPr>
+              <p:extLst>
+                <p:ext uri="{386F3935-93C4-4BCD-93E2-E3B085C9AB24}">
+                  <p16:designElem xmlns:p16="http://schemas.microsoft.com/office/powerpoint/2015/main" val="1"/>
+                </p:ext>
+              </p:extLst>
+            </p:nvPr>
+          </p:nvCxnSpPr>
+          <p:spPr>
+            <a:xfrm>
+              <a:off x="192528" y="-1"/>
+              <a:ext cx="0" cy="6858000"/>
+            </a:xfrm>
+            <a:prstGeom prst="line">
+              <a:avLst/>
+            </a:prstGeom>
+            <a:ln w="12700">
+              <a:solidFill>
+                <a:srgbClr val="BCBCBC">
+                  <a:alpha val="29804"/>
+                </a:srgbClr>
+              </a:solidFill>
+              <a:prstDash val="sysDot"/>
+            </a:ln>
+          </p:spPr>
+          <p:style>
+            <a:lnRef idx="1">
+              <a:schemeClr val="accent1"/>
+            </a:lnRef>
+            <a:fillRef idx="0">
+              <a:schemeClr val="accent1"/>
+            </a:fillRef>
+            <a:effectRef idx="0">
+              <a:schemeClr val="accent1"/>
+            </a:effectRef>
+            <a:fontRef idx="minor">
+              <a:schemeClr val="tx1"/>
+            </a:fontRef>
+          </p:style>
+        </p:cxnSp>
+        <p:cxnSp>
+          <p:nvCxnSpPr>
+            <p:cNvPr id="1156" name="Straight Connector 1155">
+              <a:extLst>
+                <a:ext uri="{FF2B5EF4-FFF2-40B4-BE49-F238E27FC236}">
+                  <a16:creationId xmlns:a16="http://schemas.microsoft.com/office/drawing/2014/main" id="{B440B47E-6D3E-4978-B887-B53DA0BFF556}"/>
+                </a:ext>
+                <a:ext uri="{C183D7F6-B498-43B3-948B-1728B52AA6E4}">
+                  <adec:decorative xmlns:adec="http://schemas.microsoft.com/office/drawing/2017/decorative" val="1"/>
+                </a:ext>
+              </a:extLst>
+            </p:cNvPr>
+            <p:cNvCxnSpPr>
+              <a:cxnSpLocks/>
+            </p:cNvCxnSpPr>
+            <p:nvPr>
+              <p:extLst>
+                <p:ext uri="{386F3935-93C4-4BCD-93E2-E3B085C9AB24}">
+                  <p16:designElem xmlns:p16="http://schemas.microsoft.com/office/powerpoint/2015/main" val="1"/>
+                </p:ext>
+              </p:extLst>
+            </p:nvPr>
+          </p:nvCxnSpPr>
+          <p:spPr>
+            <a:xfrm>
+              <a:off x="1175922" y="-1"/>
+              <a:ext cx="0" cy="6858000"/>
+            </a:xfrm>
+            <a:prstGeom prst="line">
+              <a:avLst/>
+            </a:prstGeom>
+            <a:ln w="12700">
+              <a:solidFill>
+                <a:srgbClr val="BCBCBC">
+                  <a:alpha val="29804"/>
+                </a:srgbClr>
+              </a:solidFill>
+              <a:prstDash val="sysDot"/>
+            </a:ln>
+          </p:spPr>
+          <p:style>
+            <a:lnRef idx="1">
+              <a:schemeClr val="accent1"/>
+            </a:lnRef>
+            <a:fillRef idx="0">
+              <a:schemeClr val="accent1"/>
+            </a:fillRef>
+            <a:effectRef idx="0">
+              <a:schemeClr val="accent1"/>
+            </a:effectRef>
+            <a:fontRef idx="minor">
+              <a:schemeClr val="tx1"/>
+            </a:fontRef>
+          </p:style>
+        </p:cxnSp>
+        <p:cxnSp>
+          <p:nvCxnSpPr>
+            <p:cNvPr id="1157" name="Straight Connector 1156">
+              <a:extLst>
+                <a:ext uri="{FF2B5EF4-FFF2-40B4-BE49-F238E27FC236}">
+                  <a16:creationId xmlns:a16="http://schemas.microsoft.com/office/drawing/2014/main" id="{FD94D0A1-D760-40DE-B758-008B93D588B5}"/>
+                </a:ext>
+                <a:ext uri="{C183D7F6-B498-43B3-948B-1728B52AA6E4}">
+                  <adec:decorative xmlns:adec="http://schemas.microsoft.com/office/drawing/2017/decorative" val="1"/>
+                </a:ext>
+              </a:extLst>
+            </p:cNvPr>
+            <p:cNvCxnSpPr>
+              <a:cxnSpLocks/>
+            </p:cNvCxnSpPr>
+            <p:nvPr>
+              <p:extLst>
+                <p:ext uri="{386F3935-93C4-4BCD-93E2-E3B085C9AB24}">
+                  <p16:designElem xmlns:p16="http://schemas.microsoft.com/office/powerpoint/2015/main" val="1"/>
+                </p:ext>
+              </p:extLst>
+            </p:nvPr>
+          </p:nvCxnSpPr>
+          <p:spPr>
+            <a:xfrm>
+              <a:off x="2159316" y="-1"/>
+              <a:ext cx="0" cy="6858000"/>
+            </a:xfrm>
+            <a:prstGeom prst="line">
+              <a:avLst/>
+            </a:prstGeom>
+            <a:ln w="12700">
+              <a:solidFill>
+                <a:srgbClr val="BCBCBC">
+                  <a:alpha val="29804"/>
+                </a:srgbClr>
+              </a:solidFill>
+              <a:prstDash val="sysDot"/>
+            </a:ln>
+          </p:spPr>
+          <p:style>
+            <a:lnRef idx="1">
+              <a:schemeClr val="accent1"/>
+            </a:lnRef>
+            <a:fillRef idx="0">
+              <a:schemeClr val="accent1"/>
+            </a:fillRef>
+            <a:effectRef idx="0">
+              <a:schemeClr val="accent1"/>
+            </a:effectRef>
+            <a:fontRef idx="minor">
+              <a:schemeClr val="tx1"/>
+            </a:fontRef>
+          </p:style>
+        </p:cxnSp>
+        <p:cxnSp>
+          <p:nvCxnSpPr>
+            <p:cNvPr id="1158" name="Straight Connector 1157">
+              <a:extLst>
+                <a:ext uri="{FF2B5EF4-FFF2-40B4-BE49-F238E27FC236}">
+                  <a16:creationId xmlns:a16="http://schemas.microsoft.com/office/drawing/2014/main" id="{F9E590CB-0538-40D7-9CAC-1BBD39CC278D}"/>
+                </a:ext>
+                <a:ext uri="{C183D7F6-B498-43B3-948B-1728B52AA6E4}">
+                  <adec:decorative xmlns:adec="http://schemas.microsoft.com/office/drawing/2017/decorative" val="1"/>
+                </a:ext>
+              </a:extLst>
+            </p:cNvPr>
+            <p:cNvCxnSpPr>
+              <a:cxnSpLocks/>
+            </p:cNvCxnSpPr>
+            <p:nvPr>
+              <p:extLst>
+                <p:ext uri="{386F3935-93C4-4BCD-93E2-E3B085C9AB24}">
+                  <p16:designElem xmlns:p16="http://schemas.microsoft.com/office/powerpoint/2015/main" val="1"/>
+                </p:ext>
+              </p:extLst>
+            </p:nvPr>
+          </p:nvCxnSpPr>
+          <p:spPr>
+            <a:xfrm>
+              <a:off x="3142710" y="-1"/>
+              <a:ext cx="0" cy="6858000"/>
+            </a:xfrm>
+            <a:prstGeom prst="line">
+              <a:avLst/>
+            </a:prstGeom>
+            <a:ln w="12700">
+              <a:solidFill>
+                <a:srgbClr val="BCBCBC">
+                  <a:alpha val="29804"/>
+                </a:srgbClr>
+              </a:solidFill>
+              <a:prstDash val="sysDot"/>
+            </a:ln>
+          </p:spPr>
+          <p:style>
+            <a:lnRef idx="1">
+              <a:schemeClr val="accent1"/>
+            </a:lnRef>
+            <a:fillRef idx="0">
+              <a:schemeClr val="accent1"/>
+            </a:fillRef>
+            <a:effectRef idx="0">
+              <a:schemeClr val="accent1"/>
+            </a:effectRef>
+            <a:fontRef idx="minor">
+              <a:schemeClr val="tx1"/>
+            </a:fontRef>
+          </p:style>
+        </p:cxnSp>
+        <p:cxnSp>
+          <p:nvCxnSpPr>
+            <p:cNvPr id="1159" name="Straight Connector 1158">
+              <a:extLst>
+                <a:ext uri="{FF2B5EF4-FFF2-40B4-BE49-F238E27FC236}">
+                  <a16:creationId xmlns:a16="http://schemas.microsoft.com/office/drawing/2014/main" id="{5D7C67DA-B2AA-46E2-8065-1F862A6F7233}"/>
+                </a:ext>
+                <a:ext uri="{C183D7F6-B498-43B3-948B-1728B52AA6E4}">
+                  <adec:decorative xmlns:adec="http://schemas.microsoft.com/office/drawing/2017/decorative" val="1"/>
+                </a:ext>
+              </a:extLst>
+            </p:cNvPr>
+            <p:cNvCxnSpPr>
+              <a:cxnSpLocks/>
+            </p:cNvCxnSpPr>
+            <p:nvPr>
+              <p:extLst>
+                <p:ext uri="{386F3935-93C4-4BCD-93E2-E3B085C9AB24}">
+                  <p16:designElem xmlns:p16="http://schemas.microsoft.com/office/powerpoint/2015/main" val="1"/>
+                </p:ext>
+              </p:extLst>
+            </p:nvPr>
+          </p:nvCxnSpPr>
+          <p:spPr>
+            <a:xfrm>
+              <a:off x="4126104" y="-1"/>
+              <a:ext cx="0" cy="6858000"/>
+            </a:xfrm>
+            <a:prstGeom prst="line">
+              <a:avLst/>
+            </a:prstGeom>
+            <a:ln w="12700">
+              <a:solidFill>
+                <a:srgbClr val="BCBCBC">
+                  <a:alpha val="29804"/>
+                </a:srgbClr>
+              </a:solidFill>
+              <a:prstDash val="sysDot"/>
+            </a:ln>
+          </p:spPr>
+          <p:style>
+            <a:lnRef idx="1">
+              <a:schemeClr val="accent1"/>
+            </a:lnRef>
+            <a:fillRef idx="0">
+              <a:schemeClr val="accent1"/>
+            </a:fillRef>
+            <a:effectRef idx="0">
+              <a:schemeClr val="accent1"/>
+            </a:effectRef>
+            <a:fontRef idx="minor">
+              <a:schemeClr val="tx1"/>
+            </a:fontRef>
+          </p:style>
+        </p:cxnSp>
+        <p:cxnSp>
+          <p:nvCxnSpPr>
+            <p:cNvPr id="1160" name="Straight Connector 1159">
+              <a:extLst>
+                <a:ext uri="{FF2B5EF4-FFF2-40B4-BE49-F238E27FC236}">
+                  <a16:creationId xmlns:a16="http://schemas.microsoft.com/office/drawing/2014/main" id="{C0C2ED54-1B65-4F4A-B14B-41FC05B372B2}"/>
+                </a:ext>
+                <a:ext uri="{C183D7F6-B498-43B3-948B-1728B52AA6E4}">
+                  <adec:decorative xmlns:adec="http://schemas.microsoft.com/office/drawing/2017/decorative" val="1"/>
+                </a:ext>
+              </a:extLst>
+            </p:cNvPr>
+            <p:cNvCxnSpPr>
+              <a:cxnSpLocks/>
+            </p:cNvCxnSpPr>
+            <p:nvPr>
+              <p:extLst>
+                <p:ext uri="{386F3935-93C4-4BCD-93E2-E3B085C9AB24}">
+                  <p16:designElem xmlns:p16="http://schemas.microsoft.com/office/powerpoint/2015/main" val="1"/>
+                </p:ext>
+              </p:extLst>
+            </p:nvPr>
+          </p:nvCxnSpPr>
+          <p:spPr>
+            <a:xfrm>
+              <a:off x="5109498" y="-1"/>
+              <a:ext cx="0" cy="6858000"/>
+            </a:xfrm>
+            <a:prstGeom prst="line">
+              <a:avLst/>
+            </a:prstGeom>
+            <a:ln w="12700">
+              <a:solidFill>
+                <a:srgbClr val="BCBCBC">
+                  <a:alpha val="29804"/>
+                </a:srgbClr>
+              </a:solidFill>
+              <a:prstDash val="sysDot"/>
+            </a:ln>
+          </p:spPr>
+          <p:style>
+            <a:lnRef idx="1">
+              <a:schemeClr val="accent1"/>
+            </a:lnRef>
+            <a:fillRef idx="0">
+              <a:schemeClr val="accent1"/>
+            </a:fillRef>
+            <a:effectRef idx="0">
+              <a:schemeClr val="accent1"/>
+            </a:effectRef>
+            <a:fontRef idx="minor">
+              <a:schemeClr val="tx1"/>
+            </a:fontRef>
+          </p:style>
+        </p:cxnSp>
+        <p:cxnSp>
+          <p:nvCxnSpPr>
+            <p:cNvPr id="1161" name="Straight Connector 1160">
+              <a:extLst>
+                <a:ext uri="{FF2B5EF4-FFF2-40B4-BE49-F238E27FC236}">
+                  <a16:creationId xmlns:a16="http://schemas.microsoft.com/office/drawing/2014/main" id="{EAE5BBBC-F576-4D54-BF67-C00BB1F4F98F}"/>
+                </a:ext>
+                <a:ext uri="{C183D7F6-B498-43B3-948B-1728B52AA6E4}">
+                  <adec:decorative xmlns:adec="http://schemas.microsoft.com/office/drawing/2017/decorative" val="1"/>
+                </a:ext>
+              </a:extLst>
+            </p:cNvPr>
+            <p:cNvCxnSpPr>
+              <a:cxnSpLocks/>
+            </p:cNvCxnSpPr>
+            <p:nvPr>
+              <p:extLst>
+                <p:ext uri="{386F3935-93C4-4BCD-93E2-E3B085C9AB24}">
+                  <p16:designElem xmlns:p16="http://schemas.microsoft.com/office/powerpoint/2015/main" val="1"/>
+                </p:ext>
+              </p:extLst>
+            </p:nvPr>
+          </p:nvCxnSpPr>
+          <p:spPr>
+            <a:xfrm>
+              <a:off x="6092892" y="-1"/>
+              <a:ext cx="0" cy="6858000"/>
+            </a:xfrm>
+            <a:prstGeom prst="line">
+              <a:avLst/>
+            </a:prstGeom>
+            <a:ln w="12700">
+              <a:solidFill>
+                <a:srgbClr val="BCBCBC">
+                  <a:alpha val="29804"/>
+                </a:srgbClr>
+              </a:solidFill>
+              <a:prstDash val="sysDot"/>
+            </a:ln>
+          </p:spPr>
+          <p:style>
+            <a:lnRef idx="1">
+              <a:schemeClr val="accent1"/>
+            </a:lnRef>
+            <a:fillRef idx="0">
+              <a:schemeClr val="accent1"/>
+            </a:fillRef>
+            <a:effectRef idx="0">
+              <a:schemeClr val="accent1"/>
+            </a:effectRef>
+            <a:fontRef idx="minor">
+              <a:schemeClr val="tx1"/>
+            </a:fontRef>
+          </p:style>
+        </p:cxnSp>
+        <p:cxnSp>
+          <p:nvCxnSpPr>
+            <p:cNvPr id="1162" name="Straight Connector 1161">
+              <a:extLst>
+                <a:ext uri="{FF2B5EF4-FFF2-40B4-BE49-F238E27FC236}">
+                  <a16:creationId xmlns:a16="http://schemas.microsoft.com/office/drawing/2014/main" id="{90D490E7-12F8-40DC-A9C1-D119667EEF41}"/>
+                </a:ext>
+                <a:ext uri="{C183D7F6-B498-43B3-948B-1728B52AA6E4}">
+                  <adec:decorative xmlns:adec="http://schemas.microsoft.com/office/drawing/2017/decorative" val="1"/>
+                </a:ext>
+              </a:extLst>
+            </p:cNvPr>
+            <p:cNvCxnSpPr>
+              <a:cxnSpLocks/>
+            </p:cNvCxnSpPr>
+            <p:nvPr>
+              <p:extLst>
+                <p:ext uri="{386F3935-93C4-4BCD-93E2-E3B085C9AB24}">
+                  <p16:designElem xmlns:p16="http://schemas.microsoft.com/office/powerpoint/2015/main" val="1"/>
+                </p:ext>
+              </p:extLst>
+            </p:nvPr>
+          </p:nvCxnSpPr>
+          <p:spPr>
+            <a:xfrm>
+              <a:off x="7076286" y="-1"/>
+              <a:ext cx="0" cy="6858000"/>
+            </a:xfrm>
+            <a:prstGeom prst="line">
+              <a:avLst/>
+            </a:prstGeom>
+            <a:ln w="12700">
+              <a:solidFill>
+                <a:srgbClr val="BCBCBC">
+                  <a:alpha val="29804"/>
+                </a:srgbClr>
+              </a:solidFill>
+              <a:prstDash val="sysDot"/>
+            </a:ln>
+          </p:spPr>
+          <p:style>
+            <a:lnRef idx="1">
+              <a:schemeClr val="accent1"/>
+            </a:lnRef>
+            <a:fillRef idx="0">
+              <a:schemeClr val="accent1"/>
+            </a:fillRef>
+            <a:effectRef idx="0">
+              <a:schemeClr val="accent1"/>
+            </a:effectRef>
+            <a:fontRef idx="minor">
+              <a:schemeClr val="tx1"/>
+            </a:fontRef>
+          </p:style>
+        </p:cxnSp>
+        <p:cxnSp>
+          <p:nvCxnSpPr>
+            <p:cNvPr id="1163" name="Straight Connector 1162">
+              <a:extLst>
+                <a:ext uri="{FF2B5EF4-FFF2-40B4-BE49-F238E27FC236}">
+                  <a16:creationId xmlns:a16="http://schemas.microsoft.com/office/drawing/2014/main" id="{6C855383-9F21-4BDA-8FCA-22AF3D69FFC3}"/>
+                </a:ext>
+                <a:ext uri="{C183D7F6-B498-43B3-948B-1728B52AA6E4}">
+                  <adec:decorative xmlns:adec="http://schemas.microsoft.com/office/drawing/2017/decorative" val="1"/>
+                </a:ext>
+              </a:extLst>
+            </p:cNvPr>
+            <p:cNvCxnSpPr>
+              <a:cxnSpLocks/>
+            </p:cNvCxnSpPr>
+            <p:nvPr>
+              <p:extLst>
+                <p:ext uri="{386F3935-93C4-4BCD-93E2-E3B085C9AB24}">
+                  <p16:designElem xmlns:p16="http://schemas.microsoft.com/office/powerpoint/2015/main" val="1"/>
+                </p:ext>
+              </p:extLst>
+            </p:nvPr>
+          </p:nvCxnSpPr>
+          <p:spPr>
+            <a:xfrm>
+              <a:off x="8059680" y="-1"/>
+              <a:ext cx="0" cy="6858000"/>
+            </a:xfrm>
+            <a:prstGeom prst="line">
+              <a:avLst/>
+            </a:prstGeom>
+            <a:ln w="12700">
+              <a:solidFill>
+                <a:srgbClr val="BCBCBC">
+                  <a:alpha val="29804"/>
+                </a:srgbClr>
+              </a:solidFill>
+              <a:prstDash val="sysDot"/>
+            </a:ln>
+          </p:spPr>
+          <p:style>
+            <a:lnRef idx="1">
+              <a:schemeClr val="accent1"/>
+            </a:lnRef>
+            <a:fillRef idx="0">
+              <a:schemeClr val="accent1"/>
+            </a:fillRef>
+            <a:effectRef idx="0">
+              <a:schemeClr val="accent1"/>
+            </a:effectRef>
+            <a:fontRef idx="minor">
+              <a:schemeClr val="tx1"/>
+            </a:fontRef>
+          </p:style>
+        </p:cxnSp>
+        <p:cxnSp>
+          <p:nvCxnSpPr>
+            <p:cNvPr id="1164" name="Straight Connector 1163">
+              <a:extLst>
+                <a:ext uri="{FF2B5EF4-FFF2-40B4-BE49-F238E27FC236}">
+                  <a16:creationId xmlns:a16="http://schemas.microsoft.com/office/drawing/2014/main" id="{FC3E600C-E08A-418E-B30E-2B0FC15DF960}"/>
+                </a:ext>
+                <a:ext uri="{C183D7F6-B498-43B3-948B-1728B52AA6E4}">
+                  <adec:decorative xmlns:adec="http://schemas.microsoft.com/office/drawing/2017/decorative" val="1"/>
+                </a:ext>
+              </a:extLst>
+            </p:cNvPr>
+            <p:cNvCxnSpPr>
+              <a:cxnSpLocks/>
+            </p:cNvCxnSpPr>
+            <p:nvPr>
+              <p:extLst>
+                <p:ext uri="{386F3935-93C4-4BCD-93E2-E3B085C9AB24}">
+                  <p16:designElem xmlns:p16="http://schemas.microsoft.com/office/powerpoint/2015/main" val="1"/>
+                </p:ext>
+              </p:extLst>
+            </p:nvPr>
+          </p:nvCxnSpPr>
+          <p:spPr>
+            <a:xfrm>
+              <a:off x="9043074" y="-1"/>
+              <a:ext cx="0" cy="6858000"/>
+            </a:xfrm>
+            <a:prstGeom prst="line">
+              <a:avLst/>
+            </a:prstGeom>
+            <a:ln w="12700">
+              <a:solidFill>
+                <a:srgbClr val="BCBCBC">
+                  <a:alpha val="29804"/>
+                </a:srgbClr>
+              </a:solidFill>
+              <a:prstDash val="sysDot"/>
+            </a:ln>
+          </p:spPr>
+          <p:style>
+            <a:lnRef idx="1">
+              <a:schemeClr val="accent1"/>
+            </a:lnRef>
+            <a:fillRef idx="0">
+              <a:schemeClr val="accent1"/>
+            </a:fillRef>
+            <a:effectRef idx="0">
+              <a:schemeClr val="accent1"/>
+            </a:effectRef>
+            <a:fontRef idx="minor">
+              <a:schemeClr val="tx1"/>
+            </a:fontRef>
+          </p:style>
+        </p:cxnSp>
+        <p:cxnSp>
+          <p:nvCxnSpPr>
+            <p:cNvPr id="1165" name="Straight Connector 1164">
+              <a:extLst>
+                <a:ext uri="{FF2B5EF4-FFF2-40B4-BE49-F238E27FC236}">
+                  <a16:creationId xmlns:a16="http://schemas.microsoft.com/office/drawing/2014/main" id="{E980D58F-BD3F-4B47-9BD2-888B0D9D1977}"/>
+                </a:ext>
+                <a:ext uri="{C183D7F6-B498-43B3-948B-1728B52AA6E4}">
+                  <adec:decorative xmlns:adec="http://schemas.microsoft.com/office/drawing/2017/decorative" val="1"/>
+                </a:ext>
+              </a:extLst>
+            </p:cNvPr>
+            <p:cNvCxnSpPr>
+              <a:cxnSpLocks/>
+            </p:cNvCxnSpPr>
+            <p:nvPr>
+              <p:extLst>
+                <p:ext uri="{386F3935-93C4-4BCD-93E2-E3B085C9AB24}">
+                  <p16:designElem xmlns:p16="http://schemas.microsoft.com/office/powerpoint/2015/main" val="1"/>
+                </p:ext>
+              </p:extLst>
+            </p:nvPr>
+          </p:nvCxnSpPr>
+          <p:spPr>
+            <a:xfrm>
+              <a:off x="10026468" y="-1"/>
+              <a:ext cx="0" cy="6858000"/>
+            </a:xfrm>
+            <a:prstGeom prst="line">
+              <a:avLst/>
+            </a:prstGeom>
+            <a:ln w="12700">
+              <a:solidFill>
+                <a:srgbClr val="BCBCBC">
+                  <a:alpha val="29804"/>
+                </a:srgbClr>
+              </a:solidFill>
+              <a:prstDash val="sysDot"/>
+            </a:ln>
+          </p:spPr>
+          <p:style>
+            <a:lnRef idx="1">
+              <a:schemeClr val="accent1"/>
+            </a:lnRef>
+            <a:fillRef idx="0">
+              <a:schemeClr val="accent1"/>
+            </a:fillRef>
+            <a:effectRef idx="0">
+              <a:schemeClr val="accent1"/>
+            </a:effectRef>
+            <a:fontRef idx="minor">
+              <a:schemeClr val="tx1"/>
+            </a:fontRef>
+          </p:style>
+        </p:cxnSp>
+        <p:cxnSp>
+          <p:nvCxnSpPr>
+            <p:cNvPr id="1166" name="Straight Connector 1165">
+              <a:extLst>
+                <a:ext uri="{FF2B5EF4-FFF2-40B4-BE49-F238E27FC236}">
+                  <a16:creationId xmlns:a16="http://schemas.microsoft.com/office/drawing/2014/main" id="{43544818-9B28-4A71-8D7B-80727A532626}"/>
+                </a:ext>
+                <a:ext uri="{C183D7F6-B498-43B3-948B-1728B52AA6E4}">
+                  <adec:decorative xmlns:adec="http://schemas.microsoft.com/office/drawing/2017/decorative" val="1"/>
+                </a:ext>
+              </a:extLst>
+            </p:cNvPr>
+            <p:cNvCxnSpPr>
+              <a:cxnSpLocks/>
+            </p:cNvCxnSpPr>
+            <p:nvPr>
+              <p:extLst>
+                <p:ext uri="{386F3935-93C4-4BCD-93E2-E3B085C9AB24}">
+                  <p16:designElem xmlns:p16="http://schemas.microsoft.com/office/powerpoint/2015/main" val="1"/>
+                </p:ext>
+              </p:extLst>
+            </p:nvPr>
+          </p:nvCxnSpPr>
+          <p:spPr>
+            <a:xfrm>
+              <a:off x="11009862" y="-1"/>
+              <a:ext cx="0" cy="6858000"/>
+            </a:xfrm>
+            <a:prstGeom prst="line">
+              <a:avLst/>
+            </a:prstGeom>
+            <a:ln w="12700">
+              <a:solidFill>
+                <a:srgbClr val="BCBCBC">
+                  <a:alpha val="29804"/>
+                </a:srgbClr>
+              </a:solidFill>
+              <a:prstDash val="sysDot"/>
+            </a:ln>
+          </p:spPr>
+          <p:style>
+            <a:lnRef idx="1">
+              <a:schemeClr val="accent1"/>
+            </a:lnRef>
+            <a:fillRef idx="0">
+              <a:schemeClr val="accent1"/>
+            </a:fillRef>
+            <a:effectRef idx="0">
+              <a:schemeClr val="accent1"/>
+            </a:effectRef>
+            <a:fontRef idx="minor">
+              <a:schemeClr val="tx1"/>
+            </a:fontRef>
+          </p:style>
+        </p:cxnSp>
+        <p:cxnSp>
+          <p:nvCxnSpPr>
+            <p:cNvPr id="1167" name="Straight Connector 1166">
+              <a:extLst>
+                <a:ext uri="{FF2B5EF4-FFF2-40B4-BE49-F238E27FC236}">
+                  <a16:creationId xmlns:a16="http://schemas.microsoft.com/office/drawing/2014/main" id="{101FFBC7-035F-48C5-91FA-4A4973FCD6E0}"/>
+                </a:ext>
+                <a:ext uri="{C183D7F6-B498-43B3-948B-1728B52AA6E4}">
+                  <adec:decorative xmlns:adec="http://schemas.microsoft.com/office/drawing/2017/decorative" val="1"/>
+                </a:ext>
+              </a:extLst>
+            </p:cNvPr>
+            <p:cNvCxnSpPr>
+              <a:cxnSpLocks/>
+            </p:cNvCxnSpPr>
+            <p:nvPr>
+              <p:extLst>
+                <p:ext uri="{386F3935-93C4-4BCD-93E2-E3B085C9AB24}">
+                  <p16:designElem xmlns:p16="http://schemas.microsoft.com/office/powerpoint/2015/main" val="1"/>
+                </p:ext>
+              </p:extLst>
+            </p:nvPr>
+          </p:nvCxnSpPr>
+          <p:spPr>
+            <a:xfrm>
+              <a:off x="12185786" y="-1"/>
+              <a:ext cx="0" cy="6858000"/>
+            </a:xfrm>
+            <a:prstGeom prst="line">
+              <a:avLst/>
+            </a:prstGeom>
+            <a:ln w="12700">
+              <a:solidFill>
+                <a:srgbClr val="BCBCBC">
+                  <a:alpha val="29804"/>
+                </a:srgbClr>
+              </a:solidFill>
+              <a:prstDash val="sysDot"/>
+            </a:ln>
+          </p:spPr>
+          <p:style>
+            <a:lnRef idx="1">
+              <a:schemeClr val="accent1"/>
+            </a:lnRef>
+            <a:fillRef idx="0">
+              <a:schemeClr val="accent1"/>
+            </a:fillRef>
+            <a:effectRef idx="0">
+              <a:schemeClr val="accent1"/>
+            </a:effectRef>
+            <a:fontRef idx="minor">
+              <a:schemeClr val="tx1"/>
+            </a:fontRef>
+          </p:style>
+        </p:cxnSp>
+        <p:cxnSp>
+          <p:nvCxnSpPr>
+            <p:cNvPr id="1168" name="Straight Connector 1167">
+              <a:extLst>
+                <a:ext uri="{FF2B5EF4-FFF2-40B4-BE49-F238E27FC236}">
+                  <a16:creationId xmlns:a16="http://schemas.microsoft.com/office/drawing/2014/main" id="{D6195BC5-BB4E-4F3F-8378-0B308B42523D}"/>
+                </a:ext>
+                <a:ext uri="{C183D7F6-B498-43B3-948B-1728B52AA6E4}">
+                  <adec:decorative xmlns:adec="http://schemas.microsoft.com/office/drawing/2017/decorative" val="1"/>
+                </a:ext>
+              </a:extLst>
+            </p:cNvPr>
+            <p:cNvCxnSpPr>
+              <a:cxnSpLocks/>
+            </p:cNvCxnSpPr>
+            <p:nvPr>
+              <p:extLst>
+                <p:ext uri="{386F3935-93C4-4BCD-93E2-E3B085C9AB24}">
+                  <p16:designElem xmlns:p16="http://schemas.microsoft.com/office/powerpoint/2015/main" val="1"/>
+                </p:ext>
+              </p:extLst>
+            </p:nvPr>
+          </p:nvCxnSpPr>
+          <p:spPr>
+            <a:xfrm>
+              <a:off x="0" y="171716"/>
+              <a:ext cx="12192000" cy="0"/>
+            </a:xfrm>
+            <a:prstGeom prst="line">
+              <a:avLst/>
+            </a:prstGeom>
+            <a:ln w="12700">
+              <a:solidFill>
+                <a:srgbClr val="BCBCBC">
+                  <a:alpha val="29804"/>
+                </a:srgbClr>
+              </a:solidFill>
+              <a:prstDash val="sysDot"/>
+            </a:ln>
+          </p:spPr>
+          <p:style>
+            <a:lnRef idx="1">
+              <a:schemeClr val="accent1"/>
+            </a:lnRef>
+            <a:fillRef idx="0">
+              <a:schemeClr val="accent1"/>
+            </a:fillRef>
+            <a:effectRef idx="0">
+              <a:schemeClr val="accent1"/>
+            </a:effectRef>
+            <a:fontRef idx="minor">
+              <a:schemeClr val="tx1"/>
+            </a:fontRef>
+          </p:style>
+        </p:cxnSp>
+        <p:cxnSp>
+          <p:nvCxnSpPr>
+            <p:cNvPr id="1169" name="Straight Connector 1168">
+              <a:extLst>
+                <a:ext uri="{FF2B5EF4-FFF2-40B4-BE49-F238E27FC236}">
+                  <a16:creationId xmlns:a16="http://schemas.microsoft.com/office/drawing/2014/main" id="{02404171-AF5C-4FA1-9D4E-DCF75562BD67}"/>
+                </a:ext>
+                <a:ext uri="{C183D7F6-B498-43B3-948B-1728B52AA6E4}">
+                  <adec:decorative xmlns:adec="http://schemas.microsoft.com/office/drawing/2017/decorative" val="1"/>
+                </a:ext>
+              </a:extLst>
+            </p:cNvPr>
+            <p:cNvCxnSpPr>
+              <a:cxnSpLocks/>
+            </p:cNvCxnSpPr>
+            <p:nvPr>
+              <p:extLst>
+                <p:ext uri="{386F3935-93C4-4BCD-93E2-E3B085C9AB24}">
+                  <p16:designElem xmlns:p16="http://schemas.microsoft.com/office/powerpoint/2015/main" val="1"/>
+                </p:ext>
+              </p:extLst>
+            </p:nvPr>
+          </p:nvCxnSpPr>
+          <p:spPr>
+            <a:xfrm>
+              <a:off x="0" y="714597"/>
+              <a:ext cx="12192000" cy="0"/>
+            </a:xfrm>
+            <a:prstGeom prst="line">
+              <a:avLst/>
+            </a:prstGeom>
+            <a:ln w="12700">
+              <a:solidFill>
+                <a:srgbClr val="BCBCBC">
+                  <a:alpha val="29804"/>
+                </a:srgbClr>
+              </a:solidFill>
+              <a:prstDash val="sysDot"/>
+            </a:ln>
+          </p:spPr>
+          <p:style>
+            <a:lnRef idx="1">
+              <a:schemeClr val="accent1"/>
+            </a:lnRef>
+            <a:fillRef idx="0">
+              <a:schemeClr val="accent1"/>
+            </a:fillRef>
+            <a:effectRef idx="0">
+              <a:schemeClr val="accent1"/>
+            </a:effectRef>
+            <a:fontRef idx="minor">
+              <a:schemeClr val="tx1"/>
+            </a:fontRef>
+          </p:style>
+        </p:cxnSp>
+        <p:cxnSp>
+          <p:nvCxnSpPr>
+            <p:cNvPr id="1170" name="Straight Connector 1169">
+              <a:extLst>
+                <a:ext uri="{FF2B5EF4-FFF2-40B4-BE49-F238E27FC236}">
+                  <a16:creationId xmlns:a16="http://schemas.microsoft.com/office/drawing/2014/main" id="{BAD45A86-9385-473D-9DBF-565E0A94AF1B}"/>
+                </a:ext>
+                <a:ext uri="{C183D7F6-B498-43B3-948B-1728B52AA6E4}">
+                  <adec:decorative xmlns:adec="http://schemas.microsoft.com/office/drawing/2017/decorative" val="1"/>
+                </a:ext>
+              </a:extLst>
+            </p:cNvPr>
+            <p:cNvCxnSpPr>
+              <a:cxnSpLocks/>
+            </p:cNvCxnSpPr>
+            <p:nvPr>
+              <p:extLst>
+                <p:ext uri="{386F3935-93C4-4BCD-93E2-E3B085C9AB24}">
+                  <p16:designElem xmlns:p16="http://schemas.microsoft.com/office/powerpoint/2015/main" val="1"/>
+                </p:ext>
+              </p:extLst>
+            </p:nvPr>
+          </p:nvCxnSpPr>
+          <p:spPr>
+            <a:xfrm>
+              <a:off x="0" y="1257478"/>
+              <a:ext cx="12192000" cy="0"/>
+            </a:xfrm>
+            <a:prstGeom prst="line">
+              <a:avLst/>
+            </a:prstGeom>
+            <a:ln w="12700">
+              <a:solidFill>
+                <a:srgbClr val="BCBCBC">
+                  <a:alpha val="29804"/>
+                </a:srgbClr>
+              </a:solidFill>
+              <a:prstDash val="sysDot"/>
+            </a:ln>
+          </p:spPr>
+          <p:style>
+            <a:lnRef idx="1">
+              <a:schemeClr val="accent1"/>
+            </a:lnRef>
+            <a:fillRef idx="0">
+              <a:schemeClr val="accent1"/>
+            </a:fillRef>
+            <a:effectRef idx="0">
+              <a:schemeClr val="accent1"/>
+            </a:effectRef>
+            <a:fontRef idx="minor">
+              <a:schemeClr val="tx1"/>
+            </a:fontRef>
+          </p:style>
+        </p:cxnSp>
+        <p:cxnSp>
+          <p:nvCxnSpPr>
+            <p:cNvPr id="1171" name="Straight Connector 1170">
+              <a:extLst>
+                <a:ext uri="{FF2B5EF4-FFF2-40B4-BE49-F238E27FC236}">
+                  <a16:creationId xmlns:a16="http://schemas.microsoft.com/office/drawing/2014/main" id="{DBA5A228-913F-4D4F-AB25-537293624649}"/>
+                </a:ext>
+                <a:ext uri="{C183D7F6-B498-43B3-948B-1728B52AA6E4}">
+                  <adec:decorative xmlns:adec="http://schemas.microsoft.com/office/drawing/2017/decorative" val="1"/>
+                </a:ext>
+              </a:extLst>
+            </p:cNvPr>
+            <p:cNvCxnSpPr>
+              <a:cxnSpLocks/>
+            </p:cNvCxnSpPr>
+            <p:nvPr>
+              <p:extLst>
+                <p:ext uri="{386F3935-93C4-4BCD-93E2-E3B085C9AB24}">
+                  <p16:designElem xmlns:p16="http://schemas.microsoft.com/office/powerpoint/2015/main" val="1"/>
+                </p:ext>
+              </p:extLst>
+            </p:nvPr>
+          </p:nvCxnSpPr>
+          <p:spPr>
+            <a:xfrm>
+              <a:off x="0" y="1800359"/>
+              <a:ext cx="12192000" cy="0"/>
+            </a:xfrm>
+            <a:prstGeom prst="line">
+              <a:avLst/>
+            </a:prstGeom>
+            <a:ln w="12700">
+              <a:solidFill>
+                <a:srgbClr val="BCBCBC">
+                  <a:alpha val="29804"/>
+                </a:srgbClr>
+              </a:solidFill>
+              <a:prstDash val="sysDot"/>
+            </a:ln>
+          </p:spPr>
+          <p:style>
+            <a:lnRef idx="1">
+              <a:schemeClr val="accent1"/>
+            </a:lnRef>
+            <a:fillRef idx="0">
+              <a:schemeClr val="accent1"/>
+            </a:fillRef>
+            <a:effectRef idx="0">
+              <a:schemeClr val="accent1"/>
+            </a:effectRef>
+            <a:fontRef idx="minor">
+              <a:schemeClr val="tx1"/>
+            </a:fontRef>
+          </p:style>
+        </p:cxnSp>
+        <p:cxnSp>
+          <p:nvCxnSpPr>
+            <p:cNvPr id="1172" name="Straight Connector 1171">
+              <a:extLst>
+                <a:ext uri="{FF2B5EF4-FFF2-40B4-BE49-F238E27FC236}">
+                  <a16:creationId xmlns:a16="http://schemas.microsoft.com/office/drawing/2014/main" id="{A87E8BFE-D92E-4EB3-ADD1-FB75CAA683BA}"/>
+                </a:ext>
+                <a:ext uri="{C183D7F6-B498-43B3-948B-1728B52AA6E4}">
+                  <adec:decorative xmlns:adec="http://schemas.microsoft.com/office/drawing/2017/decorative" val="1"/>
+                </a:ext>
+              </a:extLst>
+            </p:cNvPr>
+            <p:cNvCxnSpPr>
+              <a:cxnSpLocks/>
+            </p:cNvCxnSpPr>
+            <p:nvPr>
+              <p:extLst>
+                <p:ext uri="{386F3935-93C4-4BCD-93E2-E3B085C9AB24}">
+                  <p16:designElem xmlns:p16="http://schemas.microsoft.com/office/powerpoint/2015/main" val="1"/>
+                </p:ext>
+              </p:extLst>
+            </p:nvPr>
+          </p:nvCxnSpPr>
+          <p:spPr>
+            <a:xfrm>
+              <a:off x="0" y="2343240"/>
+              <a:ext cx="12192000" cy="0"/>
+            </a:xfrm>
+            <a:prstGeom prst="line">
+              <a:avLst/>
+            </a:prstGeom>
+            <a:ln w="12700">
+              <a:solidFill>
+                <a:srgbClr val="BCBCBC">
+                  <a:alpha val="29804"/>
+                </a:srgbClr>
+              </a:solidFill>
+              <a:prstDash val="sysDot"/>
+            </a:ln>
+          </p:spPr>
+          <p:style>
+            <a:lnRef idx="1">
+              <a:schemeClr val="accent1"/>
+            </a:lnRef>
+            <a:fillRef idx="0">
+              <a:schemeClr val="accent1"/>
+            </a:fillRef>
+            <a:effectRef idx="0">
+              <a:schemeClr val="accent1"/>
+            </a:effectRef>
+            <a:fontRef idx="minor">
+              <a:schemeClr val="tx1"/>
+            </a:fontRef>
+          </p:style>
+        </p:cxnSp>
+        <p:cxnSp>
+          <p:nvCxnSpPr>
+            <p:cNvPr id="1173" name="Straight Connector 1172">
+              <a:extLst>
+                <a:ext uri="{FF2B5EF4-FFF2-40B4-BE49-F238E27FC236}">
+                  <a16:creationId xmlns:a16="http://schemas.microsoft.com/office/drawing/2014/main" id="{08756FCD-8335-4089-B4EE-13D629E53E62}"/>
+                </a:ext>
+                <a:ext uri="{C183D7F6-B498-43B3-948B-1728B52AA6E4}">
+                  <adec:decorative xmlns:adec="http://schemas.microsoft.com/office/drawing/2017/decorative" val="1"/>
+                </a:ext>
+              </a:extLst>
+            </p:cNvPr>
+            <p:cNvCxnSpPr>
+              <a:cxnSpLocks/>
+            </p:cNvCxnSpPr>
+            <p:nvPr>
+              <p:extLst>
+                <p:ext uri="{386F3935-93C4-4BCD-93E2-E3B085C9AB24}">
+                  <p16:designElem xmlns:p16="http://schemas.microsoft.com/office/powerpoint/2015/main" val="1"/>
+                </p:ext>
+              </p:extLst>
+            </p:nvPr>
+          </p:nvCxnSpPr>
+          <p:spPr>
+            <a:xfrm>
+              <a:off x="0" y="2886121"/>
+              <a:ext cx="12192000" cy="0"/>
+            </a:xfrm>
+            <a:prstGeom prst="line">
+              <a:avLst/>
+            </a:prstGeom>
+            <a:ln w="12700">
+              <a:solidFill>
+                <a:srgbClr val="BCBCBC">
+                  <a:alpha val="29804"/>
+                </a:srgbClr>
+              </a:solidFill>
+              <a:prstDash val="sysDot"/>
+            </a:ln>
+          </p:spPr>
+          <p:style>
+            <a:lnRef idx="1">
+              <a:schemeClr val="accent1"/>
+            </a:lnRef>
+            <a:fillRef idx="0">
+              <a:schemeClr val="accent1"/>
+            </a:fillRef>
+            <a:effectRef idx="0">
+              <a:schemeClr val="accent1"/>
+            </a:effectRef>
+            <a:fontRef idx="minor">
+              <a:schemeClr val="tx1"/>
+            </a:fontRef>
+          </p:style>
+        </p:cxnSp>
+        <p:cxnSp>
+          <p:nvCxnSpPr>
+            <p:cNvPr id="1174" name="Straight Connector 1173">
+              <a:extLst>
+                <a:ext uri="{FF2B5EF4-FFF2-40B4-BE49-F238E27FC236}">
+                  <a16:creationId xmlns:a16="http://schemas.microsoft.com/office/drawing/2014/main" id="{A9707D7B-937E-4DC3-87BA-B7B70426821E}"/>
+                </a:ext>
+                <a:ext uri="{C183D7F6-B498-43B3-948B-1728B52AA6E4}">
+                  <adec:decorative xmlns:adec="http://schemas.microsoft.com/office/drawing/2017/decorative" val="1"/>
+                </a:ext>
+              </a:extLst>
+            </p:cNvPr>
+            <p:cNvCxnSpPr>
+              <a:cxnSpLocks/>
+            </p:cNvCxnSpPr>
+            <p:nvPr>
+              <p:extLst>
+                <p:ext uri="{386F3935-93C4-4BCD-93E2-E3B085C9AB24}">
+                  <p16:designElem xmlns:p16="http://schemas.microsoft.com/office/powerpoint/2015/main" val="1"/>
+                </p:ext>
+              </p:extLst>
+            </p:nvPr>
+          </p:nvCxnSpPr>
+          <p:spPr>
+            <a:xfrm>
+              <a:off x="0" y="3429002"/>
+              <a:ext cx="12192000" cy="0"/>
+            </a:xfrm>
+            <a:prstGeom prst="line">
+              <a:avLst/>
+            </a:prstGeom>
+            <a:ln w="12700">
+              <a:solidFill>
+                <a:srgbClr val="BCBCBC">
+                  <a:alpha val="29804"/>
+                </a:srgbClr>
+              </a:solidFill>
+              <a:prstDash val="sysDot"/>
+            </a:ln>
+          </p:spPr>
+          <p:style>
+            <a:lnRef idx="1">
+              <a:schemeClr val="accent1"/>
+            </a:lnRef>
+            <a:fillRef idx="0">
+              <a:schemeClr val="accent1"/>
+            </a:fillRef>
+            <a:effectRef idx="0">
+              <a:schemeClr val="accent1"/>
+            </a:effectRef>
+            <a:fontRef idx="minor">
+              <a:schemeClr val="tx1"/>
+            </a:fontRef>
+          </p:style>
+        </p:cxnSp>
+        <p:cxnSp>
+          <p:nvCxnSpPr>
+            <p:cNvPr id="1175" name="Straight Connector 1174">
+              <a:extLst>
+                <a:ext uri="{FF2B5EF4-FFF2-40B4-BE49-F238E27FC236}">
+                  <a16:creationId xmlns:a16="http://schemas.microsoft.com/office/drawing/2014/main" id="{AB1A72DC-3F29-4488-9051-C21E1CBB7E58}"/>
+                </a:ext>
+                <a:ext uri="{C183D7F6-B498-43B3-948B-1728B52AA6E4}">
+                  <adec:decorative xmlns:adec="http://schemas.microsoft.com/office/drawing/2017/decorative" val="1"/>
+                </a:ext>
+              </a:extLst>
+            </p:cNvPr>
+            <p:cNvCxnSpPr>
+              <a:cxnSpLocks/>
+            </p:cNvCxnSpPr>
+            <p:nvPr>
+              <p:extLst>
+                <p:ext uri="{386F3935-93C4-4BCD-93E2-E3B085C9AB24}">
+                  <p16:designElem xmlns:p16="http://schemas.microsoft.com/office/powerpoint/2015/main" val="1"/>
+                </p:ext>
+              </p:extLst>
+            </p:nvPr>
+          </p:nvCxnSpPr>
+          <p:spPr>
+            <a:xfrm>
+              <a:off x="0" y="3971883"/>
+              <a:ext cx="12192000" cy="0"/>
+            </a:xfrm>
+            <a:prstGeom prst="line">
+              <a:avLst/>
+            </a:prstGeom>
+            <a:ln w="12700">
+              <a:solidFill>
+                <a:srgbClr val="BCBCBC">
+                  <a:alpha val="29804"/>
+                </a:srgbClr>
+              </a:solidFill>
+              <a:prstDash val="sysDot"/>
+            </a:ln>
+          </p:spPr>
+          <p:style>
+            <a:lnRef idx="1">
+              <a:schemeClr val="accent1"/>
+            </a:lnRef>
+            <a:fillRef idx="0">
+              <a:schemeClr val="accent1"/>
+            </a:fillRef>
+            <a:effectRef idx="0">
+              <a:schemeClr val="accent1"/>
+            </a:effectRef>
+            <a:fontRef idx="minor">
+              <a:schemeClr val="tx1"/>
+            </a:fontRef>
+          </p:style>
+        </p:cxnSp>
+        <p:cxnSp>
+          <p:nvCxnSpPr>
+            <p:cNvPr id="1176" name="Straight Connector 1175">
+              <a:extLst>
+                <a:ext uri="{FF2B5EF4-FFF2-40B4-BE49-F238E27FC236}">
+                  <a16:creationId xmlns:a16="http://schemas.microsoft.com/office/drawing/2014/main" id="{956DAD76-815C-4F16-98CF-8E8BE1965BBB}"/>
+                </a:ext>
+                <a:ext uri="{C183D7F6-B498-43B3-948B-1728B52AA6E4}">
+                  <adec:decorative xmlns:adec="http://schemas.microsoft.com/office/drawing/2017/decorative" val="1"/>
+                </a:ext>
+              </a:extLst>
+            </p:cNvPr>
+            <p:cNvCxnSpPr>
+              <a:cxnSpLocks/>
+            </p:cNvCxnSpPr>
+            <p:nvPr>
+              <p:extLst>
+                <p:ext uri="{386F3935-93C4-4BCD-93E2-E3B085C9AB24}">
+                  <p16:designElem xmlns:p16="http://schemas.microsoft.com/office/powerpoint/2015/main" val="1"/>
+                </p:ext>
+              </p:extLst>
+            </p:nvPr>
+          </p:nvCxnSpPr>
+          <p:spPr>
+            <a:xfrm>
+              <a:off x="0" y="4514764"/>
+              <a:ext cx="12192000" cy="0"/>
+            </a:xfrm>
+            <a:prstGeom prst="line">
+              <a:avLst/>
+            </a:prstGeom>
+            <a:ln w="12700">
+              <a:solidFill>
+                <a:srgbClr val="BCBCBC">
+                  <a:alpha val="29804"/>
+                </a:srgbClr>
+              </a:solidFill>
+              <a:prstDash val="sysDot"/>
+            </a:ln>
+          </p:spPr>
+          <p:style>
+            <a:lnRef idx="1">
+              <a:schemeClr val="accent1"/>
+            </a:lnRef>
+            <a:fillRef idx="0">
+              <a:schemeClr val="accent1"/>
+            </a:fillRef>
+            <a:effectRef idx="0">
+              <a:schemeClr val="accent1"/>
+            </a:effectRef>
+            <a:fontRef idx="minor">
+              <a:schemeClr val="tx1"/>
+            </a:fontRef>
+          </p:style>
+        </p:cxnSp>
+        <p:cxnSp>
+          <p:nvCxnSpPr>
+            <p:cNvPr id="1177" name="Straight Connector 1176">
+              <a:extLst>
+                <a:ext uri="{FF2B5EF4-FFF2-40B4-BE49-F238E27FC236}">
+                  <a16:creationId xmlns:a16="http://schemas.microsoft.com/office/drawing/2014/main" id="{1AF2F8C5-6691-4EBD-B42E-4B17DF1ED277}"/>
+                </a:ext>
+                <a:ext uri="{C183D7F6-B498-43B3-948B-1728B52AA6E4}">
+                  <adec:decorative xmlns:adec="http://schemas.microsoft.com/office/drawing/2017/decorative" val="1"/>
+                </a:ext>
+              </a:extLst>
+            </p:cNvPr>
+            <p:cNvCxnSpPr>
+              <a:cxnSpLocks/>
+            </p:cNvCxnSpPr>
+            <p:nvPr>
+              <p:extLst>
+                <p:ext uri="{386F3935-93C4-4BCD-93E2-E3B085C9AB24}">
+                  <p16:designElem xmlns:p16="http://schemas.microsoft.com/office/powerpoint/2015/main" val="1"/>
+                </p:ext>
+              </p:extLst>
+            </p:nvPr>
+          </p:nvCxnSpPr>
+          <p:spPr>
+            <a:xfrm>
+              <a:off x="0" y="5057645"/>
+              <a:ext cx="12192000" cy="0"/>
+            </a:xfrm>
+            <a:prstGeom prst="line">
+              <a:avLst/>
+            </a:prstGeom>
+            <a:ln w="12700">
+              <a:solidFill>
+                <a:srgbClr val="BCBCBC">
+                  <a:alpha val="29804"/>
+                </a:srgbClr>
+              </a:solidFill>
+              <a:prstDash val="sysDot"/>
+            </a:ln>
+          </p:spPr>
+          <p:style>
+            <a:lnRef idx="1">
+              <a:schemeClr val="accent1"/>
+            </a:lnRef>
+            <a:fillRef idx="0">
+              <a:schemeClr val="accent1"/>
+            </a:fillRef>
+            <a:effectRef idx="0">
+              <a:schemeClr val="accent1"/>
+            </a:effectRef>
+            <a:fontRef idx="minor">
+              <a:schemeClr val="tx1"/>
+            </a:fontRef>
+          </p:style>
+        </p:cxnSp>
+        <p:cxnSp>
+          <p:nvCxnSpPr>
+            <p:cNvPr id="1178" name="Straight Connector 1177">
+              <a:extLst>
+                <a:ext uri="{FF2B5EF4-FFF2-40B4-BE49-F238E27FC236}">
+                  <a16:creationId xmlns:a16="http://schemas.microsoft.com/office/drawing/2014/main" id="{D32ED14D-1C00-41C8-849C-030A1434E466}"/>
+                </a:ext>
+                <a:ext uri="{C183D7F6-B498-43B3-948B-1728B52AA6E4}">
+                  <adec:decorative xmlns:adec="http://schemas.microsoft.com/office/drawing/2017/decorative" val="1"/>
+                </a:ext>
+              </a:extLst>
+            </p:cNvPr>
+            <p:cNvCxnSpPr>
+              <a:cxnSpLocks/>
+            </p:cNvCxnSpPr>
+            <p:nvPr>
+              <p:extLst>
+                <p:ext uri="{386F3935-93C4-4BCD-93E2-E3B085C9AB24}">
+                  <p16:designElem xmlns:p16="http://schemas.microsoft.com/office/powerpoint/2015/main" val="1"/>
+                </p:ext>
+              </p:extLst>
+            </p:nvPr>
+          </p:nvCxnSpPr>
+          <p:spPr>
+            <a:xfrm>
+              <a:off x="0" y="5600526"/>
+              <a:ext cx="12192000" cy="0"/>
+            </a:xfrm>
+            <a:prstGeom prst="line">
+              <a:avLst/>
+            </a:prstGeom>
+            <a:ln w="12700">
+              <a:solidFill>
+                <a:srgbClr val="BCBCBC">
+                  <a:alpha val="29804"/>
+                </a:srgbClr>
+              </a:solidFill>
+              <a:prstDash val="sysDot"/>
+            </a:ln>
+          </p:spPr>
+          <p:style>
+            <a:lnRef idx="1">
+              <a:schemeClr val="accent1"/>
+            </a:lnRef>
+            <a:fillRef idx="0">
+              <a:schemeClr val="accent1"/>
+            </a:fillRef>
+            <a:effectRef idx="0">
+              <a:schemeClr val="accent1"/>
+            </a:effectRef>
+            <a:fontRef idx="minor">
+              <a:schemeClr val="tx1"/>
+            </a:fontRef>
+          </p:style>
+        </p:cxnSp>
+        <p:cxnSp>
+          <p:nvCxnSpPr>
+            <p:cNvPr id="1179" name="Straight Connector 1178">
+              <a:extLst>
+                <a:ext uri="{FF2B5EF4-FFF2-40B4-BE49-F238E27FC236}">
+                  <a16:creationId xmlns:a16="http://schemas.microsoft.com/office/drawing/2014/main" id="{62F296F5-9867-45CA-BF0A-EF216F6A8083}"/>
+                </a:ext>
+                <a:ext uri="{C183D7F6-B498-43B3-948B-1728B52AA6E4}">
+                  <adec:decorative xmlns:adec="http://schemas.microsoft.com/office/drawing/2017/decorative" val="1"/>
+                </a:ext>
+              </a:extLst>
+            </p:cNvPr>
+            <p:cNvCxnSpPr>
+              <a:cxnSpLocks/>
+            </p:cNvCxnSpPr>
+            <p:nvPr>
+              <p:extLst>
+                <p:ext uri="{386F3935-93C4-4BCD-93E2-E3B085C9AB24}">
+                  <p16:designElem xmlns:p16="http://schemas.microsoft.com/office/powerpoint/2015/main" val="1"/>
+                </p:ext>
+              </p:extLst>
+            </p:nvPr>
+          </p:nvCxnSpPr>
+          <p:spPr>
+            <a:xfrm>
+              <a:off x="0" y="6857999"/>
+              <a:ext cx="12192000" cy="0"/>
+            </a:xfrm>
+            <a:prstGeom prst="line">
+              <a:avLst/>
+            </a:prstGeom>
+            <a:ln w="12700">
+              <a:solidFill>
+                <a:srgbClr val="BCBCBC">
+                  <a:alpha val="29804"/>
+                </a:srgbClr>
+              </a:solidFill>
+              <a:prstDash val="sysDot"/>
+            </a:ln>
+          </p:spPr>
+          <p:style>
+            <a:lnRef idx="1">
+              <a:schemeClr val="accent1"/>
+            </a:lnRef>
+            <a:fillRef idx="0">
+              <a:schemeClr val="accent1"/>
+            </a:fillRef>
+            <a:effectRef idx="0">
+              <a:schemeClr val="accent1"/>
+            </a:effectRef>
+            <a:fontRef idx="minor">
+              <a:schemeClr val="tx1"/>
+            </a:fontRef>
+          </p:style>
+        </p:cxnSp>
+        <p:cxnSp>
+          <p:nvCxnSpPr>
+            <p:cNvPr id="1180" name="Straight Connector 1179">
+              <a:extLst>
+                <a:ext uri="{FF2B5EF4-FFF2-40B4-BE49-F238E27FC236}">
+                  <a16:creationId xmlns:a16="http://schemas.microsoft.com/office/drawing/2014/main" id="{53B72471-9DB5-428B-AF52-E11E03B9FD05}"/>
+                </a:ext>
+                <a:ext uri="{C183D7F6-B498-43B3-948B-1728B52AA6E4}">
+                  <adec:decorative xmlns:adec="http://schemas.microsoft.com/office/drawing/2017/decorative" val="1"/>
+                </a:ext>
+              </a:extLst>
+            </p:cNvPr>
+            <p:cNvCxnSpPr>
+              <a:cxnSpLocks/>
+            </p:cNvCxnSpPr>
+            <p:nvPr>
+              <p:extLst>
+                <p:ext uri="{386F3935-93C4-4BCD-93E2-E3B085C9AB24}">
+                  <p16:designElem xmlns:p16="http://schemas.microsoft.com/office/powerpoint/2015/main" val="1"/>
+                </p:ext>
+              </p:extLst>
+            </p:nvPr>
+          </p:nvCxnSpPr>
+          <p:spPr>
+            <a:xfrm>
+              <a:off x="16613" y="6143407"/>
+              <a:ext cx="12192000" cy="0"/>
+            </a:xfrm>
+            <a:prstGeom prst="line">
+              <a:avLst/>
+            </a:prstGeom>
+            <a:ln w="12700">
+              <a:solidFill>
+                <a:srgbClr val="BCBCBC">
+                  <a:alpha val="29804"/>
+                </a:srgbClr>
+              </a:solidFill>
+              <a:prstDash val="sysDot"/>
+            </a:ln>
+          </p:spPr>
+          <p:style>
+            <a:lnRef idx="1">
+              <a:schemeClr val="accent1"/>
+            </a:lnRef>
+            <a:fillRef idx="0">
+              <a:schemeClr val="accent1"/>
+            </a:fillRef>
+            <a:effectRef idx="0">
+              <a:schemeClr val="accent1"/>
+            </a:effectRef>
+            <a:fontRef idx="minor">
+              <a:schemeClr val="tx1"/>
+            </a:fontRef>
+          </p:style>
+        </p:cxnSp>
+        <p:cxnSp>
+          <p:nvCxnSpPr>
+            <p:cNvPr id="1181" name="Straight Connector 1180">
+              <a:extLst>
+                <a:ext uri="{FF2B5EF4-FFF2-40B4-BE49-F238E27FC236}">
+                  <a16:creationId xmlns:a16="http://schemas.microsoft.com/office/drawing/2014/main" id="{B8656B49-5277-4610-BD7B-F5D98170B5A7}"/>
+                </a:ext>
+                <a:ext uri="{C183D7F6-B498-43B3-948B-1728B52AA6E4}">
+                  <adec:decorative xmlns:adec="http://schemas.microsoft.com/office/drawing/2017/decorative" val="1"/>
+                </a:ext>
+              </a:extLst>
+            </p:cNvPr>
+            <p:cNvCxnSpPr>
+              <a:cxnSpLocks/>
+            </p:cNvCxnSpPr>
+            <p:nvPr>
+              <p:extLst>
+                <p:ext uri="{386F3935-93C4-4BCD-93E2-E3B085C9AB24}">
+                  <p16:designElem xmlns:p16="http://schemas.microsoft.com/office/powerpoint/2015/main" val="1"/>
+                </p:ext>
+              </p:extLst>
+            </p:nvPr>
+          </p:nvCxnSpPr>
+          <p:spPr>
+            <a:xfrm>
+              <a:off x="684225" y="171716"/>
+              <a:ext cx="0" cy="6511464"/>
+            </a:xfrm>
+            <a:prstGeom prst="line">
+              <a:avLst/>
+            </a:prstGeom>
+            <a:ln w="12700">
+              <a:solidFill>
+                <a:srgbClr val="BCBCBC">
+                  <a:alpha val="29804"/>
+                </a:srgbClr>
+              </a:solidFill>
+              <a:prstDash val="sysDot"/>
+            </a:ln>
+          </p:spPr>
+          <p:style>
+            <a:lnRef idx="1">
+              <a:schemeClr val="accent1"/>
+            </a:lnRef>
+            <a:fillRef idx="0">
+              <a:schemeClr val="accent1"/>
+            </a:fillRef>
+            <a:effectRef idx="0">
+              <a:schemeClr val="accent1"/>
+            </a:effectRef>
+            <a:fontRef idx="minor">
+              <a:schemeClr val="tx1"/>
+            </a:fontRef>
+          </p:style>
+        </p:cxnSp>
+        <p:cxnSp>
+          <p:nvCxnSpPr>
+            <p:cNvPr id="1182" name="Straight Connector 1181">
+              <a:extLst>
+                <a:ext uri="{FF2B5EF4-FFF2-40B4-BE49-F238E27FC236}">
+                  <a16:creationId xmlns:a16="http://schemas.microsoft.com/office/drawing/2014/main" id="{F1A47399-8F78-4DB1-BD21-1166BCB267CF}"/>
+                </a:ext>
+                <a:ext uri="{C183D7F6-B498-43B3-948B-1728B52AA6E4}">
+                  <adec:decorative xmlns:adec="http://schemas.microsoft.com/office/drawing/2017/decorative" val="1"/>
+                </a:ext>
+              </a:extLst>
+            </p:cNvPr>
+            <p:cNvCxnSpPr>
+              <a:cxnSpLocks/>
+            </p:cNvCxnSpPr>
+            <p:nvPr>
+              <p:extLst>
+                <p:ext uri="{386F3935-93C4-4BCD-93E2-E3B085C9AB24}">
+                  <p16:designElem xmlns:p16="http://schemas.microsoft.com/office/powerpoint/2015/main" val="1"/>
+                </p:ext>
+              </p:extLst>
+            </p:nvPr>
+          </p:nvCxnSpPr>
+          <p:spPr>
+            <a:xfrm>
+              <a:off x="11508412" y="173267"/>
+              <a:ext cx="0" cy="6511464"/>
+            </a:xfrm>
+            <a:prstGeom prst="line">
+              <a:avLst/>
+            </a:prstGeom>
+            <a:ln w="12700">
+              <a:solidFill>
+                <a:srgbClr val="BCBCBC">
+                  <a:alpha val="29804"/>
+                </a:srgbClr>
+              </a:solidFill>
+              <a:prstDash val="sysDot"/>
+            </a:ln>
+          </p:spPr>
+          <p:style>
+            <a:lnRef idx="1">
+              <a:schemeClr val="accent1"/>
+            </a:lnRef>
+            <a:fillRef idx="0">
+              <a:schemeClr val="accent1"/>
+            </a:fillRef>
+            <a:effectRef idx="0">
+              <a:schemeClr val="accent1"/>
+            </a:effectRef>
+            <a:fontRef idx="minor">
+              <a:schemeClr val="tx1"/>
+            </a:fontRef>
+          </p:style>
+        </p:cxnSp>
+      </p:grpSp>
+      <p:sp>
+        <p:nvSpPr>
+          <p:cNvPr id="1184" name="Right Triangle 1183">
+            <a:extLst>
+              <a:ext uri="{FF2B5EF4-FFF2-40B4-BE49-F238E27FC236}">
+                <a16:creationId xmlns:a16="http://schemas.microsoft.com/office/drawing/2014/main" id="{F952A221-69C2-46B3-890D-354CA5961656}"/>
+              </a:ext>
+              <a:ext uri="{C183D7F6-B498-43B3-948B-1728B52AA6E4}">
+                <adec:decorative xmlns:adec="http://schemas.microsoft.com/office/drawing/2017/decorative" val="1"/>
+              </a:ext>
+            </a:extLst>
+          </p:cNvPr>
+          <p:cNvSpPr>
+            <a:spLocks noGrp="1" noRot="1" noChangeAspect="1" noMove="1" noResize="1" noEditPoints="1" noAdjustHandles="1" noChangeArrowheads="1" noChangeShapeType="1" noTextEdit="1"/>
+          </p:cNvSpPr>
+          <p:nvPr>
+            <p:extLst>
+              <p:ext uri="{386F3935-93C4-4BCD-93E2-E3B085C9AB24}">
+                <p16:designElem xmlns:p16="http://schemas.microsoft.com/office/powerpoint/2015/main" val="1"/>
+              </p:ext>
+            </p:extLst>
+          </p:nvPr>
+        </p:nvSpPr>
+        <p:spPr>
+          <a:xfrm rot="18900000">
+            <a:off x="5810332" y="-286720"/>
+            <a:ext cx="568289" cy="568289"/>
+          </a:xfrm>
+          <a:prstGeom prst="rtTriangle">
+            <a:avLst/>
+          </a:prstGeom>
+          <a:solidFill>
+            <a:schemeClr val="accent1">
+              <a:alpha val="50000"/>
+            </a:schemeClr>
+          </a:solidFill>
+          <a:ln>
+            <a:noFill/>
+          </a:ln>
+        </p:spPr>
+        <p:style>
+          <a:lnRef idx="2">
+            <a:schemeClr val="accent1">
+              <a:shade val="50000"/>
+            </a:schemeClr>
+          </a:lnRef>
+          <a:fillRef idx="1">
+            <a:schemeClr val="accent1"/>
+          </a:fillRef>
+          <a:effectRef idx="0">
+            <a:schemeClr val="accent1"/>
+          </a:effectRef>
+          <a:fontRef idx="minor">
+            <a:schemeClr val="lt1"/>
+          </a:fontRef>
+        </p:style>
+        <p:txBody>
+          <a:bodyPr rtlCol="0" anchor="ctr"/>
+          <a:lstStyle/>
+          <a:p>
+            <a:pPr algn="ctr"/>
+            <a:endParaRPr lang="en-US">
+              <a:solidFill>
+                <a:schemeClr val="tx1"/>
+              </a:solidFill>
+            </a:endParaRPr>
+          </a:p>
+        </p:txBody>
+      </p:sp>
+      <p:sp>
+        <p:nvSpPr>
+          <p:cNvPr id="4" name="TextBox 3">
+            <a:extLst>
+              <a:ext uri="{FF2B5EF4-FFF2-40B4-BE49-F238E27FC236}">
+                <a16:creationId xmlns:a16="http://schemas.microsoft.com/office/drawing/2014/main" id="{50E7465D-453C-0262-0FC4-DAD143D48281}"/>
+              </a:ext>
+            </a:extLst>
+          </p:cNvPr>
+          <p:cNvSpPr txBox="1"/>
+          <p:nvPr/>
+        </p:nvSpPr>
+        <p:spPr>
+          <a:xfrm>
+            <a:off x="1169071" y="722904"/>
+            <a:ext cx="9821130" cy="1075904"/>
+          </a:xfrm>
+          <a:prstGeom prst="rect">
+            <a:avLst/>
+          </a:prstGeom>
+        </p:spPr>
+        <p:txBody>
+          <a:bodyPr vert="horz" lIns="91440" tIns="45720" rIns="91440" bIns="45720" rtlCol="0" anchor="b">
+            <a:normAutofit/>
+          </a:bodyPr>
+          <a:lstStyle/>
+          <a:p>
+            <a:pPr algn="ctr">
+              <a:spcBef>
+                <a:spcPct val="0"/>
+              </a:spcBef>
+              <a:spcAft>
+                <a:spcPts val="600"/>
+              </a:spcAft>
+            </a:pPr>
+            <a:r>
+              <a:rPr lang="en-US" sz="5400">
+                <a:solidFill>
+                  <a:schemeClr val="tx2"/>
+                </a:solidFill>
+                <a:latin typeface="+mj-lt"/>
+                <a:ea typeface="+mj-ea"/>
+                <a:cs typeface="+mj-cs"/>
+              </a:rPr>
+              <a:t>Body placement</a:t>
+            </a:r>
+            <a:endParaRPr lang="en-US" sz="5400" dirty="0">
+              <a:solidFill>
+                <a:schemeClr val="tx2"/>
+              </a:solidFill>
+              <a:latin typeface="+mj-lt"/>
+              <a:ea typeface="+mj-ea"/>
+              <a:cs typeface="+mj-cs"/>
+            </a:endParaRPr>
+          </a:p>
+        </p:txBody>
+      </p:sp>
+      <p:sp>
+        <p:nvSpPr>
+          <p:cNvPr id="13" name="Slide Number Placeholder 12">
+            <a:extLst>
+              <a:ext uri="{FF2B5EF4-FFF2-40B4-BE49-F238E27FC236}">
+                <a16:creationId xmlns:a16="http://schemas.microsoft.com/office/drawing/2014/main" id="{AC57419C-A143-4A31-A3E2-CCA83C1177D1}"/>
+              </a:ext>
+            </a:extLst>
+          </p:cNvPr>
+          <p:cNvSpPr>
+            <a:spLocks noGrp="1"/>
+          </p:cNvSpPr>
+          <p:nvPr>
+            <p:ph type="sldNum" sz="quarter" idx="12"/>
+          </p:nvPr>
+        </p:nvSpPr>
+        <p:spPr/>
+        <p:txBody>
+          <a:bodyPr/>
+          <a:lstStyle/>
+          <a:p>
+            <a:fld id="{BE15108C-154A-4A5A-9C05-91A49A422BA7}" type="slidenum">
+              <a:rPr lang="en-US" smtClean="0"/>
+              <a:t>4</a:t>
+            </a:fld>
+            <a:endParaRPr lang="en-US"/>
+          </a:p>
+        </p:txBody>
+      </p:sp>
+      <p:sp>
+        <p:nvSpPr>
+          <p:cNvPr id="14" name="Isosceles Triangle 13">
+            <a:extLst>
+              <a:ext uri="{FF2B5EF4-FFF2-40B4-BE49-F238E27FC236}">
+                <a16:creationId xmlns:a16="http://schemas.microsoft.com/office/drawing/2014/main" id="{D70B719B-8E1A-1493-0FE5-F3C18CB69DF6}"/>
+              </a:ext>
+            </a:extLst>
+          </p:cNvPr>
+          <p:cNvSpPr/>
+          <p:nvPr/>
+        </p:nvSpPr>
+        <p:spPr>
+          <a:xfrm rot="10800000">
+            <a:off x="5528207" y="-14344"/>
+            <a:ext cx="1168694" cy="415807"/>
+          </a:xfrm>
+          <a:prstGeom prst="triangle">
+            <a:avLst>
+              <a:gd name="adj" fmla="val 52608"/>
+            </a:avLst>
+          </a:prstGeom>
+          <a:solidFill>
+            <a:srgbClr val="87D7C6"/>
+          </a:solidFill>
+          <a:ln>
+            <a:noFill/>
+          </a:ln>
+        </p:spPr>
+        <p:style>
+          <a:lnRef idx="2">
+            <a:schemeClr val="accent1">
+              <a:shade val="15000"/>
+            </a:schemeClr>
+          </a:lnRef>
+          <a:fillRef idx="1">
+            <a:schemeClr val="accent1"/>
+          </a:fillRef>
+          <a:effectRef idx="0">
+            <a:schemeClr val="accent1"/>
+          </a:effectRef>
+          <a:fontRef idx="minor">
+            <a:schemeClr val="lt1"/>
+          </a:fontRef>
+        </p:style>
+        <p:txBody>
+          <a:bodyPr rtlCol="0" anchor="ctr"/>
+          <a:lstStyle/>
+          <a:p>
+            <a:pPr algn="ctr"/>
+            <a:endParaRPr lang="en-US">
+              <a:solidFill>
+                <a:srgbClr val="87D7C6"/>
+              </a:solidFill>
+            </a:endParaRPr>
+          </a:p>
+        </p:txBody>
+      </p:sp>
+      <p:pic>
+        <p:nvPicPr>
+          <p:cNvPr id="2" name="Picture 16">
+            <a:extLst>
+              <a:ext uri="{FF2B5EF4-FFF2-40B4-BE49-F238E27FC236}">
+                <a16:creationId xmlns:a16="http://schemas.microsoft.com/office/drawing/2014/main" id="{F8A99E8D-D986-1505-E480-86ED046BC7BC}"/>
+              </a:ext>
+            </a:extLst>
+          </p:cNvPr>
+          <p:cNvPicPr>
+            <a:picLocks noChangeAspect="1" noChangeArrowheads="1"/>
+          </p:cNvPicPr>
+          <p:nvPr/>
+        </p:nvPicPr>
+        <p:blipFill>
+          <a:blip r:embed="rId2">
+            <a:extLst>
+              <a:ext uri="{28A0092B-C50C-407E-A947-70E740481C1C}">
+                <a14:useLocalDpi xmlns:a14="http://schemas.microsoft.com/office/drawing/2010/main" val="0"/>
+              </a:ext>
+            </a:extLst>
+          </a:blip>
+          <a:srcRect/>
+          <a:stretch>
+            <a:fillRect/>
+          </a:stretch>
+        </p:blipFill>
+        <p:spPr bwMode="auto">
+          <a:xfrm>
+            <a:off x="3978559" y="2106092"/>
+            <a:ext cx="4357667" cy="4001791"/>
+          </a:xfrm>
+          <a:prstGeom prst="rect">
+            <a:avLst/>
+          </a:prstGeom>
+          <a:noFill/>
+          <a:extLst>
+            <a:ext uri="{909E8E84-426E-40DD-AFC4-6F175D3DCCD1}">
+              <a14:hiddenFill xmlns:a14="http://schemas.microsoft.com/office/drawing/2010/main">
+                <a:solidFill>
+                  <a:srgbClr val="FFFFFF"/>
+                </a:solidFill>
+              </a14:hiddenFill>
+            </a:ext>
+          </a:extLst>
+        </p:spPr>
+      </p:pic>
+    </p:spTree>
+    <p:extLst>
+      <p:ext uri="{BB962C8B-B14F-4D97-AF65-F5344CB8AC3E}">
+        <p14:creationId xmlns:p14="http://schemas.microsoft.com/office/powerpoint/2010/main" val="244390989"/>
+      </p:ext>
+    </p:extLst>
+  </p:cSld>
+  <p:clrMapOvr>
+    <a:masterClrMapping/>
+  </p:clrMapOvr>
+  <p:timing>
+    <p:tnLst>
+      <p:par>
+        <p:cTn id="1" dur="indefinite" restart="never" nodeType="tmRoot">
+          <p:childTnLst>
+            <p:seq concurrent="1" nextAc="seek">
+              <p:cTn id="2" dur="indefinite" nodeType="mainSeq">
+                <p:childTnLst>
+                  <p:par>
+                    <p:cTn id="3" fill="hold">
+                      <p:stCondLst>
+                        <p:cond delay="indefinite"/>
+                        <p:cond evt="onBegin" delay="0">
+                          <p:tn val="2"/>
+                        </p:cond>
+                      </p:stCondLst>
+                      <p:childTnLst>
+                        <p:par>
+                          <p:cTn id="4" fill="hold">
+                            <p:stCondLst>
+                              <p:cond delay="0"/>
+                            </p:stCondLst>
+                            <p:childTnLst>
+                              <p:par>
+                                <p:cTn id="5" presetID="42" presetClass="path" presetSubtype="0" accel="50000" decel="50000" fill="hold" grpId="0" nodeType="withEffect">
+                                  <p:stCondLst>
+                                    <p:cond delay="0"/>
+                                  </p:stCondLst>
+                                  <p:childTnLst>
+                                    <p:animMotion origin="layout" path="M 0.00273 -0.28334 L 2.29167E-6 3.7037E-6 " pathEditMode="relative" rAng="0" ptsTypes="AA">
+                                      <p:cBhvr>
+                                        <p:cTn id="6" dur="1000" fill="hold"/>
+                                        <p:tgtEl>
+                                          <p:spTgt spid="4"/>
+                                        </p:tgtEl>
+                                        <p:attrNameLst>
+                                          <p:attrName>ppt_x</p:attrName>
+                                          <p:attrName>ppt_y</p:attrName>
+                                        </p:attrNameLst>
+                                      </p:cBhvr>
+                                      <p:rCtr x="-143" y="14167"/>
+                                    </p:animMotion>
+                                  </p:childTnLst>
+                                </p:cTn>
+                              </p:par>
+                              <p:par>
+                                <p:cTn id="7" presetID="22" presetClass="entr" presetSubtype="4" fill="hold" nodeType="withEffect">
+                                  <p:stCondLst>
+                                    <p:cond delay="800"/>
+                                  </p:stCondLst>
+                                  <p:childTnLst>
+                                    <p:set>
+                                      <p:cBhvr>
+                                        <p:cTn id="8" dur="1" fill="hold">
+                                          <p:stCondLst>
+                                            <p:cond delay="0"/>
+                                          </p:stCondLst>
+                                        </p:cTn>
+                                        <p:tgtEl>
+                                          <p:spTgt spid="2"/>
+                                        </p:tgtEl>
+                                        <p:attrNameLst>
+                                          <p:attrName>style.visibility</p:attrName>
+                                        </p:attrNameLst>
+                                      </p:cBhvr>
+                                      <p:to>
+                                        <p:strVal val="visible"/>
+                                      </p:to>
+                                    </p:set>
+                                    <p:animEffect transition="in" filter="wipe(down)">
+                                      <p:cBhvr>
+                                        <p:cTn id="9" dur="700"/>
+                                        <p:tgtEl>
+                                          <p:spTgt spid="2"/>
+                                        </p:tgtEl>
+                                      </p:cBhvr>
+                                    </p:animEffect>
+                                  </p:childTnLst>
+                                </p:cTn>
+                              </p:par>
+                            </p:childTnLst>
+                          </p:cTn>
+                        </p:par>
+                      </p:childTnLst>
+                    </p:cTn>
+                  </p:par>
+                </p:childTnLst>
+              </p:cTn>
+              <p:prevCondLst>
+                <p:cond evt="onPrev" delay="0">
+                  <p:tgtEl>
+                    <p:sldTgt/>
+                  </p:tgtEl>
+                </p:cond>
+              </p:prevCondLst>
+              <p:nextCondLst>
+                <p:cond evt="onNext" delay="0">
+                  <p:tgtEl>
+                    <p:sldTgt/>
+                  </p:tgtEl>
+                </p:cond>
+              </p:nextCondLst>
+            </p:seq>
+          </p:childTnLst>
+        </p:cTn>
+      </p:par>
+    </p:tnLst>
+    <p:bldLst>
+      <p:bldP spid="4" grpId="0"/>
+    </p:bldLst>
+  </p:timing>
+</p:sld>
+</file>
+
+<file path=ppt/slides/slide5.xml><?xml version="1.0" encoding="utf-8"?>
 <p:sld xmlns:a="http://schemas.openxmlformats.org/drawingml/2006/main" xmlns:r="http://schemas.openxmlformats.org/officeDocument/2006/relationships" xmlns:p="http://schemas.openxmlformats.org/presentationml/2006/main">
   <p:cSld>
     <p:bg>
@@ -22222,7 +30521,7 @@
           <a:p>
             <a:fld id="{BE15108C-154A-4A5A-9C05-91A49A422BA7}" type="slidenum">
               <a:rPr lang="en-US" smtClean="0"/>
-              <a:t>3</a:t>
+              <a:t>5</a:t>
             </a:fld>
             <a:endParaRPr lang="en-US"/>
           </a:p>
@@ -22257,9 +30556,10 @@
           <a:lstStyle/>
           <a:p>
             <a:r>
-              <a:rPr lang="en-US" dirty="0"/>
-              <a:t>Software</a:t>
+              <a:rPr lang="en-US"/>
+              <a:t>Software of Arduino</a:t>
             </a:r>
+            <a:endParaRPr lang="en-US" dirty="0"/>
           </a:p>
         </p:txBody>
       </p:sp>
@@ -22360,9 +30660,9 @@
                                     <p:cond delay="0"/>
                                   </p:stCondLst>
                                   <p:childTnLst>
-                                    <p:animMotion origin="layout" path="M -0.21953 0.00278 L -3.33333E-6 4.07407E-6 " pathEditMode="relative" rAng="0" ptsTypes="AA">
+                                    <p:animMotion origin="layout" path="M -0.31407 0.00579 L 2.70833E-6 7.40741E-7 " pathEditMode="relative" rAng="0" ptsTypes="AA">
                                       <p:cBhvr>
-                                        <p:cTn id="6" dur="2000" fill="hold"/>
+                                        <p:cTn id="6" dur="1000" fill="hold"/>
                                         <p:tgtEl>
                                           <p:spTgt spid="2"/>
                                         </p:tgtEl>
@@ -22371,7 +30671,7 @@
                                           <p:attrName>ppt_y</p:attrName>
                                         </p:attrNameLst>
                                       </p:cBhvr>
-                                      <p:rCtr x="10846" y="-255"/>
+                                      <p:rCtr x="15703" y="-301"/>
                                     </p:animMotion>
                                   </p:childTnLst>
                                 </p:cTn>
@@ -22402,7 +30702,7 @@
                                     </p:set>
                                     <p:animEffect transition="in" filter="fade">
                                       <p:cBhvr>
-                                        <p:cTn id="9" dur="2000"/>
+                                        <p:cTn id="9" dur="1000"/>
                                         <p:tgtEl>
                                           <p:spTgt spid="3"/>
                                         </p:tgtEl>
@@ -22445,7 +30745,7 @@
 </p:sld>
 </file>
 
-<file path=ppt/slides/slide4.xml><?xml version="1.0" encoding="utf-8"?>
+<file path=ppt/slides/slide6.xml><?xml version="1.0" encoding="utf-8"?>
 <p:sld xmlns:a="http://schemas.openxmlformats.org/drawingml/2006/main" xmlns:r="http://schemas.openxmlformats.org/officeDocument/2006/relationships" xmlns:p="http://schemas.openxmlformats.org/presentationml/2006/main">
   <p:cSld>
     <p:spTree>
@@ -22480,50 +30780,24 @@
         </p:nvSpPr>
         <p:spPr>
           <a:xfrm>
-            <a:off x="691079" y="1310640"/>
-            <a:ext cx="2732841" cy="857774"/>
+            <a:off x="557729" y="367254"/>
+            <a:ext cx="3995221" cy="857774"/>
           </a:xfrm>
         </p:spPr>
         <p:txBody>
-          <a:bodyPr/>
+          <a:bodyPr>
+            <a:normAutofit/>
+          </a:bodyPr>
           <a:lstStyle/>
           <a:p>
             <a:r>
-              <a:rPr lang="en-US" dirty="0"/>
-              <a:t>The result</a:t>
+              <a:rPr lang="en-US" sz="4000"/>
+              <a:t>MATLAB code:</a:t>
             </a:r>
+            <a:endParaRPr lang="en-US" sz="4000" dirty="0"/>
           </a:p>
         </p:txBody>
       </p:sp>
-      <p:pic>
-        <p:nvPicPr>
-          <p:cNvPr id="5" name="Content Placeholder 4">
-            <a:extLst>
-              <a:ext uri="{FF2B5EF4-FFF2-40B4-BE49-F238E27FC236}">
-                <a16:creationId xmlns:a16="http://schemas.microsoft.com/office/drawing/2014/main" id="{DD82A860-F05E-6298-1F3A-FEDB0AA74878}"/>
-              </a:ext>
-            </a:extLst>
-          </p:cNvPr>
-          <p:cNvPicPr>
-            <a:picLocks noGrp="1" noChangeAspect="1"/>
-          </p:cNvPicPr>
-          <p:nvPr>
-            <p:ph idx="1"/>
-          </p:nvPr>
-        </p:nvPicPr>
-        <p:blipFill>
-          <a:blip r:embed="rId2"/>
-          <a:stretch>
-            <a:fillRect/>
-          </a:stretch>
-        </p:blipFill>
-        <p:spPr>
-          <a:xfrm>
-            <a:off x="3102896" y="2380615"/>
-            <a:ext cx="7065074" cy="3563938"/>
-          </a:xfrm>
-        </p:spPr>
-      </p:pic>
       <p:sp>
         <p:nvSpPr>
           <p:cNvPr id="6" name="Slide Number Placeholder 5">
@@ -22547,7 +30821,7 @@
           <a:p>
             <a:fld id="{BE15108C-154A-4A5A-9C05-91A49A422BA7}" type="slidenum">
               <a:rPr lang="en-US" smtClean="0"/>
-              <a:t>4</a:t>
+              <a:t>6</a:t>
             </a:fld>
             <a:endParaRPr lang="en-US"/>
           </a:p>
@@ -22567,7 +30841,7 @@
         </p:nvSpPr>
         <p:spPr>
           <a:xfrm rot="5400000">
-            <a:off x="-376444" y="1588364"/>
+            <a:off x="-376444" y="588238"/>
             <a:ext cx="1168694" cy="415807"/>
           </a:xfrm>
           <a:prstGeom prst="triangle">
@@ -22608,6 +30882,92 @@
                 <a:srgbClr val="87D7C6"/>
               </a:solidFill>
             </a:endParaRPr>
+          </a:p>
+        </p:txBody>
+      </p:sp>
+      <p:pic>
+        <p:nvPicPr>
+          <p:cNvPr id="9" name="Picture 8">
+            <a:extLst>
+              <a:ext uri="{FF2B5EF4-FFF2-40B4-BE49-F238E27FC236}">
+                <a16:creationId xmlns:a16="http://schemas.microsoft.com/office/drawing/2014/main" id="{C5168F29-FCD2-44BF-FD46-0B2A20CEE606}"/>
+              </a:ext>
+            </a:extLst>
+          </p:cNvPr>
+          <p:cNvPicPr>
+            <a:picLocks noChangeAspect="1"/>
+          </p:cNvPicPr>
+          <p:nvPr/>
+        </p:nvPicPr>
+        <p:blipFill>
+          <a:blip r:embed="rId2"/>
+          <a:stretch>
+            <a:fillRect/>
+          </a:stretch>
+        </p:blipFill>
+        <p:spPr>
+          <a:xfrm>
+            <a:off x="1038225" y="1234590"/>
+            <a:ext cx="9635849" cy="5189844"/>
+          </a:xfrm>
+          <a:prstGeom prst="rect">
+            <a:avLst/>
+          </a:prstGeom>
+        </p:spPr>
+      </p:pic>
+      <p:sp>
+        <p:nvSpPr>
+          <p:cNvPr id="10" name="Rectangle 9">
+            <a:extLst>
+              <a:ext uri="{FF2B5EF4-FFF2-40B4-BE49-F238E27FC236}">
+                <a16:creationId xmlns:a16="http://schemas.microsoft.com/office/drawing/2014/main" id="{204E5399-2C0B-24D8-3048-4BF42124FF21}"/>
+              </a:ext>
+            </a:extLst>
+          </p:cNvPr>
+          <p:cNvSpPr>
+            <a:spLocks noGrp="1" noRot="1" noMove="1" noResize="1" noEditPoints="1" noAdjustHandles="1" noChangeArrowheads="1" noChangeShapeType="1"/>
+          </p:cNvSpPr>
+          <p:nvPr/>
+        </p:nvSpPr>
+        <p:spPr>
+          <a:xfrm>
+            <a:off x="-1" y="1380489"/>
+            <a:ext cx="752475" cy="1095375"/>
+          </a:xfrm>
+          <a:prstGeom prst="rect">
+            <a:avLst/>
+          </a:prstGeom>
+          <a:solidFill>
+            <a:schemeClr val="bg1"/>
+          </a:solidFill>
+          <a:ln>
+            <a:solidFill>
+              <a:schemeClr val="bg1"/>
+            </a:solidFill>
+          </a:ln>
+        </p:spPr>
+        <p:style>
+          <a:lnRef idx="2">
+            <a:schemeClr val="accent1">
+              <a:shade val="15000"/>
+            </a:schemeClr>
+          </a:lnRef>
+          <a:fillRef idx="1">
+            <a:schemeClr val="accent1"/>
+          </a:fillRef>
+          <a:effectRef idx="0">
+            <a:schemeClr val="accent1"/>
+          </a:effectRef>
+          <a:fontRef idx="minor">
+            <a:schemeClr val="lt1"/>
+          </a:fontRef>
+        </p:style>
+        <p:txBody>
+          <a:bodyPr rtlCol="1" anchor="ctr"/>
+          <a:lstStyle/>
+          <a:p>
+            <a:pPr algn="ctr"/>
+            <a:endParaRPr lang="ar-EG"/>
           </a:p>
         </p:txBody>
       </p:sp>
@@ -22650,9 +31010,9 @@
                                     <p:cond delay="0"/>
                                   </p:stCondLst>
                                   <p:childTnLst>
-                                    <p:animMotion origin="layout" path="M -0.2612 -0.00324 L 6.25E-7 -7.40741E-7 " pathEditMode="relative" rAng="0" ptsTypes="AA">
+                                    <p:animMotion origin="layout" path="M -0.29115 -0.0037 L 4.79167E-6 -2.22222E-6 " pathEditMode="relative" rAng="0" ptsTypes="AA">
                                       <p:cBhvr>
-                                        <p:cTn id="6" dur="2000" fill="hold"/>
+                                        <p:cTn id="6" dur="1000" fill="hold"/>
                                         <p:tgtEl>
                                           <p:spTgt spid="2"/>
                                         </p:tgtEl>
@@ -22661,26 +31021,35 @@
                                           <p:attrName>ppt_y</p:attrName>
                                         </p:attrNameLst>
                                       </p:cBhvr>
-                                      <p:rCtr x="13034" y="139"/>
+                                      <p:rCtr x="14557" y="185"/>
                                     </p:animMotion>
                                   </p:childTnLst>
                                 </p:cTn>
                               </p:par>
+                            </p:childTnLst>
+                          </p:cTn>
+                        </p:par>
+                        <p:par>
+                          <p:cTn id="7" fill="hold">
+                            <p:stCondLst>
+                              <p:cond delay="1000"/>
+                            </p:stCondLst>
+                            <p:childTnLst>
                               <p:par>
-                                <p:cTn id="7" presetID="10" presetClass="entr" presetSubtype="0" fill="hold" nodeType="withEffect">
+                                <p:cTn id="8" presetID="10" presetClass="entr" presetSubtype="0" fill="hold" nodeType="afterEffect">
                                   <p:stCondLst>
                                     <p:cond delay="0"/>
                                   </p:stCondLst>
                                   <p:childTnLst>
                                     <p:set>
                                       <p:cBhvr>
-                                        <p:cTn id="8" dur="1" fill="hold">
+                                        <p:cTn id="9" dur="1" fill="hold">
                                           <p:stCondLst>
                                             <p:cond delay="0"/>
                                           </p:stCondLst>
                                         </p:cTn>
                                         <p:tgtEl>
-                                          <p:spTgt spid="5"/>
+                                          <p:spTgt spid="9"/>
                                         </p:tgtEl>
                                         <p:attrNameLst>
                                           <p:attrName>style.visibility</p:attrName>
@@ -22692,9 +31061,9 @@
                                     </p:set>
                                     <p:animEffect transition="in" filter="fade">
                                       <p:cBhvr>
-                                        <p:cTn id="9" dur="2000"/>
+                                        <p:cTn id="10" dur="500"/>
                                         <p:tgtEl>
-                                          <p:spTgt spid="5"/>
+                                          <p:spTgt spid="9"/>
                                         </p:tgtEl>
                                       </p:cBhvr>
                                     </p:animEffect>
